--- a/week2/js2주 5회차 과제/i-keeper js2주 5회차 과제.pptx
+++ b/week2/js2주 5회차 과제/i-keeper js2주 5회차 과제.pptx
@@ -11,6 +11,8 @@
     <p:sldId id="259" r:id="rId5"/>
     <p:sldId id="260" r:id="rId6"/>
     <p:sldId id="261" r:id="rId7"/>
+    <p:sldId id="262" r:id="rId8"/>
+    <p:sldId id="263" r:id="rId9"/>
   </p:sldIdLst>
   <p:sldSz cx="6858000" cy="9906000" type="A4"/>
   <p:notesSz cx="6858000" cy="9144000"/>
@@ -120,7 +122,7 @@
 <file path=ppt/revisionInfo.xml><?xml version="1.0" encoding="utf-8"?>
 <p1510:revInfo xmlns:a="http://schemas.openxmlformats.org/drawingml/2006/main" xmlns:r="http://schemas.openxmlformats.org/officeDocument/2006/relationships" xmlns:p1510="http://schemas.microsoft.com/office/powerpoint/2015/10/main">
   <p1510:revLst>
-    <p1510:client id="{C63D69A4-6799-4B17-9FAB-5A5673F569BC}" v="168" dt="2023-10-05T09:38:27.562"/>
+    <p1510:client id="{C63D69A4-6799-4B17-9FAB-5A5673F569BC}" v="169" dt="2023-10-06T09:45:11.917"/>
   </p1510:revLst>
 </p1510:revInfo>
 </file>
@@ -130,7 +132,7 @@
   <pc:docChgLst>
     <pc:chgData name="영록 이" userId="2230d7116141ff97" providerId="LiveId" clId="{C63D69A4-6799-4B17-9FAB-5A5673F569BC}"/>
     <pc:docChg chg="undo custSel addSld delSld modSld">
-      <pc:chgData name="영록 이" userId="2230d7116141ff97" providerId="LiveId" clId="{C63D69A4-6799-4B17-9FAB-5A5673F569BC}" dt="2023-10-05T09:39:20.791" v="5580" actId="20577"/>
+      <pc:chgData name="영록 이" userId="2230d7116141ff97" providerId="LiveId" clId="{C63D69A4-6799-4B17-9FAB-5A5673F569BC}" dt="2023-10-06T09:54:31.106" v="5788" actId="20577"/>
       <pc:docMkLst>
         <pc:docMk/>
       </pc:docMkLst>
@@ -542,7 +544,7 @@
         </pc:picChg>
       </pc:sldChg>
       <pc:sldChg chg="addSp delSp modSp new mod">
-        <pc:chgData name="영록 이" userId="2230d7116141ff97" providerId="LiveId" clId="{C63D69A4-6799-4B17-9FAB-5A5673F569BC}" dt="2023-10-05T09:39:20.791" v="5580" actId="20577"/>
+        <pc:chgData name="영록 이" userId="2230d7116141ff97" providerId="LiveId" clId="{C63D69A4-6799-4B17-9FAB-5A5673F569BC}" dt="2023-10-06T09:44:59.184" v="5592" actId="20577"/>
         <pc:sldMkLst>
           <pc:docMk/>
           <pc:sldMk cId="2776890718" sldId="261"/>
@@ -596,11 +598,73 @@
           </ac:spMkLst>
         </pc:spChg>
         <pc:spChg chg="add mod">
-          <ac:chgData name="영록 이" userId="2230d7116141ff97" providerId="LiveId" clId="{C63D69A4-6799-4B17-9FAB-5A5673F569BC}" dt="2023-10-05T09:39:20.791" v="5580" actId="20577"/>
+          <ac:chgData name="영록 이" userId="2230d7116141ff97" providerId="LiveId" clId="{C63D69A4-6799-4B17-9FAB-5A5673F569BC}" dt="2023-10-06T09:44:59.184" v="5592" actId="20577"/>
           <ac:spMkLst>
             <pc:docMk/>
             <pc:sldMk cId="2776890718" sldId="261"/>
             <ac:spMk id="9" creationId="{C4E0FF39-85E0-06BB-EF25-9D44E57FFF40}"/>
+          </ac:spMkLst>
+        </pc:spChg>
+      </pc:sldChg>
+      <pc:sldChg chg="addSp delSp modSp new mod">
+        <pc:chgData name="영록 이" userId="2230d7116141ff97" providerId="LiveId" clId="{C63D69A4-6799-4B17-9FAB-5A5673F569BC}" dt="2023-10-06T09:54:31.106" v="5788" actId="20577"/>
+        <pc:sldMkLst>
+          <pc:docMk/>
+          <pc:sldMk cId="1738115701" sldId="262"/>
+        </pc:sldMkLst>
+        <pc:spChg chg="del">
+          <ac:chgData name="영록 이" userId="2230d7116141ff97" providerId="LiveId" clId="{C63D69A4-6799-4B17-9FAB-5A5673F569BC}" dt="2023-10-06T09:45:03.476" v="5594" actId="478"/>
+          <ac:spMkLst>
+            <pc:docMk/>
+            <pc:sldMk cId="1738115701" sldId="262"/>
+            <ac:spMk id="2" creationId="{1CDDF9BF-53F1-5038-92B5-22103E7F3668}"/>
+          </ac:spMkLst>
+        </pc:spChg>
+        <pc:spChg chg="del">
+          <ac:chgData name="영록 이" userId="2230d7116141ff97" providerId="LiveId" clId="{C63D69A4-6799-4B17-9FAB-5A5673F569BC}" dt="2023-10-06T09:45:04.815" v="5595" actId="478"/>
+          <ac:spMkLst>
+            <pc:docMk/>
+            <pc:sldMk cId="1738115701" sldId="262"/>
+            <ac:spMk id="3" creationId="{893E5971-DBED-579B-DA8F-8063F929CB57}"/>
+          </ac:spMkLst>
+        </pc:spChg>
+        <pc:spChg chg="add mod">
+          <ac:chgData name="영록 이" userId="2230d7116141ff97" providerId="LiveId" clId="{C63D69A4-6799-4B17-9FAB-5A5673F569BC}" dt="2023-10-06T09:54:31.106" v="5788" actId="20577"/>
+          <ac:spMkLst>
+            <pc:docMk/>
+            <pc:sldMk cId="1738115701" sldId="262"/>
+            <ac:spMk id="4" creationId="{D86281E9-A56F-5151-E4FA-CBF34C5D599F}"/>
+          </ac:spMkLst>
+        </pc:spChg>
+      </pc:sldChg>
+      <pc:sldChg chg="addSp delSp modSp new mod">
+        <pc:chgData name="영록 이" userId="2230d7116141ff97" providerId="LiveId" clId="{C63D69A4-6799-4B17-9FAB-5A5673F569BC}" dt="2023-10-06T09:53:45.787" v="5709" actId="20577"/>
+        <pc:sldMkLst>
+          <pc:docMk/>
+          <pc:sldMk cId="3371741288" sldId="263"/>
+        </pc:sldMkLst>
+        <pc:spChg chg="del">
+          <ac:chgData name="영록 이" userId="2230d7116141ff97" providerId="LiveId" clId="{C63D69A4-6799-4B17-9FAB-5A5673F569BC}" dt="2023-10-06T09:51:05.248" v="5621" actId="478"/>
+          <ac:spMkLst>
+            <pc:docMk/>
+            <pc:sldMk cId="3371741288" sldId="263"/>
+            <ac:spMk id="2" creationId="{1627D6B2-461D-F7E0-9E84-45C28365AD6E}"/>
+          </ac:spMkLst>
+        </pc:spChg>
+        <pc:spChg chg="del">
+          <ac:chgData name="영록 이" userId="2230d7116141ff97" providerId="LiveId" clId="{C63D69A4-6799-4B17-9FAB-5A5673F569BC}" dt="2023-10-06T09:51:05.996" v="5622" actId="478"/>
+          <ac:spMkLst>
+            <pc:docMk/>
+            <pc:sldMk cId="3371741288" sldId="263"/>
+            <ac:spMk id="3" creationId="{24B93084-21A6-DF29-DB30-7AFC649B3F86}"/>
+          </ac:spMkLst>
+        </pc:spChg>
+        <pc:spChg chg="add mod">
+          <ac:chgData name="영록 이" userId="2230d7116141ff97" providerId="LiveId" clId="{C63D69A4-6799-4B17-9FAB-5A5673F569BC}" dt="2023-10-06T09:53:45.787" v="5709" actId="20577"/>
+          <ac:spMkLst>
+            <pc:docMk/>
+            <pc:sldMk cId="3371741288" sldId="263"/>
+            <ac:spMk id="5" creationId="{85AD5CF8-A4CB-6EE4-7A81-D2AE52D6CCCD}"/>
           </ac:spMkLst>
         </pc:spChg>
       </pc:sldChg>
@@ -740,7 +804,7 @@
           <a:p>
             <a:fld id="{ABB647EB-8659-46D2-BDBA-9953C2EAC400}" type="datetimeFigureOut">
               <a:rPr lang="ko-KR" altLang="en-US" smtClean="0"/>
-              <a:t>2023-10-05</a:t>
+              <a:t>2023-10-06</a:t>
             </a:fld>
             <a:endParaRPr lang="ko-KR" altLang="en-US"/>
           </a:p>
@@ -910,7 +974,7 @@
           <a:p>
             <a:fld id="{ABB647EB-8659-46D2-BDBA-9953C2EAC400}" type="datetimeFigureOut">
               <a:rPr lang="ko-KR" altLang="en-US" smtClean="0"/>
-              <a:t>2023-10-05</a:t>
+              <a:t>2023-10-06</a:t>
             </a:fld>
             <a:endParaRPr lang="ko-KR" altLang="en-US"/>
           </a:p>
@@ -1090,7 +1154,7 @@
           <a:p>
             <a:fld id="{ABB647EB-8659-46D2-BDBA-9953C2EAC400}" type="datetimeFigureOut">
               <a:rPr lang="ko-KR" altLang="en-US" smtClean="0"/>
-              <a:t>2023-10-05</a:t>
+              <a:t>2023-10-06</a:t>
             </a:fld>
             <a:endParaRPr lang="ko-KR" altLang="en-US"/>
           </a:p>
@@ -1260,7 +1324,7 @@
           <a:p>
             <a:fld id="{ABB647EB-8659-46D2-BDBA-9953C2EAC400}" type="datetimeFigureOut">
               <a:rPr lang="ko-KR" altLang="en-US" smtClean="0"/>
-              <a:t>2023-10-05</a:t>
+              <a:t>2023-10-06</a:t>
             </a:fld>
             <a:endParaRPr lang="ko-KR" altLang="en-US"/>
           </a:p>
@@ -1504,7 +1568,7 @@
           <a:p>
             <a:fld id="{ABB647EB-8659-46D2-BDBA-9953C2EAC400}" type="datetimeFigureOut">
               <a:rPr lang="ko-KR" altLang="en-US" smtClean="0"/>
-              <a:t>2023-10-05</a:t>
+              <a:t>2023-10-06</a:t>
             </a:fld>
             <a:endParaRPr lang="ko-KR" altLang="en-US"/>
           </a:p>
@@ -1736,7 +1800,7 @@
           <a:p>
             <a:fld id="{ABB647EB-8659-46D2-BDBA-9953C2EAC400}" type="datetimeFigureOut">
               <a:rPr lang="ko-KR" altLang="en-US" smtClean="0"/>
-              <a:t>2023-10-05</a:t>
+              <a:t>2023-10-06</a:t>
             </a:fld>
             <a:endParaRPr lang="ko-KR" altLang="en-US"/>
           </a:p>
@@ -2103,7 +2167,7 @@
           <a:p>
             <a:fld id="{ABB647EB-8659-46D2-BDBA-9953C2EAC400}" type="datetimeFigureOut">
               <a:rPr lang="ko-KR" altLang="en-US" smtClean="0"/>
-              <a:t>2023-10-05</a:t>
+              <a:t>2023-10-06</a:t>
             </a:fld>
             <a:endParaRPr lang="ko-KR" altLang="en-US"/>
           </a:p>
@@ -2221,7 +2285,7 @@
           <a:p>
             <a:fld id="{ABB647EB-8659-46D2-BDBA-9953C2EAC400}" type="datetimeFigureOut">
               <a:rPr lang="ko-KR" altLang="en-US" smtClean="0"/>
-              <a:t>2023-10-05</a:t>
+              <a:t>2023-10-06</a:t>
             </a:fld>
             <a:endParaRPr lang="ko-KR" altLang="en-US"/>
           </a:p>
@@ -2316,7 +2380,7 @@
           <a:p>
             <a:fld id="{ABB647EB-8659-46D2-BDBA-9953C2EAC400}" type="datetimeFigureOut">
               <a:rPr lang="ko-KR" altLang="en-US" smtClean="0"/>
-              <a:t>2023-10-05</a:t>
+              <a:t>2023-10-06</a:t>
             </a:fld>
             <a:endParaRPr lang="ko-KR" altLang="en-US"/>
           </a:p>
@@ -2593,7 +2657,7 @@
           <a:p>
             <a:fld id="{ABB647EB-8659-46D2-BDBA-9953C2EAC400}" type="datetimeFigureOut">
               <a:rPr lang="ko-KR" altLang="en-US" smtClean="0"/>
-              <a:t>2023-10-05</a:t>
+              <a:t>2023-10-06</a:t>
             </a:fld>
             <a:endParaRPr lang="ko-KR" altLang="en-US"/>
           </a:p>
@@ -2850,7 +2914,7 @@
           <a:p>
             <a:fld id="{ABB647EB-8659-46D2-BDBA-9953C2EAC400}" type="datetimeFigureOut">
               <a:rPr lang="ko-KR" altLang="en-US" smtClean="0"/>
-              <a:t>2023-10-05</a:t>
+              <a:t>2023-10-06</a:t>
             </a:fld>
             <a:endParaRPr lang="ko-KR" altLang="en-US"/>
           </a:p>
@@ -3063,7 +3127,7 @@
           <a:p>
             <a:fld id="{ABB647EB-8659-46D2-BDBA-9953C2EAC400}" type="datetimeFigureOut">
               <a:rPr lang="ko-KR" altLang="en-US" smtClean="0"/>
-              <a:t>2023-10-05</a:t>
+              <a:t>2023-10-06</a:t>
             </a:fld>
             <a:endParaRPr lang="ko-KR" altLang="en-US"/>
           </a:p>
@@ -5769,7 +5833,7 @@
         <p:spPr>
           <a:xfrm>
             <a:off x="447370" y="5881225"/>
-            <a:ext cx="5635013" cy="646331"/>
+            <a:ext cx="5635013" cy="369332"/>
           </a:xfrm>
           <a:prstGeom prst="rect">
             <a:avLst/>
@@ -5783,28 +5847,9 @@
           <a:lstStyle/>
           <a:p>
             <a:r>
-              <a:rPr lang="en-US" altLang="ko-KR" dirty="0"/>
-              <a:t>…</a:t>
-            </a:r>
-          </a:p>
-          <a:p>
-            <a:r>
               <a:rPr lang="ko-KR" altLang="en-US" dirty="0"/>
-              <a:t>현재시각 </a:t>
-            </a:r>
-            <a:r>
-              <a:rPr lang="en-US" altLang="ko-KR" dirty="0"/>
-              <a:t>6:39 </a:t>
-            </a:r>
-            <a:r>
-              <a:rPr lang="ko-KR" altLang="en-US" dirty="0" err="1"/>
-              <a:t>일단올립니다</a:t>
-            </a:r>
-            <a:r>
-              <a:rPr lang="en-US" altLang="ko-KR"/>
-              <a:t>..</a:t>
-            </a:r>
-            <a:endParaRPr lang="ko-KR" altLang="en-US" dirty="0"/>
+              <a:t>아래에</a:t>
+            </a:r>
           </a:p>
         </p:txBody>
       </p:sp>
@@ -5812,6 +5857,5215 @@
     <p:extLst>
       <p:ext uri="{BB962C8B-B14F-4D97-AF65-F5344CB8AC3E}">
         <p14:creationId xmlns:p14="http://schemas.microsoft.com/office/powerpoint/2010/main" val="2776890718"/>
+      </p:ext>
+    </p:extLst>
+  </p:cSld>
+  <p:clrMapOvr>
+    <a:masterClrMapping/>
+  </p:clrMapOvr>
+</p:sld>
+</file>
+
+<file path=ppt/slides/slide7.xml><?xml version="1.0" encoding="utf-8"?>
+<p:sld xmlns:a="http://schemas.openxmlformats.org/drawingml/2006/main" xmlns:r="http://schemas.openxmlformats.org/officeDocument/2006/relationships" xmlns:p="http://schemas.openxmlformats.org/presentationml/2006/main">
+  <p:cSld>
+    <p:spTree>
+      <p:nvGrpSpPr>
+        <p:cNvPr id="1" name=""/>
+        <p:cNvGrpSpPr/>
+        <p:nvPr/>
+      </p:nvGrpSpPr>
+      <p:grpSpPr>
+        <a:xfrm>
+          <a:off x="0" y="0"/>
+          <a:ext cx="0" cy="0"/>
+          <a:chOff x="0" y="0"/>
+          <a:chExt cx="0" cy="0"/>
+        </a:xfrm>
+      </p:grpSpPr>
+      <p:sp>
+        <p:nvSpPr>
+          <p:cNvPr id="4" name="TextBox 3">
+            <a:extLst>
+              <a:ext uri="{FF2B5EF4-FFF2-40B4-BE49-F238E27FC236}">
+                <a16:creationId xmlns:a16="http://schemas.microsoft.com/office/drawing/2014/main" id="{D86281E9-A56F-5151-E4FA-CBF34C5D599F}"/>
+              </a:ext>
+            </a:extLst>
+          </p:cNvPr>
+          <p:cNvSpPr txBox="1"/>
+          <p:nvPr/>
+        </p:nvSpPr>
+        <p:spPr>
+          <a:xfrm>
+            <a:off x="105508" y="142521"/>
+            <a:ext cx="6752492" cy="9787295"/>
+          </a:xfrm>
+          <a:prstGeom prst="rect">
+            <a:avLst/>
+          </a:prstGeom>
+          <a:noFill/>
+        </p:spPr>
+        <p:txBody>
+          <a:bodyPr wrap="square">
+            <a:spAutoFit/>
+          </a:bodyPr>
+          <a:lstStyle/>
+          <a:p>
+            <a:r>
+              <a:rPr lang="en-US" altLang="ko-KR" sz="1000" dirty="0">
+                <a:solidFill>
+                  <a:srgbClr val="0000FF"/>
+                </a:solidFill>
+                <a:latin typeface="돋움체" panose="020B0609000101010101" pitchFamily="49" charset="-127"/>
+                <a:ea typeface="돋움체" panose="020B0609000101010101" pitchFamily="49" charset="-127"/>
+              </a:rPr>
+              <a:t>class</a:t>
+            </a:r>
+            <a:r>
+              <a:rPr lang="en-US" altLang="ko-KR" sz="1000" dirty="0">
+                <a:solidFill>
+                  <a:srgbClr val="000000"/>
+                </a:solidFill>
+                <a:latin typeface="돋움체" panose="020B0609000101010101" pitchFamily="49" charset="-127"/>
+                <a:ea typeface="돋움체" panose="020B0609000101010101" pitchFamily="49" charset="-127"/>
+              </a:rPr>
+              <a:t> </a:t>
+            </a:r>
+            <a:r>
+              <a:rPr lang="en-US" altLang="ko-KR" sz="1000" dirty="0">
+                <a:solidFill>
+                  <a:srgbClr val="2B91AF"/>
+                </a:solidFill>
+                <a:latin typeface="돋움체" panose="020B0609000101010101" pitchFamily="49" charset="-127"/>
+                <a:ea typeface="돋움체" panose="020B0609000101010101" pitchFamily="49" charset="-127"/>
+              </a:rPr>
+              <a:t>Country</a:t>
+            </a:r>
+            <a:r>
+              <a:rPr lang="en-US" altLang="ko-KR" sz="1000" dirty="0">
+                <a:solidFill>
+                  <a:srgbClr val="000000"/>
+                </a:solidFill>
+                <a:latin typeface="돋움체" panose="020B0609000101010101" pitchFamily="49" charset="-127"/>
+                <a:ea typeface="돋움체" panose="020B0609000101010101" pitchFamily="49" charset="-127"/>
+              </a:rPr>
+              <a:t> {</a:t>
+            </a:r>
+          </a:p>
+          <a:p>
+            <a:r>
+              <a:rPr lang="en-US" altLang="ko-KR" sz="1000" dirty="0">
+                <a:solidFill>
+                  <a:srgbClr val="000000"/>
+                </a:solidFill>
+                <a:latin typeface="돋움체" panose="020B0609000101010101" pitchFamily="49" charset="-127"/>
+                <a:ea typeface="돋움체" panose="020B0609000101010101" pitchFamily="49" charset="-127"/>
+              </a:rPr>
+              <a:t>    constructor(name, capital, hint) {</a:t>
+            </a:r>
+          </a:p>
+          <a:p>
+            <a:r>
+              <a:rPr lang="en-US" altLang="ko-KR" sz="1000" dirty="0">
+                <a:solidFill>
+                  <a:srgbClr val="000000"/>
+                </a:solidFill>
+                <a:latin typeface="돋움체" panose="020B0609000101010101" pitchFamily="49" charset="-127"/>
+                <a:ea typeface="돋움체" panose="020B0609000101010101" pitchFamily="49" charset="-127"/>
+              </a:rPr>
+              <a:t>        </a:t>
+            </a:r>
+            <a:r>
+              <a:rPr lang="en-US" altLang="ko-KR" sz="1000" dirty="0">
+                <a:solidFill>
+                  <a:srgbClr val="0000FF"/>
+                </a:solidFill>
+                <a:latin typeface="돋움체" panose="020B0609000101010101" pitchFamily="49" charset="-127"/>
+                <a:ea typeface="돋움체" panose="020B0609000101010101" pitchFamily="49" charset="-127"/>
+              </a:rPr>
+              <a:t>this</a:t>
+            </a:r>
+            <a:r>
+              <a:rPr lang="en-US" altLang="ko-KR" sz="1000" dirty="0">
+                <a:solidFill>
+                  <a:srgbClr val="000000"/>
+                </a:solidFill>
+                <a:latin typeface="돋움체" panose="020B0609000101010101" pitchFamily="49" charset="-127"/>
+                <a:ea typeface="돋움체" panose="020B0609000101010101" pitchFamily="49" charset="-127"/>
+              </a:rPr>
+              <a:t>.name = name;</a:t>
+            </a:r>
+          </a:p>
+          <a:p>
+            <a:r>
+              <a:rPr lang="en-US" altLang="ko-KR" sz="1000" dirty="0">
+                <a:solidFill>
+                  <a:srgbClr val="000000"/>
+                </a:solidFill>
+                <a:latin typeface="돋움체" panose="020B0609000101010101" pitchFamily="49" charset="-127"/>
+                <a:ea typeface="돋움체" panose="020B0609000101010101" pitchFamily="49" charset="-127"/>
+              </a:rPr>
+              <a:t>        </a:t>
+            </a:r>
+            <a:r>
+              <a:rPr lang="en-US" altLang="ko-KR" sz="1000" dirty="0" err="1">
+                <a:solidFill>
+                  <a:srgbClr val="0000FF"/>
+                </a:solidFill>
+                <a:latin typeface="돋움체" panose="020B0609000101010101" pitchFamily="49" charset="-127"/>
+                <a:ea typeface="돋움체" panose="020B0609000101010101" pitchFamily="49" charset="-127"/>
+              </a:rPr>
+              <a:t>this</a:t>
+            </a:r>
+            <a:r>
+              <a:rPr lang="en-US" altLang="ko-KR" sz="1000" dirty="0" err="1">
+                <a:solidFill>
+                  <a:srgbClr val="000000"/>
+                </a:solidFill>
+                <a:latin typeface="돋움체" panose="020B0609000101010101" pitchFamily="49" charset="-127"/>
+                <a:ea typeface="돋움체" panose="020B0609000101010101" pitchFamily="49" charset="-127"/>
+              </a:rPr>
+              <a:t>.capital</a:t>
+            </a:r>
+            <a:r>
+              <a:rPr lang="en-US" altLang="ko-KR" sz="1000" dirty="0">
+                <a:solidFill>
+                  <a:srgbClr val="000000"/>
+                </a:solidFill>
+                <a:latin typeface="돋움체" panose="020B0609000101010101" pitchFamily="49" charset="-127"/>
+                <a:ea typeface="돋움체" panose="020B0609000101010101" pitchFamily="49" charset="-127"/>
+              </a:rPr>
+              <a:t> = capital;</a:t>
+            </a:r>
+          </a:p>
+          <a:p>
+            <a:r>
+              <a:rPr lang="en-US" altLang="ko-KR" sz="1000" dirty="0">
+                <a:solidFill>
+                  <a:srgbClr val="000000"/>
+                </a:solidFill>
+                <a:latin typeface="돋움체" panose="020B0609000101010101" pitchFamily="49" charset="-127"/>
+                <a:ea typeface="돋움체" panose="020B0609000101010101" pitchFamily="49" charset="-127"/>
+              </a:rPr>
+              <a:t>        </a:t>
+            </a:r>
+            <a:r>
+              <a:rPr lang="en-US" altLang="ko-KR" sz="1000" dirty="0" err="1">
+                <a:solidFill>
+                  <a:srgbClr val="0000FF"/>
+                </a:solidFill>
+                <a:latin typeface="돋움체" panose="020B0609000101010101" pitchFamily="49" charset="-127"/>
+                <a:ea typeface="돋움체" panose="020B0609000101010101" pitchFamily="49" charset="-127"/>
+              </a:rPr>
+              <a:t>this</a:t>
+            </a:r>
+            <a:r>
+              <a:rPr lang="en-US" altLang="ko-KR" sz="1000" dirty="0" err="1">
+                <a:solidFill>
+                  <a:srgbClr val="000000"/>
+                </a:solidFill>
+                <a:latin typeface="돋움체" panose="020B0609000101010101" pitchFamily="49" charset="-127"/>
+                <a:ea typeface="돋움체" panose="020B0609000101010101" pitchFamily="49" charset="-127"/>
+              </a:rPr>
+              <a:t>.hint</a:t>
+            </a:r>
+            <a:r>
+              <a:rPr lang="en-US" altLang="ko-KR" sz="1000" dirty="0">
+                <a:solidFill>
+                  <a:srgbClr val="000000"/>
+                </a:solidFill>
+                <a:latin typeface="돋움체" panose="020B0609000101010101" pitchFamily="49" charset="-127"/>
+                <a:ea typeface="돋움체" panose="020B0609000101010101" pitchFamily="49" charset="-127"/>
+              </a:rPr>
+              <a:t> = hint;</a:t>
+            </a:r>
+          </a:p>
+          <a:p>
+            <a:r>
+              <a:rPr lang="ko-KR" altLang="en-US" sz="1000" dirty="0">
+                <a:solidFill>
+                  <a:srgbClr val="000000"/>
+                </a:solidFill>
+                <a:latin typeface="돋움체" panose="020B0609000101010101" pitchFamily="49" charset="-127"/>
+                <a:ea typeface="돋움체" panose="020B0609000101010101" pitchFamily="49" charset="-127"/>
+              </a:rPr>
+              <a:t>    </a:t>
+            </a:r>
+            <a:r>
+              <a:rPr lang="en-US" altLang="ko-KR" sz="1000" dirty="0">
+                <a:solidFill>
+                  <a:srgbClr val="000000"/>
+                </a:solidFill>
+                <a:latin typeface="돋움체" panose="020B0609000101010101" pitchFamily="49" charset="-127"/>
+                <a:ea typeface="돋움체" panose="020B0609000101010101" pitchFamily="49" charset="-127"/>
+              </a:rPr>
+              <a:t>}</a:t>
+            </a:r>
+          </a:p>
+          <a:p>
+            <a:r>
+              <a:rPr lang="en-US" altLang="ko-KR" sz="1000" dirty="0">
+                <a:solidFill>
+                  <a:srgbClr val="000000"/>
+                </a:solidFill>
+                <a:latin typeface="돋움체" panose="020B0609000101010101" pitchFamily="49" charset="-127"/>
+                <a:ea typeface="돋움체" panose="020B0609000101010101" pitchFamily="49" charset="-127"/>
+              </a:rPr>
+              <a:t>}</a:t>
+            </a:r>
+          </a:p>
+          <a:p>
+            <a:endParaRPr lang="ko-KR" altLang="en-US" sz="1000" dirty="0">
+              <a:solidFill>
+                <a:srgbClr val="000000"/>
+              </a:solidFill>
+              <a:latin typeface="돋움체" panose="020B0609000101010101" pitchFamily="49" charset="-127"/>
+              <a:ea typeface="돋움체" panose="020B0609000101010101" pitchFamily="49" charset="-127"/>
+            </a:endParaRPr>
+          </a:p>
+          <a:p>
+            <a:r>
+              <a:rPr lang="en-US" altLang="ko-KR" sz="1000" dirty="0">
+                <a:solidFill>
+                  <a:srgbClr val="0000FF"/>
+                </a:solidFill>
+                <a:latin typeface="돋움체" panose="020B0609000101010101" pitchFamily="49" charset="-127"/>
+                <a:ea typeface="돋움체" panose="020B0609000101010101" pitchFamily="49" charset="-127"/>
+              </a:rPr>
+              <a:t>const</a:t>
+            </a:r>
+            <a:r>
+              <a:rPr lang="en-US" altLang="ko-KR" sz="1000" dirty="0">
+                <a:solidFill>
+                  <a:srgbClr val="000000"/>
+                </a:solidFill>
+                <a:latin typeface="돋움체" panose="020B0609000101010101" pitchFamily="49" charset="-127"/>
+                <a:ea typeface="돋움체" panose="020B0609000101010101" pitchFamily="49" charset="-127"/>
+              </a:rPr>
+              <a:t> countries = [</a:t>
+            </a:r>
+          </a:p>
+          <a:p>
+            <a:r>
+              <a:rPr lang="ko-KR" altLang="en-US" sz="1000" dirty="0">
+                <a:solidFill>
+                  <a:srgbClr val="000000"/>
+                </a:solidFill>
+                <a:latin typeface="돋움체" panose="020B0609000101010101" pitchFamily="49" charset="-127"/>
+                <a:ea typeface="돋움체" panose="020B0609000101010101" pitchFamily="49" charset="-127"/>
+              </a:rPr>
+              <a:t>    </a:t>
+            </a:r>
+            <a:r>
+              <a:rPr lang="en-US" altLang="ko-KR" sz="1000" dirty="0">
+                <a:solidFill>
+                  <a:srgbClr val="0000FF"/>
+                </a:solidFill>
+                <a:latin typeface="돋움체" panose="020B0609000101010101" pitchFamily="49" charset="-127"/>
+                <a:ea typeface="돋움체" panose="020B0609000101010101" pitchFamily="49" charset="-127"/>
+              </a:rPr>
+              <a:t>new</a:t>
+            </a:r>
+            <a:r>
+              <a:rPr lang="ko-KR" altLang="en-US" sz="1000" dirty="0">
+                <a:solidFill>
+                  <a:srgbClr val="000000"/>
+                </a:solidFill>
+                <a:latin typeface="돋움체" panose="020B0609000101010101" pitchFamily="49" charset="-127"/>
+                <a:ea typeface="돋움체" panose="020B0609000101010101" pitchFamily="49" charset="-127"/>
+              </a:rPr>
+              <a:t> </a:t>
+            </a:r>
+            <a:r>
+              <a:rPr lang="en-US" altLang="ko-KR" sz="1000" dirty="0">
+                <a:solidFill>
+                  <a:srgbClr val="000000"/>
+                </a:solidFill>
+                <a:latin typeface="돋움체" panose="020B0609000101010101" pitchFamily="49" charset="-127"/>
+                <a:ea typeface="돋움체" panose="020B0609000101010101" pitchFamily="49" charset="-127"/>
+              </a:rPr>
+              <a:t>Country(</a:t>
+            </a:r>
+            <a:r>
+              <a:rPr lang="en-US" altLang="ko-KR" sz="1000" dirty="0">
+                <a:solidFill>
+                  <a:srgbClr val="A31515"/>
+                </a:solidFill>
+                <a:latin typeface="돋움체" panose="020B0609000101010101" pitchFamily="49" charset="-127"/>
+                <a:ea typeface="돋움체" panose="020B0609000101010101" pitchFamily="49" charset="-127"/>
+              </a:rPr>
+              <a:t>"</a:t>
+            </a:r>
+            <a:r>
+              <a:rPr lang="ko-KR" altLang="en-US" sz="1000" dirty="0">
+                <a:solidFill>
+                  <a:srgbClr val="A31515"/>
+                </a:solidFill>
+                <a:latin typeface="돋움체" panose="020B0609000101010101" pitchFamily="49" charset="-127"/>
+                <a:ea typeface="돋움체" panose="020B0609000101010101" pitchFamily="49" charset="-127"/>
+              </a:rPr>
+              <a:t>한국</a:t>
+            </a:r>
+            <a:r>
+              <a:rPr lang="en-US" altLang="ko-KR" sz="1000" dirty="0">
+                <a:solidFill>
+                  <a:srgbClr val="A31515"/>
+                </a:solidFill>
+                <a:latin typeface="돋움체" panose="020B0609000101010101" pitchFamily="49" charset="-127"/>
+                <a:ea typeface="돋움체" panose="020B0609000101010101" pitchFamily="49" charset="-127"/>
+              </a:rPr>
+              <a:t>"</a:t>
+            </a:r>
+            <a:r>
+              <a:rPr lang="en-US" altLang="ko-KR" sz="1000" dirty="0">
+                <a:solidFill>
+                  <a:srgbClr val="000000"/>
+                </a:solidFill>
+                <a:latin typeface="돋움체" panose="020B0609000101010101" pitchFamily="49" charset="-127"/>
+                <a:ea typeface="돋움체" panose="020B0609000101010101" pitchFamily="49" charset="-127"/>
+              </a:rPr>
+              <a:t>, </a:t>
+            </a:r>
+            <a:r>
+              <a:rPr lang="en-US" altLang="ko-KR" sz="1000" dirty="0">
+                <a:solidFill>
+                  <a:srgbClr val="A31515"/>
+                </a:solidFill>
+                <a:latin typeface="돋움체" panose="020B0609000101010101" pitchFamily="49" charset="-127"/>
+                <a:ea typeface="돋움체" panose="020B0609000101010101" pitchFamily="49" charset="-127"/>
+              </a:rPr>
+              <a:t>"</a:t>
+            </a:r>
+            <a:r>
+              <a:rPr lang="ko-KR" altLang="en-US" sz="1000" dirty="0">
+                <a:solidFill>
+                  <a:srgbClr val="A31515"/>
+                </a:solidFill>
+                <a:latin typeface="돋움체" panose="020B0609000101010101" pitchFamily="49" charset="-127"/>
+                <a:ea typeface="돋움체" panose="020B0609000101010101" pitchFamily="49" charset="-127"/>
+              </a:rPr>
+              <a:t>서울</a:t>
+            </a:r>
+            <a:r>
+              <a:rPr lang="en-US" altLang="ko-KR" sz="1000" dirty="0">
+                <a:solidFill>
+                  <a:srgbClr val="A31515"/>
+                </a:solidFill>
+                <a:latin typeface="돋움체" panose="020B0609000101010101" pitchFamily="49" charset="-127"/>
+                <a:ea typeface="돋움체" panose="020B0609000101010101" pitchFamily="49" charset="-127"/>
+              </a:rPr>
+              <a:t>"</a:t>
+            </a:r>
+            <a:r>
+              <a:rPr lang="en-US" altLang="ko-KR" sz="1000" dirty="0">
+                <a:solidFill>
+                  <a:srgbClr val="000000"/>
+                </a:solidFill>
+                <a:latin typeface="돋움체" panose="020B0609000101010101" pitchFamily="49" charset="-127"/>
+                <a:ea typeface="돋움체" panose="020B0609000101010101" pitchFamily="49" charset="-127"/>
+              </a:rPr>
+              <a:t>, </a:t>
+            </a:r>
+            <a:r>
+              <a:rPr lang="en-US" altLang="ko-KR" sz="1000" dirty="0">
+                <a:solidFill>
+                  <a:srgbClr val="A31515"/>
+                </a:solidFill>
+                <a:latin typeface="돋움체" panose="020B0609000101010101" pitchFamily="49" charset="-127"/>
+                <a:ea typeface="돋움체" panose="020B0609000101010101" pitchFamily="49" charset="-127"/>
+              </a:rPr>
+              <a:t>"</a:t>
+            </a:r>
+            <a:r>
+              <a:rPr lang="ko-KR" altLang="en-US" sz="1000" dirty="0">
+                <a:solidFill>
+                  <a:srgbClr val="A31515"/>
+                </a:solidFill>
+                <a:latin typeface="돋움체" panose="020B0609000101010101" pitchFamily="49" charset="-127"/>
+                <a:ea typeface="돋움체" panose="020B0609000101010101" pitchFamily="49" charset="-127"/>
+              </a:rPr>
+              <a:t>아시아 대륙에 위치한 동양 나라</a:t>
+            </a:r>
+            <a:r>
+              <a:rPr lang="en-US" altLang="ko-KR" sz="1000" dirty="0">
+                <a:solidFill>
+                  <a:srgbClr val="A31515"/>
+                </a:solidFill>
+                <a:latin typeface="돋움체" panose="020B0609000101010101" pitchFamily="49" charset="-127"/>
+                <a:ea typeface="돋움체" panose="020B0609000101010101" pitchFamily="49" charset="-127"/>
+              </a:rPr>
+              <a:t>"</a:t>
+            </a:r>
+            <a:r>
+              <a:rPr lang="en-US" altLang="ko-KR" sz="1000" dirty="0">
+                <a:solidFill>
+                  <a:srgbClr val="000000"/>
+                </a:solidFill>
+                <a:latin typeface="돋움체" panose="020B0609000101010101" pitchFamily="49" charset="-127"/>
+                <a:ea typeface="돋움체" panose="020B0609000101010101" pitchFamily="49" charset="-127"/>
+              </a:rPr>
+              <a:t>),</a:t>
+            </a:r>
+          </a:p>
+          <a:p>
+            <a:r>
+              <a:rPr lang="ko-KR" altLang="en-US" sz="1000" dirty="0">
+                <a:solidFill>
+                  <a:srgbClr val="000000"/>
+                </a:solidFill>
+                <a:latin typeface="돋움체" panose="020B0609000101010101" pitchFamily="49" charset="-127"/>
+                <a:ea typeface="돋움체" panose="020B0609000101010101" pitchFamily="49" charset="-127"/>
+              </a:rPr>
+              <a:t>        </a:t>
+            </a:r>
+            <a:r>
+              <a:rPr lang="en-US" altLang="ko-KR" sz="1000" dirty="0">
+                <a:solidFill>
+                  <a:srgbClr val="0000FF"/>
+                </a:solidFill>
+                <a:latin typeface="돋움체" panose="020B0609000101010101" pitchFamily="49" charset="-127"/>
+                <a:ea typeface="돋움체" panose="020B0609000101010101" pitchFamily="49" charset="-127"/>
+              </a:rPr>
+              <a:t>new</a:t>
+            </a:r>
+            <a:r>
+              <a:rPr lang="ko-KR" altLang="en-US" sz="1000" dirty="0">
+                <a:solidFill>
+                  <a:srgbClr val="000000"/>
+                </a:solidFill>
+                <a:latin typeface="돋움체" panose="020B0609000101010101" pitchFamily="49" charset="-127"/>
+                <a:ea typeface="돋움체" panose="020B0609000101010101" pitchFamily="49" charset="-127"/>
+              </a:rPr>
+              <a:t> </a:t>
+            </a:r>
+            <a:r>
+              <a:rPr lang="en-US" altLang="ko-KR" sz="1000" dirty="0">
+                <a:solidFill>
+                  <a:srgbClr val="000000"/>
+                </a:solidFill>
+                <a:latin typeface="돋움체" panose="020B0609000101010101" pitchFamily="49" charset="-127"/>
+                <a:ea typeface="돋움체" panose="020B0609000101010101" pitchFamily="49" charset="-127"/>
+              </a:rPr>
+              <a:t>Country(</a:t>
+            </a:r>
+            <a:r>
+              <a:rPr lang="en-US" altLang="ko-KR" sz="1000" dirty="0">
+                <a:solidFill>
+                  <a:srgbClr val="A31515"/>
+                </a:solidFill>
+                <a:latin typeface="돋움체" panose="020B0609000101010101" pitchFamily="49" charset="-127"/>
+                <a:ea typeface="돋움체" panose="020B0609000101010101" pitchFamily="49" charset="-127"/>
+              </a:rPr>
+              <a:t>"</a:t>
+            </a:r>
+            <a:r>
+              <a:rPr lang="ko-KR" altLang="en-US" sz="1000" dirty="0">
+                <a:solidFill>
+                  <a:srgbClr val="A31515"/>
+                </a:solidFill>
+                <a:latin typeface="돋움체" panose="020B0609000101010101" pitchFamily="49" charset="-127"/>
+                <a:ea typeface="돋움체" panose="020B0609000101010101" pitchFamily="49" charset="-127"/>
+              </a:rPr>
+              <a:t>미국</a:t>
+            </a:r>
+            <a:r>
+              <a:rPr lang="en-US" altLang="ko-KR" sz="1000" dirty="0">
+                <a:solidFill>
+                  <a:srgbClr val="A31515"/>
+                </a:solidFill>
+                <a:latin typeface="돋움체" panose="020B0609000101010101" pitchFamily="49" charset="-127"/>
+                <a:ea typeface="돋움체" panose="020B0609000101010101" pitchFamily="49" charset="-127"/>
+              </a:rPr>
+              <a:t>"</a:t>
+            </a:r>
+            <a:r>
+              <a:rPr lang="en-US" altLang="ko-KR" sz="1000" dirty="0">
+                <a:solidFill>
+                  <a:srgbClr val="000000"/>
+                </a:solidFill>
+                <a:latin typeface="돋움체" panose="020B0609000101010101" pitchFamily="49" charset="-127"/>
+                <a:ea typeface="돋움체" panose="020B0609000101010101" pitchFamily="49" charset="-127"/>
+              </a:rPr>
+              <a:t>, </a:t>
+            </a:r>
+            <a:r>
+              <a:rPr lang="en-US" altLang="ko-KR" sz="1000" dirty="0">
+                <a:solidFill>
+                  <a:srgbClr val="A31515"/>
+                </a:solidFill>
+                <a:latin typeface="돋움체" panose="020B0609000101010101" pitchFamily="49" charset="-127"/>
+                <a:ea typeface="돋움체" panose="020B0609000101010101" pitchFamily="49" charset="-127"/>
+              </a:rPr>
+              <a:t>"</a:t>
+            </a:r>
+            <a:r>
+              <a:rPr lang="ko-KR" altLang="en-US" sz="1000" dirty="0">
+                <a:solidFill>
+                  <a:srgbClr val="A31515"/>
+                </a:solidFill>
+                <a:latin typeface="돋움체" panose="020B0609000101010101" pitchFamily="49" charset="-127"/>
+                <a:ea typeface="돋움체" panose="020B0609000101010101" pitchFamily="49" charset="-127"/>
+              </a:rPr>
+              <a:t>워싱턴 </a:t>
+            </a:r>
+            <a:r>
+              <a:rPr lang="en-US" altLang="ko-KR" sz="1000" dirty="0">
+                <a:solidFill>
+                  <a:srgbClr val="A31515"/>
+                </a:solidFill>
+                <a:latin typeface="돋움체" panose="020B0609000101010101" pitchFamily="49" charset="-127"/>
+                <a:ea typeface="돋움체" panose="020B0609000101010101" pitchFamily="49" charset="-127"/>
+              </a:rPr>
+              <a:t>D.C."</a:t>
+            </a:r>
+            <a:r>
+              <a:rPr lang="en-US" altLang="ko-KR" sz="1000" dirty="0">
+                <a:solidFill>
+                  <a:srgbClr val="000000"/>
+                </a:solidFill>
+                <a:latin typeface="돋움체" panose="020B0609000101010101" pitchFamily="49" charset="-127"/>
+                <a:ea typeface="돋움체" panose="020B0609000101010101" pitchFamily="49" charset="-127"/>
+              </a:rPr>
+              <a:t>, </a:t>
+            </a:r>
+            <a:r>
+              <a:rPr lang="en-US" altLang="ko-KR" sz="1000" dirty="0">
+                <a:solidFill>
+                  <a:srgbClr val="A31515"/>
+                </a:solidFill>
+                <a:latin typeface="돋움체" panose="020B0609000101010101" pitchFamily="49" charset="-127"/>
+                <a:ea typeface="돋움체" panose="020B0609000101010101" pitchFamily="49" charset="-127"/>
+              </a:rPr>
+              <a:t>"</a:t>
+            </a:r>
+            <a:r>
+              <a:rPr lang="ko-KR" altLang="en-US" sz="1000" dirty="0">
+                <a:solidFill>
+                  <a:srgbClr val="A31515"/>
+                </a:solidFill>
+                <a:latin typeface="돋움체" panose="020B0609000101010101" pitchFamily="49" charset="-127"/>
+                <a:ea typeface="돋움체" panose="020B0609000101010101" pitchFamily="49" charset="-127"/>
+              </a:rPr>
+              <a:t>자유의 여신상이 있는 나라</a:t>
+            </a:r>
+            <a:r>
+              <a:rPr lang="en-US" altLang="ko-KR" sz="1000" dirty="0">
+                <a:solidFill>
+                  <a:srgbClr val="A31515"/>
+                </a:solidFill>
+                <a:latin typeface="돋움체" panose="020B0609000101010101" pitchFamily="49" charset="-127"/>
+                <a:ea typeface="돋움체" panose="020B0609000101010101" pitchFamily="49" charset="-127"/>
+              </a:rPr>
+              <a:t>"</a:t>
+            </a:r>
+            <a:r>
+              <a:rPr lang="en-US" altLang="ko-KR" sz="1000" dirty="0">
+                <a:solidFill>
+                  <a:srgbClr val="000000"/>
+                </a:solidFill>
+                <a:latin typeface="돋움체" panose="020B0609000101010101" pitchFamily="49" charset="-127"/>
+                <a:ea typeface="돋움체" panose="020B0609000101010101" pitchFamily="49" charset="-127"/>
+              </a:rPr>
+              <a:t>),</a:t>
+            </a:r>
+          </a:p>
+          <a:p>
+            <a:r>
+              <a:rPr lang="ko-KR" altLang="en-US" sz="1000" dirty="0">
+                <a:solidFill>
+                  <a:srgbClr val="000000"/>
+                </a:solidFill>
+                <a:latin typeface="돋움체" panose="020B0609000101010101" pitchFamily="49" charset="-127"/>
+                <a:ea typeface="돋움체" panose="020B0609000101010101" pitchFamily="49" charset="-127"/>
+              </a:rPr>
+              <a:t>        </a:t>
+            </a:r>
+            <a:r>
+              <a:rPr lang="en-US" altLang="ko-KR" sz="1000" dirty="0">
+                <a:solidFill>
+                  <a:srgbClr val="0000FF"/>
+                </a:solidFill>
+                <a:latin typeface="돋움체" panose="020B0609000101010101" pitchFamily="49" charset="-127"/>
+                <a:ea typeface="돋움체" panose="020B0609000101010101" pitchFamily="49" charset="-127"/>
+              </a:rPr>
+              <a:t>new</a:t>
+            </a:r>
+            <a:r>
+              <a:rPr lang="ko-KR" altLang="en-US" sz="1000" dirty="0">
+                <a:solidFill>
+                  <a:srgbClr val="000000"/>
+                </a:solidFill>
+                <a:latin typeface="돋움체" panose="020B0609000101010101" pitchFamily="49" charset="-127"/>
+                <a:ea typeface="돋움체" panose="020B0609000101010101" pitchFamily="49" charset="-127"/>
+              </a:rPr>
+              <a:t> </a:t>
+            </a:r>
+            <a:r>
+              <a:rPr lang="en-US" altLang="ko-KR" sz="1000" dirty="0">
+                <a:solidFill>
+                  <a:srgbClr val="000000"/>
+                </a:solidFill>
+                <a:latin typeface="돋움체" panose="020B0609000101010101" pitchFamily="49" charset="-127"/>
+                <a:ea typeface="돋움체" panose="020B0609000101010101" pitchFamily="49" charset="-127"/>
+              </a:rPr>
+              <a:t>Country(</a:t>
+            </a:r>
+            <a:r>
+              <a:rPr lang="en-US" altLang="ko-KR" sz="1000" dirty="0">
+                <a:solidFill>
+                  <a:srgbClr val="A31515"/>
+                </a:solidFill>
+                <a:latin typeface="돋움체" panose="020B0609000101010101" pitchFamily="49" charset="-127"/>
+                <a:ea typeface="돋움체" panose="020B0609000101010101" pitchFamily="49" charset="-127"/>
+              </a:rPr>
+              <a:t>"</a:t>
+            </a:r>
+            <a:r>
+              <a:rPr lang="ko-KR" altLang="en-US" sz="1000" dirty="0">
+                <a:solidFill>
+                  <a:srgbClr val="A31515"/>
+                </a:solidFill>
+                <a:latin typeface="돋움체" panose="020B0609000101010101" pitchFamily="49" charset="-127"/>
+                <a:ea typeface="돋움체" panose="020B0609000101010101" pitchFamily="49" charset="-127"/>
+              </a:rPr>
+              <a:t>일본</a:t>
+            </a:r>
+            <a:r>
+              <a:rPr lang="en-US" altLang="ko-KR" sz="1000" dirty="0">
+                <a:solidFill>
+                  <a:srgbClr val="A31515"/>
+                </a:solidFill>
+                <a:latin typeface="돋움체" panose="020B0609000101010101" pitchFamily="49" charset="-127"/>
+                <a:ea typeface="돋움체" panose="020B0609000101010101" pitchFamily="49" charset="-127"/>
+              </a:rPr>
+              <a:t>"</a:t>
+            </a:r>
+            <a:r>
+              <a:rPr lang="en-US" altLang="ko-KR" sz="1000" dirty="0">
+                <a:solidFill>
+                  <a:srgbClr val="000000"/>
+                </a:solidFill>
+                <a:latin typeface="돋움체" panose="020B0609000101010101" pitchFamily="49" charset="-127"/>
+                <a:ea typeface="돋움체" panose="020B0609000101010101" pitchFamily="49" charset="-127"/>
+              </a:rPr>
+              <a:t>, </a:t>
+            </a:r>
+            <a:r>
+              <a:rPr lang="en-US" altLang="ko-KR" sz="1000" dirty="0">
+                <a:solidFill>
+                  <a:srgbClr val="A31515"/>
+                </a:solidFill>
+                <a:latin typeface="돋움체" panose="020B0609000101010101" pitchFamily="49" charset="-127"/>
+                <a:ea typeface="돋움체" panose="020B0609000101010101" pitchFamily="49" charset="-127"/>
+              </a:rPr>
+              <a:t>"</a:t>
+            </a:r>
+            <a:r>
+              <a:rPr lang="ko-KR" altLang="en-US" sz="1000" dirty="0">
+                <a:solidFill>
+                  <a:srgbClr val="A31515"/>
+                </a:solidFill>
+                <a:latin typeface="돋움체" panose="020B0609000101010101" pitchFamily="49" charset="-127"/>
+                <a:ea typeface="돋움체" panose="020B0609000101010101" pitchFamily="49" charset="-127"/>
+              </a:rPr>
+              <a:t>도쿄</a:t>
+            </a:r>
+            <a:r>
+              <a:rPr lang="en-US" altLang="ko-KR" sz="1000" dirty="0">
+                <a:solidFill>
+                  <a:srgbClr val="A31515"/>
+                </a:solidFill>
+                <a:latin typeface="돋움체" panose="020B0609000101010101" pitchFamily="49" charset="-127"/>
+                <a:ea typeface="돋움체" panose="020B0609000101010101" pitchFamily="49" charset="-127"/>
+              </a:rPr>
+              <a:t>"</a:t>
+            </a:r>
+            <a:r>
+              <a:rPr lang="en-US" altLang="ko-KR" sz="1000" dirty="0">
+                <a:solidFill>
+                  <a:srgbClr val="000000"/>
+                </a:solidFill>
+                <a:latin typeface="돋움체" panose="020B0609000101010101" pitchFamily="49" charset="-127"/>
+                <a:ea typeface="돋움체" panose="020B0609000101010101" pitchFamily="49" charset="-127"/>
+              </a:rPr>
+              <a:t>, </a:t>
+            </a:r>
+            <a:r>
+              <a:rPr lang="en-US" altLang="ko-KR" sz="1000" dirty="0">
+                <a:solidFill>
+                  <a:srgbClr val="A31515"/>
+                </a:solidFill>
+                <a:latin typeface="돋움체" panose="020B0609000101010101" pitchFamily="49" charset="-127"/>
+                <a:ea typeface="돋움체" panose="020B0609000101010101" pitchFamily="49" charset="-127"/>
+              </a:rPr>
+              <a:t>"</a:t>
+            </a:r>
+            <a:r>
+              <a:rPr lang="ko-KR" altLang="en-US" sz="1000" dirty="0">
+                <a:solidFill>
+                  <a:srgbClr val="A31515"/>
+                </a:solidFill>
+                <a:latin typeface="돋움체" panose="020B0609000101010101" pitchFamily="49" charset="-127"/>
+                <a:ea typeface="돋움체" panose="020B0609000101010101" pitchFamily="49" charset="-127"/>
+              </a:rPr>
+              <a:t>최신 기술이 발달한 섬 나라</a:t>
+            </a:r>
+            <a:r>
+              <a:rPr lang="en-US" altLang="ko-KR" sz="1000" dirty="0">
+                <a:solidFill>
+                  <a:srgbClr val="A31515"/>
+                </a:solidFill>
+                <a:latin typeface="돋움체" panose="020B0609000101010101" pitchFamily="49" charset="-127"/>
+                <a:ea typeface="돋움체" panose="020B0609000101010101" pitchFamily="49" charset="-127"/>
+              </a:rPr>
+              <a:t>"</a:t>
+            </a:r>
+            <a:r>
+              <a:rPr lang="en-US" altLang="ko-KR" sz="1000" dirty="0">
+                <a:solidFill>
+                  <a:srgbClr val="000000"/>
+                </a:solidFill>
+                <a:latin typeface="돋움체" panose="020B0609000101010101" pitchFamily="49" charset="-127"/>
+                <a:ea typeface="돋움체" panose="020B0609000101010101" pitchFamily="49" charset="-127"/>
+              </a:rPr>
+              <a:t>),</a:t>
+            </a:r>
+          </a:p>
+          <a:p>
+            <a:r>
+              <a:rPr lang="ko-KR" altLang="en-US" sz="1000" dirty="0">
+                <a:solidFill>
+                  <a:srgbClr val="000000"/>
+                </a:solidFill>
+                <a:latin typeface="돋움체" panose="020B0609000101010101" pitchFamily="49" charset="-127"/>
+                <a:ea typeface="돋움체" panose="020B0609000101010101" pitchFamily="49" charset="-127"/>
+              </a:rPr>
+              <a:t>        </a:t>
+            </a:r>
+            <a:r>
+              <a:rPr lang="en-US" altLang="ko-KR" sz="1000" dirty="0">
+                <a:solidFill>
+                  <a:srgbClr val="0000FF"/>
+                </a:solidFill>
+                <a:latin typeface="돋움체" panose="020B0609000101010101" pitchFamily="49" charset="-127"/>
+                <a:ea typeface="돋움체" panose="020B0609000101010101" pitchFamily="49" charset="-127"/>
+              </a:rPr>
+              <a:t>new</a:t>
+            </a:r>
+            <a:r>
+              <a:rPr lang="ko-KR" altLang="en-US" sz="1000" dirty="0">
+                <a:solidFill>
+                  <a:srgbClr val="000000"/>
+                </a:solidFill>
+                <a:latin typeface="돋움체" panose="020B0609000101010101" pitchFamily="49" charset="-127"/>
+                <a:ea typeface="돋움체" panose="020B0609000101010101" pitchFamily="49" charset="-127"/>
+              </a:rPr>
+              <a:t> </a:t>
+            </a:r>
+            <a:r>
+              <a:rPr lang="en-US" altLang="ko-KR" sz="1000" dirty="0">
+                <a:solidFill>
+                  <a:srgbClr val="000000"/>
+                </a:solidFill>
+                <a:latin typeface="돋움체" panose="020B0609000101010101" pitchFamily="49" charset="-127"/>
+                <a:ea typeface="돋움체" panose="020B0609000101010101" pitchFamily="49" charset="-127"/>
+              </a:rPr>
+              <a:t>Country(</a:t>
+            </a:r>
+            <a:r>
+              <a:rPr lang="en-US" altLang="ko-KR" sz="1000" dirty="0">
+                <a:solidFill>
+                  <a:srgbClr val="A31515"/>
+                </a:solidFill>
+                <a:latin typeface="돋움체" panose="020B0609000101010101" pitchFamily="49" charset="-127"/>
+                <a:ea typeface="돋움체" panose="020B0609000101010101" pitchFamily="49" charset="-127"/>
+              </a:rPr>
+              <a:t>"</a:t>
+            </a:r>
+            <a:r>
+              <a:rPr lang="ko-KR" altLang="en-US" sz="1000" dirty="0">
+                <a:solidFill>
+                  <a:srgbClr val="A31515"/>
+                </a:solidFill>
+                <a:latin typeface="돋움체" panose="020B0609000101010101" pitchFamily="49" charset="-127"/>
+                <a:ea typeface="돋움체" panose="020B0609000101010101" pitchFamily="49" charset="-127"/>
+              </a:rPr>
+              <a:t>중국</a:t>
+            </a:r>
+            <a:r>
+              <a:rPr lang="en-US" altLang="ko-KR" sz="1000" dirty="0">
+                <a:solidFill>
+                  <a:srgbClr val="A31515"/>
+                </a:solidFill>
+                <a:latin typeface="돋움체" panose="020B0609000101010101" pitchFamily="49" charset="-127"/>
+                <a:ea typeface="돋움체" panose="020B0609000101010101" pitchFamily="49" charset="-127"/>
+              </a:rPr>
+              <a:t>"</a:t>
+            </a:r>
+            <a:r>
+              <a:rPr lang="en-US" altLang="ko-KR" sz="1000" dirty="0">
+                <a:solidFill>
+                  <a:srgbClr val="000000"/>
+                </a:solidFill>
+                <a:latin typeface="돋움체" panose="020B0609000101010101" pitchFamily="49" charset="-127"/>
+                <a:ea typeface="돋움체" panose="020B0609000101010101" pitchFamily="49" charset="-127"/>
+              </a:rPr>
+              <a:t>, </a:t>
+            </a:r>
+            <a:r>
+              <a:rPr lang="en-US" altLang="ko-KR" sz="1000" dirty="0">
+                <a:solidFill>
+                  <a:srgbClr val="A31515"/>
+                </a:solidFill>
+                <a:latin typeface="돋움체" panose="020B0609000101010101" pitchFamily="49" charset="-127"/>
+                <a:ea typeface="돋움체" panose="020B0609000101010101" pitchFamily="49" charset="-127"/>
+              </a:rPr>
+              <a:t>"</a:t>
+            </a:r>
+            <a:r>
+              <a:rPr lang="ko-KR" altLang="en-US" sz="1000" dirty="0">
+                <a:solidFill>
+                  <a:srgbClr val="A31515"/>
+                </a:solidFill>
+                <a:latin typeface="돋움체" panose="020B0609000101010101" pitchFamily="49" charset="-127"/>
+                <a:ea typeface="돋움체" panose="020B0609000101010101" pitchFamily="49" charset="-127"/>
+              </a:rPr>
+              <a:t>베이징</a:t>
+            </a:r>
+            <a:r>
+              <a:rPr lang="en-US" altLang="ko-KR" sz="1000" dirty="0">
+                <a:solidFill>
+                  <a:srgbClr val="A31515"/>
+                </a:solidFill>
+                <a:latin typeface="돋움체" panose="020B0609000101010101" pitchFamily="49" charset="-127"/>
+                <a:ea typeface="돋움체" panose="020B0609000101010101" pitchFamily="49" charset="-127"/>
+              </a:rPr>
+              <a:t>"</a:t>
+            </a:r>
+            <a:r>
+              <a:rPr lang="en-US" altLang="ko-KR" sz="1000" dirty="0">
+                <a:solidFill>
+                  <a:srgbClr val="000000"/>
+                </a:solidFill>
+                <a:latin typeface="돋움체" panose="020B0609000101010101" pitchFamily="49" charset="-127"/>
+                <a:ea typeface="돋움체" panose="020B0609000101010101" pitchFamily="49" charset="-127"/>
+              </a:rPr>
+              <a:t>, </a:t>
+            </a:r>
+            <a:r>
+              <a:rPr lang="en-US" altLang="ko-KR" sz="1000" dirty="0">
+                <a:solidFill>
+                  <a:srgbClr val="A31515"/>
+                </a:solidFill>
+                <a:latin typeface="돋움체" panose="020B0609000101010101" pitchFamily="49" charset="-127"/>
+                <a:ea typeface="돋움체" panose="020B0609000101010101" pitchFamily="49" charset="-127"/>
+              </a:rPr>
+              <a:t>"</a:t>
+            </a:r>
+            <a:r>
+              <a:rPr lang="ko-KR" altLang="en-US" sz="1000" dirty="0">
+                <a:solidFill>
+                  <a:srgbClr val="A31515"/>
+                </a:solidFill>
+                <a:latin typeface="돋움체" panose="020B0609000101010101" pitchFamily="49" charset="-127"/>
+                <a:ea typeface="돋움체" panose="020B0609000101010101" pitchFamily="49" charset="-127"/>
+              </a:rPr>
+              <a:t>세계 최대 인구를 가진 나라</a:t>
+            </a:r>
+            <a:r>
+              <a:rPr lang="en-US" altLang="ko-KR" sz="1000" dirty="0">
+                <a:solidFill>
+                  <a:srgbClr val="A31515"/>
+                </a:solidFill>
+                <a:latin typeface="돋움체" panose="020B0609000101010101" pitchFamily="49" charset="-127"/>
+                <a:ea typeface="돋움체" panose="020B0609000101010101" pitchFamily="49" charset="-127"/>
+              </a:rPr>
+              <a:t>"</a:t>
+            </a:r>
+            <a:r>
+              <a:rPr lang="en-US" altLang="ko-KR" sz="1000" dirty="0">
+                <a:solidFill>
+                  <a:srgbClr val="000000"/>
+                </a:solidFill>
+                <a:latin typeface="돋움체" panose="020B0609000101010101" pitchFamily="49" charset="-127"/>
+                <a:ea typeface="돋움체" panose="020B0609000101010101" pitchFamily="49" charset="-127"/>
+              </a:rPr>
+              <a:t>),</a:t>
+            </a:r>
+          </a:p>
+          <a:p>
+            <a:r>
+              <a:rPr lang="ko-KR" altLang="en-US" sz="1000" dirty="0">
+                <a:solidFill>
+                  <a:srgbClr val="000000"/>
+                </a:solidFill>
+                <a:latin typeface="돋움체" panose="020B0609000101010101" pitchFamily="49" charset="-127"/>
+                <a:ea typeface="돋움체" panose="020B0609000101010101" pitchFamily="49" charset="-127"/>
+              </a:rPr>
+              <a:t>        </a:t>
+            </a:r>
+            <a:r>
+              <a:rPr lang="en-US" altLang="ko-KR" sz="1000" dirty="0">
+                <a:solidFill>
+                  <a:srgbClr val="0000FF"/>
+                </a:solidFill>
+                <a:latin typeface="돋움체" panose="020B0609000101010101" pitchFamily="49" charset="-127"/>
+                <a:ea typeface="돋움체" panose="020B0609000101010101" pitchFamily="49" charset="-127"/>
+              </a:rPr>
+              <a:t>new</a:t>
+            </a:r>
+            <a:r>
+              <a:rPr lang="ko-KR" altLang="en-US" sz="1000" dirty="0">
+                <a:solidFill>
+                  <a:srgbClr val="000000"/>
+                </a:solidFill>
+                <a:latin typeface="돋움체" panose="020B0609000101010101" pitchFamily="49" charset="-127"/>
+                <a:ea typeface="돋움체" panose="020B0609000101010101" pitchFamily="49" charset="-127"/>
+              </a:rPr>
+              <a:t> </a:t>
+            </a:r>
+            <a:r>
+              <a:rPr lang="en-US" altLang="ko-KR" sz="1000" dirty="0">
+                <a:solidFill>
+                  <a:srgbClr val="000000"/>
+                </a:solidFill>
+                <a:latin typeface="돋움체" panose="020B0609000101010101" pitchFamily="49" charset="-127"/>
+                <a:ea typeface="돋움체" panose="020B0609000101010101" pitchFamily="49" charset="-127"/>
+              </a:rPr>
+              <a:t>Country(</a:t>
+            </a:r>
+            <a:r>
+              <a:rPr lang="en-US" altLang="ko-KR" sz="1000" dirty="0">
+                <a:solidFill>
+                  <a:srgbClr val="A31515"/>
+                </a:solidFill>
+                <a:latin typeface="돋움체" panose="020B0609000101010101" pitchFamily="49" charset="-127"/>
+                <a:ea typeface="돋움체" panose="020B0609000101010101" pitchFamily="49" charset="-127"/>
+              </a:rPr>
+              <a:t>"</a:t>
+            </a:r>
+            <a:r>
+              <a:rPr lang="ko-KR" altLang="en-US" sz="1000" dirty="0">
+                <a:solidFill>
+                  <a:srgbClr val="A31515"/>
+                </a:solidFill>
+                <a:latin typeface="돋움체" panose="020B0609000101010101" pitchFamily="49" charset="-127"/>
+                <a:ea typeface="돋움체" panose="020B0609000101010101" pitchFamily="49" charset="-127"/>
+              </a:rPr>
+              <a:t>프랑스</a:t>
+            </a:r>
+            <a:r>
+              <a:rPr lang="en-US" altLang="ko-KR" sz="1000" dirty="0">
+                <a:solidFill>
+                  <a:srgbClr val="A31515"/>
+                </a:solidFill>
+                <a:latin typeface="돋움체" panose="020B0609000101010101" pitchFamily="49" charset="-127"/>
+                <a:ea typeface="돋움체" panose="020B0609000101010101" pitchFamily="49" charset="-127"/>
+              </a:rPr>
+              <a:t>"</a:t>
+            </a:r>
+            <a:r>
+              <a:rPr lang="en-US" altLang="ko-KR" sz="1000" dirty="0">
+                <a:solidFill>
+                  <a:srgbClr val="000000"/>
+                </a:solidFill>
+                <a:latin typeface="돋움체" panose="020B0609000101010101" pitchFamily="49" charset="-127"/>
+                <a:ea typeface="돋움체" panose="020B0609000101010101" pitchFamily="49" charset="-127"/>
+              </a:rPr>
+              <a:t>, </a:t>
+            </a:r>
+            <a:r>
+              <a:rPr lang="en-US" altLang="ko-KR" sz="1000" dirty="0">
+                <a:solidFill>
+                  <a:srgbClr val="A31515"/>
+                </a:solidFill>
+                <a:latin typeface="돋움체" panose="020B0609000101010101" pitchFamily="49" charset="-127"/>
+                <a:ea typeface="돋움체" panose="020B0609000101010101" pitchFamily="49" charset="-127"/>
+              </a:rPr>
+              <a:t>"</a:t>
+            </a:r>
+            <a:r>
+              <a:rPr lang="ko-KR" altLang="en-US" sz="1000" dirty="0">
+                <a:solidFill>
+                  <a:srgbClr val="A31515"/>
+                </a:solidFill>
+                <a:latin typeface="돋움체" panose="020B0609000101010101" pitchFamily="49" charset="-127"/>
+                <a:ea typeface="돋움체" panose="020B0609000101010101" pitchFamily="49" charset="-127"/>
+              </a:rPr>
+              <a:t>파리</a:t>
+            </a:r>
+            <a:r>
+              <a:rPr lang="en-US" altLang="ko-KR" sz="1000" dirty="0">
+                <a:solidFill>
+                  <a:srgbClr val="A31515"/>
+                </a:solidFill>
+                <a:latin typeface="돋움체" panose="020B0609000101010101" pitchFamily="49" charset="-127"/>
+                <a:ea typeface="돋움체" panose="020B0609000101010101" pitchFamily="49" charset="-127"/>
+              </a:rPr>
+              <a:t>"</a:t>
+            </a:r>
+            <a:r>
+              <a:rPr lang="en-US" altLang="ko-KR" sz="1000" dirty="0">
+                <a:solidFill>
+                  <a:srgbClr val="000000"/>
+                </a:solidFill>
+                <a:latin typeface="돋움체" panose="020B0609000101010101" pitchFamily="49" charset="-127"/>
+                <a:ea typeface="돋움체" panose="020B0609000101010101" pitchFamily="49" charset="-127"/>
+              </a:rPr>
+              <a:t>, </a:t>
+            </a:r>
+            <a:r>
+              <a:rPr lang="en-US" altLang="ko-KR" sz="1000" dirty="0">
+                <a:solidFill>
+                  <a:srgbClr val="A31515"/>
+                </a:solidFill>
+                <a:latin typeface="돋움체" panose="020B0609000101010101" pitchFamily="49" charset="-127"/>
+                <a:ea typeface="돋움체" panose="020B0609000101010101" pitchFamily="49" charset="-127"/>
+              </a:rPr>
+              <a:t>"</a:t>
+            </a:r>
+            <a:r>
+              <a:rPr lang="ko-KR" altLang="en-US" sz="1000" dirty="0">
+                <a:solidFill>
+                  <a:srgbClr val="A31515"/>
+                </a:solidFill>
+                <a:latin typeface="돋움체" panose="020B0609000101010101" pitchFamily="49" charset="-127"/>
+                <a:ea typeface="돋움체" panose="020B0609000101010101" pitchFamily="49" charset="-127"/>
+              </a:rPr>
+              <a:t>로맨틱한 분위기가 느껴지는 나라</a:t>
+            </a:r>
+            <a:r>
+              <a:rPr lang="en-US" altLang="ko-KR" sz="1000" dirty="0">
+                <a:solidFill>
+                  <a:srgbClr val="A31515"/>
+                </a:solidFill>
+                <a:latin typeface="돋움체" panose="020B0609000101010101" pitchFamily="49" charset="-127"/>
+                <a:ea typeface="돋움체" panose="020B0609000101010101" pitchFamily="49" charset="-127"/>
+              </a:rPr>
+              <a:t>"</a:t>
+            </a:r>
+            <a:r>
+              <a:rPr lang="en-US" altLang="ko-KR" sz="1000" dirty="0">
+                <a:solidFill>
+                  <a:srgbClr val="000000"/>
+                </a:solidFill>
+                <a:latin typeface="돋움체" panose="020B0609000101010101" pitchFamily="49" charset="-127"/>
+                <a:ea typeface="돋움체" panose="020B0609000101010101" pitchFamily="49" charset="-127"/>
+              </a:rPr>
+              <a:t>),</a:t>
+            </a:r>
+          </a:p>
+          <a:p>
+            <a:r>
+              <a:rPr lang="ko-KR" altLang="en-US" sz="1000" dirty="0">
+                <a:solidFill>
+                  <a:srgbClr val="000000"/>
+                </a:solidFill>
+                <a:latin typeface="돋움체" panose="020B0609000101010101" pitchFamily="49" charset="-127"/>
+                <a:ea typeface="돋움체" panose="020B0609000101010101" pitchFamily="49" charset="-127"/>
+              </a:rPr>
+              <a:t>        </a:t>
+            </a:r>
+            <a:r>
+              <a:rPr lang="en-US" altLang="ko-KR" sz="1000" dirty="0">
+                <a:solidFill>
+                  <a:srgbClr val="0000FF"/>
+                </a:solidFill>
+                <a:latin typeface="돋움체" panose="020B0609000101010101" pitchFamily="49" charset="-127"/>
+                <a:ea typeface="돋움체" panose="020B0609000101010101" pitchFamily="49" charset="-127"/>
+              </a:rPr>
+              <a:t>new</a:t>
+            </a:r>
+            <a:r>
+              <a:rPr lang="ko-KR" altLang="en-US" sz="1000" dirty="0">
+                <a:solidFill>
+                  <a:srgbClr val="000000"/>
+                </a:solidFill>
+                <a:latin typeface="돋움체" panose="020B0609000101010101" pitchFamily="49" charset="-127"/>
+                <a:ea typeface="돋움체" panose="020B0609000101010101" pitchFamily="49" charset="-127"/>
+              </a:rPr>
+              <a:t> </a:t>
+            </a:r>
+            <a:r>
+              <a:rPr lang="en-US" altLang="ko-KR" sz="1000" dirty="0">
+                <a:solidFill>
+                  <a:srgbClr val="000000"/>
+                </a:solidFill>
+                <a:latin typeface="돋움체" panose="020B0609000101010101" pitchFamily="49" charset="-127"/>
+                <a:ea typeface="돋움체" panose="020B0609000101010101" pitchFamily="49" charset="-127"/>
+              </a:rPr>
+              <a:t>Country(</a:t>
+            </a:r>
+            <a:r>
+              <a:rPr lang="en-US" altLang="ko-KR" sz="1000" dirty="0">
+                <a:solidFill>
+                  <a:srgbClr val="A31515"/>
+                </a:solidFill>
+                <a:latin typeface="돋움체" panose="020B0609000101010101" pitchFamily="49" charset="-127"/>
+                <a:ea typeface="돋움체" panose="020B0609000101010101" pitchFamily="49" charset="-127"/>
+              </a:rPr>
+              <a:t>"</a:t>
+            </a:r>
+            <a:r>
+              <a:rPr lang="ko-KR" altLang="en-US" sz="1000" dirty="0">
+                <a:solidFill>
+                  <a:srgbClr val="A31515"/>
+                </a:solidFill>
+                <a:latin typeface="돋움체" panose="020B0609000101010101" pitchFamily="49" charset="-127"/>
+                <a:ea typeface="돋움체" panose="020B0609000101010101" pitchFamily="49" charset="-127"/>
+              </a:rPr>
+              <a:t>영국</a:t>
+            </a:r>
+            <a:r>
+              <a:rPr lang="en-US" altLang="ko-KR" sz="1000" dirty="0">
+                <a:solidFill>
+                  <a:srgbClr val="A31515"/>
+                </a:solidFill>
+                <a:latin typeface="돋움체" panose="020B0609000101010101" pitchFamily="49" charset="-127"/>
+                <a:ea typeface="돋움체" panose="020B0609000101010101" pitchFamily="49" charset="-127"/>
+              </a:rPr>
+              <a:t>"</a:t>
+            </a:r>
+            <a:r>
+              <a:rPr lang="en-US" altLang="ko-KR" sz="1000" dirty="0">
+                <a:solidFill>
+                  <a:srgbClr val="000000"/>
+                </a:solidFill>
+                <a:latin typeface="돋움체" panose="020B0609000101010101" pitchFamily="49" charset="-127"/>
+                <a:ea typeface="돋움체" panose="020B0609000101010101" pitchFamily="49" charset="-127"/>
+              </a:rPr>
+              <a:t>, </a:t>
+            </a:r>
+            <a:r>
+              <a:rPr lang="en-US" altLang="ko-KR" sz="1000" dirty="0">
+                <a:solidFill>
+                  <a:srgbClr val="A31515"/>
+                </a:solidFill>
+                <a:latin typeface="돋움체" panose="020B0609000101010101" pitchFamily="49" charset="-127"/>
+                <a:ea typeface="돋움체" panose="020B0609000101010101" pitchFamily="49" charset="-127"/>
+              </a:rPr>
+              <a:t>"</a:t>
+            </a:r>
+            <a:r>
+              <a:rPr lang="ko-KR" altLang="en-US" sz="1000" dirty="0">
+                <a:solidFill>
+                  <a:srgbClr val="A31515"/>
+                </a:solidFill>
+                <a:latin typeface="돋움체" panose="020B0609000101010101" pitchFamily="49" charset="-127"/>
+                <a:ea typeface="돋움체" panose="020B0609000101010101" pitchFamily="49" charset="-127"/>
+              </a:rPr>
+              <a:t>런던</a:t>
+            </a:r>
+            <a:r>
+              <a:rPr lang="en-US" altLang="ko-KR" sz="1000" dirty="0">
+                <a:solidFill>
+                  <a:srgbClr val="A31515"/>
+                </a:solidFill>
+                <a:latin typeface="돋움체" panose="020B0609000101010101" pitchFamily="49" charset="-127"/>
+                <a:ea typeface="돋움체" panose="020B0609000101010101" pitchFamily="49" charset="-127"/>
+              </a:rPr>
+              <a:t>"</a:t>
+            </a:r>
+            <a:r>
+              <a:rPr lang="en-US" altLang="ko-KR" sz="1000" dirty="0">
+                <a:solidFill>
+                  <a:srgbClr val="000000"/>
+                </a:solidFill>
+                <a:latin typeface="돋움체" panose="020B0609000101010101" pitchFamily="49" charset="-127"/>
+                <a:ea typeface="돋움체" panose="020B0609000101010101" pitchFamily="49" charset="-127"/>
+              </a:rPr>
+              <a:t>, </a:t>
+            </a:r>
+            <a:r>
+              <a:rPr lang="en-US" altLang="ko-KR" sz="1000" dirty="0">
+                <a:solidFill>
+                  <a:srgbClr val="A31515"/>
+                </a:solidFill>
+                <a:latin typeface="돋움체" panose="020B0609000101010101" pitchFamily="49" charset="-127"/>
+                <a:ea typeface="돋움체" panose="020B0609000101010101" pitchFamily="49" charset="-127"/>
+              </a:rPr>
+              <a:t>"</a:t>
+            </a:r>
+            <a:r>
+              <a:rPr lang="ko-KR" altLang="en-US" sz="1000" dirty="0">
+                <a:solidFill>
+                  <a:srgbClr val="A31515"/>
+                </a:solidFill>
+                <a:latin typeface="돋움체" panose="020B0609000101010101" pitchFamily="49" charset="-127"/>
+                <a:ea typeface="돋움체" panose="020B0609000101010101" pitchFamily="49" charset="-127"/>
+              </a:rPr>
+              <a:t>잉글랜드</a:t>
+            </a:r>
+            <a:r>
+              <a:rPr lang="en-US" altLang="ko-KR" sz="1000" dirty="0">
+                <a:solidFill>
+                  <a:srgbClr val="A31515"/>
+                </a:solidFill>
+                <a:latin typeface="돋움체" panose="020B0609000101010101" pitchFamily="49" charset="-127"/>
+                <a:ea typeface="돋움체" panose="020B0609000101010101" pitchFamily="49" charset="-127"/>
+              </a:rPr>
+              <a:t>, </a:t>
+            </a:r>
+            <a:r>
+              <a:rPr lang="ko-KR" altLang="en-US" sz="1000" dirty="0">
+                <a:solidFill>
+                  <a:srgbClr val="A31515"/>
+                </a:solidFill>
+                <a:latin typeface="돋움체" panose="020B0609000101010101" pitchFamily="49" charset="-127"/>
+                <a:ea typeface="돋움체" panose="020B0609000101010101" pitchFamily="49" charset="-127"/>
+              </a:rPr>
+              <a:t>스코틀랜드</a:t>
+            </a:r>
+            <a:r>
+              <a:rPr lang="en-US" altLang="ko-KR" sz="1000" dirty="0">
+                <a:solidFill>
+                  <a:srgbClr val="A31515"/>
+                </a:solidFill>
+                <a:latin typeface="돋움체" panose="020B0609000101010101" pitchFamily="49" charset="-127"/>
+                <a:ea typeface="돋움체" panose="020B0609000101010101" pitchFamily="49" charset="-127"/>
+              </a:rPr>
+              <a:t>, </a:t>
+            </a:r>
+            <a:r>
+              <a:rPr lang="ko-KR" altLang="en-US" sz="1000" dirty="0">
+                <a:solidFill>
+                  <a:srgbClr val="A31515"/>
+                </a:solidFill>
+                <a:latin typeface="돋움체" panose="020B0609000101010101" pitchFamily="49" charset="-127"/>
+                <a:ea typeface="돋움체" panose="020B0609000101010101" pitchFamily="49" charset="-127"/>
+              </a:rPr>
+              <a:t>웨일스</a:t>
+            </a:r>
+            <a:r>
+              <a:rPr lang="en-US" altLang="ko-KR" sz="1000" dirty="0">
+                <a:solidFill>
+                  <a:srgbClr val="A31515"/>
+                </a:solidFill>
+                <a:latin typeface="돋움체" panose="020B0609000101010101" pitchFamily="49" charset="-127"/>
+                <a:ea typeface="돋움체" panose="020B0609000101010101" pitchFamily="49" charset="-127"/>
+              </a:rPr>
+              <a:t>, </a:t>
+            </a:r>
+            <a:r>
+              <a:rPr lang="ko-KR" altLang="en-US" sz="1000" dirty="0">
+                <a:solidFill>
+                  <a:srgbClr val="A31515"/>
+                </a:solidFill>
+                <a:latin typeface="돋움체" panose="020B0609000101010101" pitchFamily="49" charset="-127"/>
+                <a:ea typeface="돋움체" panose="020B0609000101010101" pitchFamily="49" charset="-127"/>
+              </a:rPr>
+              <a:t>북아일랜드로 구성된 연방국가</a:t>
+            </a:r>
+            <a:r>
+              <a:rPr lang="en-US" altLang="ko-KR" sz="1000" dirty="0">
+                <a:solidFill>
+                  <a:srgbClr val="A31515"/>
+                </a:solidFill>
+                <a:latin typeface="돋움체" panose="020B0609000101010101" pitchFamily="49" charset="-127"/>
+                <a:ea typeface="돋움체" panose="020B0609000101010101" pitchFamily="49" charset="-127"/>
+              </a:rPr>
+              <a:t>"</a:t>
+            </a:r>
+            <a:r>
+              <a:rPr lang="en-US" altLang="ko-KR" sz="1000" dirty="0">
+                <a:solidFill>
+                  <a:srgbClr val="000000"/>
+                </a:solidFill>
+                <a:latin typeface="돋움체" panose="020B0609000101010101" pitchFamily="49" charset="-127"/>
+                <a:ea typeface="돋움체" panose="020B0609000101010101" pitchFamily="49" charset="-127"/>
+              </a:rPr>
+              <a:t>),</a:t>
+            </a:r>
+          </a:p>
+          <a:p>
+            <a:r>
+              <a:rPr lang="ko-KR" altLang="en-US" sz="1000" dirty="0">
+                <a:solidFill>
+                  <a:srgbClr val="000000"/>
+                </a:solidFill>
+                <a:latin typeface="돋움체" panose="020B0609000101010101" pitchFamily="49" charset="-127"/>
+                <a:ea typeface="돋움체" panose="020B0609000101010101" pitchFamily="49" charset="-127"/>
+              </a:rPr>
+              <a:t>        </a:t>
+            </a:r>
+            <a:r>
+              <a:rPr lang="en-US" altLang="ko-KR" sz="1000" dirty="0">
+                <a:solidFill>
+                  <a:srgbClr val="0000FF"/>
+                </a:solidFill>
+                <a:latin typeface="돋움체" panose="020B0609000101010101" pitchFamily="49" charset="-127"/>
+                <a:ea typeface="돋움체" panose="020B0609000101010101" pitchFamily="49" charset="-127"/>
+              </a:rPr>
+              <a:t>new</a:t>
+            </a:r>
+            <a:r>
+              <a:rPr lang="ko-KR" altLang="en-US" sz="1000" dirty="0">
+                <a:solidFill>
+                  <a:srgbClr val="000000"/>
+                </a:solidFill>
+                <a:latin typeface="돋움체" panose="020B0609000101010101" pitchFamily="49" charset="-127"/>
+                <a:ea typeface="돋움체" panose="020B0609000101010101" pitchFamily="49" charset="-127"/>
+              </a:rPr>
+              <a:t> </a:t>
+            </a:r>
+            <a:r>
+              <a:rPr lang="en-US" altLang="ko-KR" sz="1000" dirty="0">
+                <a:solidFill>
+                  <a:srgbClr val="000000"/>
+                </a:solidFill>
+                <a:latin typeface="돋움체" panose="020B0609000101010101" pitchFamily="49" charset="-127"/>
+                <a:ea typeface="돋움체" panose="020B0609000101010101" pitchFamily="49" charset="-127"/>
+              </a:rPr>
+              <a:t>Country(</a:t>
+            </a:r>
+            <a:r>
+              <a:rPr lang="en-US" altLang="ko-KR" sz="1000" dirty="0">
+                <a:solidFill>
+                  <a:srgbClr val="A31515"/>
+                </a:solidFill>
+                <a:latin typeface="돋움체" panose="020B0609000101010101" pitchFamily="49" charset="-127"/>
+                <a:ea typeface="돋움체" panose="020B0609000101010101" pitchFamily="49" charset="-127"/>
+              </a:rPr>
+              <a:t>"</a:t>
+            </a:r>
+            <a:r>
+              <a:rPr lang="ko-KR" altLang="en-US" sz="1000" dirty="0">
+                <a:solidFill>
+                  <a:srgbClr val="A31515"/>
+                </a:solidFill>
+                <a:latin typeface="돋움체" panose="020B0609000101010101" pitchFamily="49" charset="-127"/>
+                <a:ea typeface="돋움체" panose="020B0609000101010101" pitchFamily="49" charset="-127"/>
+              </a:rPr>
+              <a:t>러시아</a:t>
+            </a:r>
+            <a:r>
+              <a:rPr lang="en-US" altLang="ko-KR" sz="1000" dirty="0">
+                <a:solidFill>
+                  <a:srgbClr val="A31515"/>
+                </a:solidFill>
+                <a:latin typeface="돋움체" panose="020B0609000101010101" pitchFamily="49" charset="-127"/>
+                <a:ea typeface="돋움체" panose="020B0609000101010101" pitchFamily="49" charset="-127"/>
+              </a:rPr>
+              <a:t>"</a:t>
+            </a:r>
+            <a:r>
+              <a:rPr lang="en-US" altLang="ko-KR" sz="1000" dirty="0">
+                <a:solidFill>
+                  <a:srgbClr val="000000"/>
+                </a:solidFill>
+                <a:latin typeface="돋움체" panose="020B0609000101010101" pitchFamily="49" charset="-127"/>
+                <a:ea typeface="돋움체" panose="020B0609000101010101" pitchFamily="49" charset="-127"/>
+              </a:rPr>
+              <a:t>, </a:t>
+            </a:r>
+            <a:r>
+              <a:rPr lang="en-US" altLang="ko-KR" sz="1000" dirty="0">
+                <a:solidFill>
+                  <a:srgbClr val="A31515"/>
+                </a:solidFill>
+                <a:latin typeface="돋움체" panose="020B0609000101010101" pitchFamily="49" charset="-127"/>
+                <a:ea typeface="돋움체" panose="020B0609000101010101" pitchFamily="49" charset="-127"/>
+              </a:rPr>
+              <a:t>"</a:t>
+            </a:r>
+            <a:r>
+              <a:rPr lang="ko-KR" altLang="en-US" sz="1000" dirty="0">
+                <a:solidFill>
+                  <a:srgbClr val="A31515"/>
+                </a:solidFill>
+                <a:latin typeface="돋움체" panose="020B0609000101010101" pitchFamily="49" charset="-127"/>
+                <a:ea typeface="돋움체" panose="020B0609000101010101" pitchFamily="49" charset="-127"/>
+              </a:rPr>
+              <a:t>모스크바</a:t>
+            </a:r>
+            <a:r>
+              <a:rPr lang="en-US" altLang="ko-KR" sz="1000" dirty="0">
+                <a:solidFill>
+                  <a:srgbClr val="A31515"/>
+                </a:solidFill>
+                <a:latin typeface="돋움체" panose="020B0609000101010101" pitchFamily="49" charset="-127"/>
+                <a:ea typeface="돋움체" panose="020B0609000101010101" pitchFamily="49" charset="-127"/>
+              </a:rPr>
+              <a:t>"</a:t>
+            </a:r>
+            <a:r>
+              <a:rPr lang="en-US" altLang="ko-KR" sz="1000" dirty="0">
+                <a:solidFill>
+                  <a:srgbClr val="000000"/>
+                </a:solidFill>
+                <a:latin typeface="돋움체" panose="020B0609000101010101" pitchFamily="49" charset="-127"/>
+                <a:ea typeface="돋움체" panose="020B0609000101010101" pitchFamily="49" charset="-127"/>
+              </a:rPr>
+              <a:t>, </a:t>
+            </a:r>
+            <a:r>
+              <a:rPr lang="en-US" altLang="ko-KR" sz="1000" dirty="0">
+                <a:solidFill>
+                  <a:srgbClr val="A31515"/>
+                </a:solidFill>
+                <a:latin typeface="돋움체" panose="020B0609000101010101" pitchFamily="49" charset="-127"/>
+                <a:ea typeface="돋움체" panose="020B0609000101010101" pitchFamily="49" charset="-127"/>
+              </a:rPr>
+              <a:t>"</a:t>
+            </a:r>
+            <a:r>
+              <a:rPr lang="ko-KR" altLang="en-US" sz="1000" dirty="0">
+                <a:solidFill>
+                  <a:srgbClr val="A31515"/>
+                </a:solidFill>
+                <a:latin typeface="돋움체" panose="020B0609000101010101" pitchFamily="49" charset="-127"/>
+                <a:ea typeface="돋움체" panose="020B0609000101010101" pitchFamily="49" charset="-127"/>
+              </a:rPr>
+              <a:t>세계의 크기로 가장 큰 나라</a:t>
+            </a:r>
+            <a:r>
+              <a:rPr lang="en-US" altLang="ko-KR" sz="1000" dirty="0">
+                <a:solidFill>
+                  <a:srgbClr val="A31515"/>
+                </a:solidFill>
+                <a:latin typeface="돋움체" panose="020B0609000101010101" pitchFamily="49" charset="-127"/>
+                <a:ea typeface="돋움체" panose="020B0609000101010101" pitchFamily="49" charset="-127"/>
+              </a:rPr>
+              <a:t>"</a:t>
+            </a:r>
+            <a:r>
+              <a:rPr lang="en-US" altLang="ko-KR" sz="1000" dirty="0">
+                <a:solidFill>
+                  <a:srgbClr val="000000"/>
+                </a:solidFill>
+                <a:latin typeface="돋움체" panose="020B0609000101010101" pitchFamily="49" charset="-127"/>
+                <a:ea typeface="돋움체" panose="020B0609000101010101" pitchFamily="49" charset="-127"/>
+              </a:rPr>
+              <a:t>),</a:t>
+            </a:r>
+          </a:p>
+          <a:p>
+            <a:r>
+              <a:rPr lang="ko-KR" altLang="en-US" sz="1000" dirty="0">
+                <a:solidFill>
+                  <a:srgbClr val="000000"/>
+                </a:solidFill>
+                <a:latin typeface="돋움체" panose="020B0609000101010101" pitchFamily="49" charset="-127"/>
+                <a:ea typeface="돋움체" panose="020B0609000101010101" pitchFamily="49" charset="-127"/>
+              </a:rPr>
+              <a:t>        </a:t>
+            </a:r>
+            <a:r>
+              <a:rPr lang="en-US" altLang="ko-KR" sz="1000" dirty="0">
+                <a:solidFill>
+                  <a:srgbClr val="0000FF"/>
+                </a:solidFill>
+                <a:latin typeface="돋움체" panose="020B0609000101010101" pitchFamily="49" charset="-127"/>
+                <a:ea typeface="돋움체" panose="020B0609000101010101" pitchFamily="49" charset="-127"/>
+              </a:rPr>
+              <a:t>new</a:t>
+            </a:r>
+            <a:r>
+              <a:rPr lang="ko-KR" altLang="en-US" sz="1000" dirty="0">
+                <a:solidFill>
+                  <a:srgbClr val="000000"/>
+                </a:solidFill>
+                <a:latin typeface="돋움체" panose="020B0609000101010101" pitchFamily="49" charset="-127"/>
+                <a:ea typeface="돋움체" panose="020B0609000101010101" pitchFamily="49" charset="-127"/>
+              </a:rPr>
+              <a:t> </a:t>
+            </a:r>
+            <a:r>
+              <a:rPr lang="en-US" altLang="ko-KR" sz="1000" dirty="0">
+                <a:solidFill>
+                  <a:srgbClr val="000000"/>
+                </a:solidFill>
+                <a:latin typeface="돋움체" panose="020B0609000101010101" pitchFamily="49" charset="-127"/>
+                <a:ea typeface="돋움체" panose="020B0609000101010101" pitchFamily="49" charset="-127"/>
+              </a:rPr>
+              <a:t>Country(</a:t>
+            </a:r>
+            <a:r>
+              <a:rPr lang="en-US" altLang="ko-KR" sz="1000" dirty="0">
+                <a:solidFill>
+                  <a:srgbClr val="A31515"/>
+                </a:solidFill>
+                <a:latin typeface="돋움체" panose="020B0609000101010101" pitchFamily="49" charset="-127"/>
+                <a:ea typeface="돋움체" panose="020B0609000101010101" pitchFamily="49" charset="-127"/>
+              </a:rPr>
+              <a:t>"</a:t>
+            </a:r>
+            <a:r>
+              <a:rPr lang="ko-KR" altLang="en-US" sz="1000" dirty="0">
+                <a:solidFill>
+                  <a:srgbClr val="A31515"/>
+                </a:solidFill>
+                <a:latin typeface="돋움체" panose="020B0609000101010101" pitchFamily="49" charset="-127"/>
+                <a:ea typeface="돋움체" panose="020B0609000101010101" pitchFamily="49" charset="-127"/>
+              </a:rPr>
+              <a:t>캐나다</a:t>
+            </a:r>
+            <a:r>
+              <a:rPr lang="en-US" altLang="ko-KR" sz="1000" dirty="0">
+                <a:solidFill>
+                  <a:srgbClr val="A31515"/>
+                </a:solidFill>
+                <a:latin typeface="돋움체" panose="020B0609000101010101" pitchFamily="49" charset="-127"/>
+                <a:ea typeface="돋움체" panose="020B0609000101010101" pitchFamily="49" charset="-127"/>
+              </a:rPr>
+              <a:t>"</a:t>
+            </a:r>
+            <a:r>
+              <a:rPr lang="en-US" altLang="ko-KR" sz="1000" dirty="0">
+                <a:solidFill>
+                  <a:srgbClr val="000000"/>
+                </a:solidFill>
+                <a:latin typeface="돋움체" panose="020B0609000101010101" pitchFamily="49" charset="-127"/>
+                <a:ea typeface="돋움체" panose="020B0609000101010101" pitchFamily="49" charset="-127"/>
+              </a:rPr>
+              <a:t>, </a:t>
+            </a:r>
+            <a:r>
+              <a:rPr lang="en-US" altLang="ko-KR" sz="1000" dirty="0">
+                <a:solidFill>
+                  <a:srgbClr val="A31515"/>
+                </a:solidFill>
+                <a:latin typeface="돋움체" panose="020B0609000101010101" pitchFamily="49" charset="-127"/>
+                <a:ea typeface="돋움체" panose="020B0609000101010101" pitchFamily="49" charset="-127"/>
+              </a:rPr>
+              <a:t>"</a:t>
+            </a:r>
+            <a:r>
+              <a:rPr lang="ko-KR" altLang="en-US" sz="1000" dirty="0">
+                <a:solidFill>
+                  <a:srgbClr val="A31515"/>
+                </a:solidFill>
+                <a:latin typeface="돋움체" panose="020B0609000101010101" pitchFamily="49" charset="-127"/>
+                <a:ea typeface="돋움체" panose="020B0609000101010101" pitchFamily="49" charset="-127"/>
+              </a:rPr>
+              <a:t>오타와</a:t>
+            </a:r>
+            <a:r>
+              <a:rPr lang="en-US" altLang="ko-KR" sz="1000" dirty="0">
+                <a:solidFill>
+                  <a:srgbClr val="A31515"/>
+                </a:solidFill>
+                <a:latin typeface="돋움체" panose="020B0609000101010101" pitchFamily="49" charset="-127"/>
+                <a:ea typeface="돋움체" panose="020B0609000101010101" pitchFamily="49" charset="-127"/>
+              </a:rPr>
+              <a:t>"</a:t>
+            </a:r>
+            <a:r>
+              <a:rPr lang="en-US" altLang="ko-KR" sz="1000" dirty="0">
+                <a:solidFill>
+                  <a:srgbClr val="000000"/>
+                </a:solidFill>
+                <a:latin typeface="돋움체" panose="020B0609000101010101" pitchFamily="49" charset="-127"/>
+                <a:ea typeface="돋움체" panose="020B0609000101010101" pitchFamily="49" charset="-127"/>
+              </a:rPr>
+              <a:t>, </a:t>
+            </a:r>
+            <a:r>
+              <a:rPr lang="en-US" altLang="ko-KR" sz="1000" dirty="0">
+                <a:solidFill>
+                  <a:srgbClr val="A31515"/>
+                </a:solidFill>
+                <a:latin typeface="돋움체" panose="020B0609000101010101" pitchFamily="49" charset="-127"/>
+                <a:ea typeface="돋움체" panose="020B0609000101010101" pitchFamily="49" charset="-127"/>
+              </a:rPr>
+              <a:t>"</a:t>
+            </a:r>
+            <a:r>
+              <a:rPr lang="ko-KR" altLang="en-US" sz="1000" dirty="0">
+                <a:solidFill>
+                  <a:srgbClr val="A31515"/>
+                </a:solidFill>
+                <a:latin typeface="돋움체" panose="020B0609000101010101" pitchFamily="49" charset="-127"/>
+                <a:ea typeface="돋움체" panose="020B0609000101010101" pitchFamily="49" charset="-127"/>
+              </a:rPr>
+              <a:t>북미 대륙에 위치한 영어와 프랑스 양쪽 언어를 사용하는 나라</a:t>
+            </a:r>
+            <a:r>
+              <a:rPr lang="en-US" altLang="ko-KR" sz="1000" dirty="0">
+                <a:solidFill>
+                  <a:srgbClr val="A31515"/>
+                </a:solidFill>
+                <a:latin typeface="돋움체" panose="020B0609000101010101" pitchFamily="49" charset="-127"/>
+                <a:ea typeface="돋움체" panose="020B0609000101010101" pitchFamily="49" charset="-127"/>
+              </a:rPr>
+              <a:t>"</a:t>
+            </a:r>
+            <a:r>
+              <a:rPr lang="en-US" altLang="ko-KR" sz="1000" dirty="0">
+                <a:solidFill>
+                  <a:srgbClr val="000000"/>
+                </a:solidFill>
+                <a:latin typeface="돋움체" panose="020B0609000101010101" pitchFamily="49" charset="-127"/>
+                <a:ea typeface="돋움체" panose="020B0609000101010101" pitchFamily="49" charset="-127"/>
+              </a:rPr>
+              <a:t>),</a:t>
+            </a:r>
+          </a:p>
+          <a:p>
+            <a:r>
+              <a:rPr lang="ko-KR" altLang="en-US" sz="1000" dirty="0">
+                <a:solidFill>
+                  <a:srgbClr val="000000"/>
+                </a:solidFill>
+                <a:latin typeface="돋움체" panose="020B0609000101010101" pitchFamily="49" charset="-127"/>
+                <a:ea typeface="돋움체" panose="020B0609000101010101" pitchFamily="49" charset="-127"/>
+              </a:rPr>
+              <a:t>        </a:t>
+            </a:r>
+            <a:r>
+              <a:rPr lang="en-US" altLang="ko-KR" sz="1000" dirty="0">
+                <a:solidFill>
+                  <a:srgbClr val="0000FF"/>
+                </a:solidFill>
+                <a:latin typeface="돋움체" panose="020B0609000101010101" pitchFamily="49" charset="-127"/>
+                <a:ea typeface="돋움체" panose="020B0609000101010101" pitchFamily="49" charset="-127"/>
+              </a:rPr>
+              <a:t>new</a:t>
+            </a:r>
+            <a:r>
+              <a:rPr lang="ko-KR" altLang="en-US" sz="1000" dirty="0">
+                <a:solidFill>
+                  <a:srgbClr val="000000"/>
+                </a:solidFill>
+                <a:latin typeface="돋움체" panose="020B0609000101010101" pitchFamily="49" charset="-127"/>
+                <a:ea typeface="돋움체" panose="020B0609000101010101" pitchFamily="49" charset="-127"/>
+              </a:rPr>
+              <a:t> </a:t>
+            </a:r>
+            <a:r>
+              <a:rPr lang="en-US" altLang="ko-KR" sz="1000" dirty="0">
+                <a:solidFill>
+                  <a:srgbClr val="000000"/>
+                </a:solidFill>
+                <a:latin typeface="돋움체" panose="020B0609000101010101" pitchFamily="49" charset="-127"/>
+                <a:ea typeface="돋움체" panose="020B0609000101010101" pitchFamily="49" charset="-127"/>
+              </a:rPr>
+              <a:t>Country(</a:t>
+            </a:r>
+            <a:r>
+              <a:rPr lang="en-US" altLang="ko-KR" sz="1000" dirty="0">
+                <a:solidFill>
+                  <a:srgbClr val="A31515"/>
+                </a:solidFill>
+                <a:latin typeface="돋움체" panose="020B0609000101010101" pitchFamily="49" charset="-127"/>
+                <a:ea typeface="돋움체" panose="020B0609000101010101" pitchFamily="49" charset="-127"/>
+              </a:rPr>
+              <a:t>"</a:t>
+            </a:r>
+            <a:r>
+              <a:rPr lang="ko-KR" altLang="en-US" sz="1000" dirty="0">
+                <a:solidFill>
+                  <a:srgbClr val="A31515"/>
+                </a:solidFill>
+                <a:latin typeface="돋움체" panose="020B0609000101010101" pitchFamily="49" charset="-127"/>
+                <a:ea typeface="돋움체" panose="020B0609000101010101" pitchFamily="49" charset="-127"/>
+              </a:rPr>
+              <a:t>브라질</a:t>
+            </a:r>
+            <a:r>
+              <a:rPr lang="en-US" altLang="ko-KR" sz="1000" dirty="0">
+                <a:solidFill>
+                  <a:srgbClr val="A31515"/>
+                </a:solidFill>
+                <a:latin typeface="돋움체" panose="020B0609000101010101" pitchFamily="49" charset="-127"/>
+                <a:ea typeface="돋움체" panose="020B0609000101010101" pitchFamily="49" charset="-127"/>
+              </a:rPr>
+              <a:t>"</a:t>
+            </a:r>
+            <a:r>
+              <a:rPr lang="en-US" altLang="ko-KR" sz="1000" dirty="0">
+                <a:solidFill>
+                  <a:srgbClr val="000000"/>
+                </a:solidFill>
+                <a:latin typeface="돋움체" panose="020B0609000101010101" pitchFamily="49" charset="-127"/>
+                <a:ea typeface="돋움체" panose="020B0609000101010101" pitchFamily="49" charset="-127"/>
+              </a:rPr>
+              <a:t>, </a:t>
+            </a:r>
+            <a:r>
+              <a:rPr lang="en-US" altLang="ko-KR" sz="1000" dirty="0">
+                <a:solidFill>
+                  <a:srgbClr val="A31515"/>
+                </a:solidFill>
+                <a:latin typeface="돋움체" panose="020B0609000101010101" pitchFamily="49" charset="-127"/>
+                <a:ea typeface="돋움체" panose="020B0609000101010101" pitchFamily="49" charset="-127"/>
+              </a:rPr>
+              <a:t>"</a:t>
+            </a:r>
+            <a:r>
+              <a:rPr lang="ko-KR" altLang="en-US" sz="1000" dirty="0">
+                <a:solidFill>
+                  <a:srgbClr val="A31515"/>
+                </a:solidFill>
+                <a:latin typeface="돋움체" panose="020B0609000101010101" pitchFamily="49" charset="-127"/>
+                <a:ea typeface="돋움체" panose="020B0609000101010101" pitchFamily="49" charset="-127"/>
+              </a:rPr>
+              <a:t>브라질리아</a:t>
+            </a:r>
+            <a:r>
+              <a:rPr lang="en-US" altLang="ko-KR" sz="1000" dirty="0">
+                <a:solidFill>
+                  <a:srgbClr val="A31515"/>
+                </a:solidFill>
+                <a:latin typeface="돋움체" panose="020B0609000101010101" pitchFamily="49" charset="-127"/>
+                <a:ea typeface="돋움체" panose="020B0609000101010101" pitchFamily="49" charset="-127"/>
+              </a:rPr>
+              <a:t>"</a:t>
+            </a:r>
+            <a:r>
+              <a:rPr lang="en-US" altLang="ko-KR" sz="1000" dirty="0">
+                <a:solidFill>
+                  <a:srgbClr val="000000"/>
+                </a:solidFill>
+                <a:latin typeface="돋움체" panose="020B0609000101010101" pitchFamily="49" charset="-127"/>
+                <a:ea typeface="돋움체" panose="020B0609000101010101" pitchFamily="49" charset="-127"/>
+              </a:rPr>
+              <a:t>, </a:t>
+            </a:r>
+            <a:r>
+              <a:rPr lang="en-US" altLang="ko-KR" sz="1000" dirty="0">
+                <a:solidFill>
+                  <a:srgbClr val="A31515"/>
+                </a:solidFill>
+                <a:latin typeface="돋움체" panose="020B0609000101010101" pitchFamily="49" charset="-127"/>
+                <a:ea typeface="돋움체" panose="020B0609000101010101" pitchFamily="49" charset="-127"/>
+              </a:rPr>
+              <a:t>"</a:t>
+            </a:r>
+            <a:r>
+              <a:rPr lang="ko-KR" altLang="en-US" sz="1000" dirty="0">
+                <a:solidFill>
+                  <a:srgbClr val="A31515"/>
+                </a:solidFill>
+                <a:latin typeface="돋움체" panose="020B0609000101010101" pitchFamily="49" charset="-127"/>
+                <a:ea typeface="돋움체" panose="020B0609000101010101" pitchFamily="49" charset="-127"/>
+              </a:rPr>
+              <a:t>남미 대륙에서 가장 큰 국가</a:t>
+            </a:r>
+            <a:r>
+              <a:rPr lang="en-US" altLang="ko-KR" sz="1000" dirty="0">
+                <a:solidFill>
+                  <a:srgbClr val="A31515"/>
+                </a:solidFill>
+                <a:latin typeface="돋움체" panose="020B0609000101010101" pitchFamily="49" charset="-127"/>
+                <a:ea typeface="돋움체" panose="020B0609000101010101" pitchFamily="49" charset="-127"/>
+              </a:rPr>
+              <a:t>"</a:t>
+            </a:r>
+            <a:r>
+              <a:rPr lang="en-US" altLang="ko-KR" sz="1000" dirty="0">
+                <a:solidFill>
+                  <a:srgbClr val="000000"/>
+                </a:solidFill>
+                <a:latin typeface="돋움체" panose="020B0609000101010101" pitchFamily="49" charset="-127"/>
+                <a:ea typeface="돋움체" panose="020B0609000101010101" pitchFamily="49" charset="-127"/>
+              </a:rPr>
+              <a:t>),</a:t>
+            </a:r>
+          </a:p>
+          <a:p>
+            <a:r>
+              <a:rPr lang="ko-KR" altLang="en-US" sz="1000" dirty="0">
+                <a:solidFill>
+                  <a:srgbClr val="000000"/>
+                </a:solidFill>
+                <a:latin typeface="돋움체" panose="020B0609000101010101" pitchFamily="49" charset="-127"/>
+                <a:ea typeface="돋움체" panose="020B0609000101010101" pitchFamily="49" charset="-127"/>
+              </a:rPr>
+              <a:t>        </a:t>
+            </a:r>
+            <a:r>
+              <a:rPr lang="en-US" altLang="ko-KR" sz="1000" dirty="0">
+                <a:solidFill>
+                  <a:srgbClr val="0000FF"/>
+                </a:solidFill>
+                <a:latin typeface="돋움체" panose="020B0609000101010101" pitchFamily="49" charset="-127"/>
+                <a:ea typeface="돋움체" panose="020B0609000101010101" pitchFamily="49" charset="-127"/>
+              </a:rPr>
+              <a:t>new</a:t>
+            </a:r>
+            <a:r>
+              <a:rPr lang="ko-KR" altLang="en-US" sz="1000" dirty="0">
+                <a:solidFill>
+                  <a:srgbClr val="000000"/>
+                </a:solidFill>
+                <a:latin typeface="돋움체" panose="020B0609000101010101" pitchFamily="49" charset="-127"/>
+                <a:ea typeface="돋움체" panose="020B0609000101010101" pitchFamily="49" charset="-127"/>
+              </a:rPr>
+              <a:t> </a:t>
+            </a:r>
+            <a:r>
+              <a:rPr lang="en-US" altLang="ko-KR" sz="1000" dirty="0">
+                <a:solidFill>
+                  <a:srgbClr val="000000"/>
+                </a:solidFill>
+                <a:latin typeface="돋움체" panose="020B0609000101010101" pitchFamily="49" charset="-127"/>
+                <a:ea typeface="돋움체" panose="020B0609000101010101" pitchFamily="49" charset="-127"/>
+              </a:rPr>
+              <a:t>Country(</a:t>
+            </a:r>
+            <a:r>
+              <a:rPr lang="en-US" altLang="ko-KR" sz="1000" dirty="0">
+                <a:solidFill>
+                  <a:srgbClr val="A31515"/>
+                </a:solidFill>
+                <a:latin typeface="돋움체" panose="020B0609000101010101" pitchFamily="49" charset="-127"/>
+                <a:ea typeface="돋움체" panose="020B0609000101010101" pitchFamily="49" charset="-127"/>
+              </a:rPr>
+              <a:t>"</a:t>
+            </a:r>
+            <a:r>
+              <a:rPr lang="ko-KR" altLang="en-US" sz="1000" dirty="0">
+                <a:solidFill>
+                  <a:srgbClr val="A31515"/>
+                </a:solidFill>
+                <a:latin typeface="돋움체" panose="020B0609000101010101" pitchFamily="49" charset="-127"/>
+                <a:ea typeface="돋움체" panose="020B0609000101010101" pitchFamily="49" charset="-127"/>
+              </a:rPr>
+              <a:t>인도</a:t>
+            </a:r>
+            <a:r>
+              <a:rPr lang="en-US" altLang="ko-KR" sz="1000" dirty="0">
+                <a:solidFill>
+                  <a:srgbClr val="A31515"/>
+                </a:solidFill>
+                <a:latin typeface="돋움체" panose="020B0609000101010101" pitchFamily="49" charset="-127"/>
+                <a:ea typeface="돋움체" panose="020B0609000101010101" pitchFamily="49" charset="-127"/>
+              </a:rPr>
+              <a:t>"</a:t>
+            </a:r>
+            <a:r>
+              <a:rPr lang="en-US" altLang="ko-KR" sz="1000" dirty="0">
+                <a:solidFill>
+                  <a:srgbClr val="000000"/>
+                </a:solidFill>
+                <a:latin typeface="돋움체" panose="020B0609000101010101" pitchFamily="49" charset="-127"/>
+                <a:ea typeface="돋움체" panose="020B0609000101010101" pitchFamily="49" charset="-127"/>
+              </a:rPr>
+              <a:t>, </a:t>
+            </a:r>
+            <a:r>
+              <a:rPr lang="en-US" altLang="ko-KR" sz="1000" dirty="0">
+                <a:solidFill>
+                  <a:srgbClr val="A31515"/>
+                </a:solidFill>
+                <a:latin typeface="돋움체" panose="020B0609000101010101" pitchFamily="49" charset="-127"/>
+                <a:ea typeface="돋움체" panose="020B0609000101010101" pitchFamily="49" charset="-127"/>
+              </a:rPr>
+              <a:t>"</a:t>
+            </a:r>
+            <a:r>
+              <a:rPr lang="ko-KR" altLang="en-US" sz="1000" dirty="0">
+                <a:solidFill>
+                  <a:srgbClr val="A31515"/>
+                </a:solidFill>
+                <a:latin typeface="돋움체" panose="020B0609000101010101" pitchFamily="49" charset="-127"/>
+                <a:ea typeface="돋움체" panose="020B0609000101010101" pitchFamily="49" charset="-127"/>
+              </a:rPr>
+              <a:t>뉴델리</a:t>
+            </a:r>
+            <a:r>
+              <a:rPr lang="en-US" altLang="ko-KR" sz="1000" dirty="0">
+                <a:solidFill>
+                  <a:srgbClr val="A31515"/>
+                </a:solidFill>
+                <a:latin typeface="돋움체" panose="020B0609000101010101" pitchFamily="49" charset="-127"/>
+                <a:ea typeface="돋움체" panose="020B0609000101010101" pitchFamily="49" charset="-127"/>
+              </a:rPr>
+              <a:t>"</a:t>
+            </a:r>
+            <a:r>
+              <a:rPr lang="en-US" altLang="ko-KR" sz="1000" dirty="0">
+                <a:solidFill>
+                  <a:srgbClr val="000000"/>
+                </a:solidFill>
+                <a:latin typeface="돋움체" panose="020B0609000101010101" pitchFamily="49" charset="-127"/>
+                <a:ea typeface="돋움체" panose="020B0609000101010101" pitchFamily="49" charset="-127"/>
+              </a:rPr>
+              <a:t>, </a:t>
+            </a:r>
+            <a:r>
+              <a:rPr lang="en-US" altLang="ko-KR" sz="1000" dirty="0">
+                <a:solidFill>
+                  <a:srgbClr val="A31515"/>
+                </a:solidFill>
+                <a:latin typeface="돋움체" panose="020B0609000101010101" pitchFamily="49" charset="-127"/>
+                <a:ea typeface="돋움체" panose="020B0609000101010101" pitchFamily="49" charset="-127"/>
+              </a:rPr>
+              <a:t>"</a:t>
+            </a:r>
+            <a:r>
+              <a:rPr lang="ko-KR" altLang="en-US" sz="1000" dirty="0">
+                <a:solidFill>
+                  <a:srgbClr val="A31515"/>
+                </a:solidFill>
+                <a:latin typeface="돋움체" panose="020B0609000101010101" pitchFamily="49" charset="-127"/>
+                <a:ea typeface="돋움체" panose="020B0609000101010101" pitchFamily="49" charset="-127"/>
+              </a:rPr>
+              <a:t>아시아 대륙에서 </a:t>
+            </a:r>
+            <a:r>
+              <a:rPr lang="en-US" altLang="ko-KR" sz="1000" dirty="0">
+                <a:solidFill>
+                  <a:srgbClr val="A31515"/>
+                </a:solidFill>
+                <a:latin typeface="돋움체" panose="020B0609000101010101" pitchFamily="49" charset="-127"/>
+                <a:ea typeface="돋움체" panose="020B0609000101010101" pitchFamily="49" charset="-127"/>
+              </a:rPr>
+              <a:t>2</a:t>
+            </a:r>
+            <a:r>
+              <a:rPr lang="ko-KR" altLang="en-US" sz="1000" dirty="0">
+                <a:solidFill>
+                  <a:srgbClr val="A31515"/>
+                </a:solidFill>
+                <a:latin typeface="돋움체" panose="020B0609000101010101" pitchFamily="49" charset="-127"/>
+                <a:ea typeface="돋움체" panose="020B0609000101010101" pitchFamily="49" charset="-127"/>
+              </a:rPr>
+              <a:t>번째로 인구가 많은 나라</a:t>
+            </a:r>
+            <a:r>
+              <a:rPr lang="en-US" altLang="ko-KR" sz="1000" dirty="0">
+                <a:solidFill>
+                  <a:srgbClr val="A31515"/>
+                </a:solidFill>
+                <a:latin typeface="돋움체" panose="020B0609000101010101" pitchFamily="49" charset="-127"/>
+                <a:ea typeface="돋움체" panose="020B0609000101010101" pitchFamily="49" charset="-127"/>
+              </a:rPr>
+              <a:t>"</a:t>
+            </a:r>
+            <a:r>
+              <a:rPr lang="en-US" altLang="ko-KR" sz="1000" dirty="0">
+                <a:solidFill>
+                  <a:srgbClr val="000000"/>
+                </a:solidFill>
+                <a:latin typeface="돋움체" panose="020B0609000101010101" pitchFamily="49" charset="-127"/>
+                <a:ea typeface="돋움체" panose="020B0609000101010101" pitchFamily="49" charset="-127"/>
+              </a:rPr>
+              <a:t>),</a:t>
+            </a:r>
+          </a:p>
+          <a:p>
+            <a:r>
+              <a:rPr lang="ko-KR" altLang="en-US" sz="1000" dirty="0">
+                <a:solidFill>
+                  <a:srgbClr val="000000"/>
+                </a:solidFill>
+                <a:latin typeface="돋움체" panose="020B0609000101010101" pitchFamily="49" charset="-127"/>
+                <a:ea typeface="돋움체" panose="020B0609000101010101" pitchFamily="49" charset="-127"/>
+              </a:rPr>
+              <a:t>        </a:t>
+            </a:r>
+            <a:r>
+              <a:rPr lang="en-US" altLang="ko-KR" sz="1000" dirty="0">
+                <a:solidFill>
+                  <a:srgbClr val="0000FF"/>
+                </a:solidFill>
+                <a:latin typeface="돋움체" panose="020B0609000101010101" pitchFamily="49" charset="-127"/>
+                <a:ea typeface="돋움체" panose="020B0609000101010101" pitchFamily="49" charset="-127"/>
+              </a:rPr>
+              <a:t>new</a:t>
+            </a:r>
+            <a:r>
+              <a:rPr lang="ko-KR" altLang="en-US" sz="1000" dirty="0">
+                <a:solidFill>
+                  <a:srgbClr val="000000"/>
+                </a:solidFill>
+                <a:latin typeface="돋움체" panose="020B0609000101010101" pitchFamily="49" charset="-127"/>
+                <a:ea typeface="돋움체" panose="020B0609000101010101" pitchFamily="49" charset="-127"/>
+              </a:rPr>
+              <a:t> </a:t>
+            </a:r>
+            <a:r>
+              <a:rPr lang="en-US" altLang="ko-KR" sz="1000" dirty="0">
+                <a:solidFill>
+                  <a:srgbClr val="000000"/>
+                </a:solidFill>
+                <a:latin typeface="돋움체" panose="020B0609000101010101" pitchFamily="49" charset="-127"/>
+                <a:ea typeface="돋움체" panose="020B0609000101010101" pitchFamily="49" charset="-127"/>
+              </a:rPr>
+              <a:t>Country(</a:t>
+            </a:r>
+            <a:r>
+              <a:rPr lang="en-US" altLang="ko-KR" sz="1000" dirty="0">
+                <a:solidFill>
+                  <a:srgbClr val="A31515"/>
+                </a:solidFill>
+                <a:latin typeface="돋움체" panose="020B0609000101010101" pitchFamily="49" charset="-127"/>
+                <a:ea typeface="돋움체" panose="020B0609000101010101" pitchFamily="49" charset="-127"/>
+              </a:rPr>
+              <a:t>"</a:t>
+            </a:r>
+            <a:r>
+              <a:rPr lang="ko-KR" altLang="en-US" sz="1000" dirty="0">
+                <a:solidFill>
+                  <a:srgbClr val="A31515"/>
+                </a:solidFill>
+                <a:latin typeface="돋움체" panose="020B0609000101010101" pitchFamily="49" charset="-127"/>
+                <a:ea typeface="돋움체" panose="020B0609000101010101" pitchFamily="49" charset="-127"/>
+              </a:rPr>
+              <a:t>호주</a:t>
+            </a:r>
+            <a:r>
+              <a:rPr lang="en-US" altLang="ko-KR" sz="1000" dirty="0">
+                <a:solidFill>
+                  <a:srgbClr val="A31515"/>
+                </a:solidFill>
+                <a:latin typeface="돋움체" panose="020B0609000101010101" pitchFamily="49" charset="-127"/>
+                <a:ea typeface="돋움체" panose="020B0609000101010101" pitchFamily="49" charset="-127"/>
+              </a:rPr>
+              <a:t>"</a:t>
+            </a:r>
+            <a:r>
+              <a:rPr lang="en-US" altLang="ko-KR" sz="1000" dirty="0">
+                <a:solidFill>
+                  <a:srgbClr val="000000"/>
+                </a:solidFill>
+                <a:latin typeface="돋움체" panose="020B0609000101010101" pitchFamily="49" charset="-127"/>
+                <a:ea typeface="돋움체" panose="020B0609000101010101" pitchFamily="49" charset="-127"/>
+              </a:rPr>
+              <a:t>, </a:t>
+            </a:r>
+            <a:r>
+              <a:rPr lang="en-US" altLang="ko-KR" sz="1000" dirty="0">
+                <a:solidFill>
+                  <a:srgbClr val="A31515"/>
+                </a:solidFill>
+                <a:latin typeface="돋움체" panose="020B0609000101010101" pitchFamily="49" charset="-127"/>
+                <a:ea typeface="돋움체" panose="020B0609000101010101" pitchFamily="49" charset="-127"/>
+              </a:rPr>
+              <a:t>"</a:t>
+            </a:r>
+            <a:r>
+              <a:rPr lang="ko-KR" altLang="en-US" sz="1000" dirty="0">
+                <a:solidFill>
+                  <a:srgbClr val="A31515"/>
+                </a:solidFill>
+                <a:latin typeface="돋움체" panose="020B0609000101010101" pitchFamily="49" charset="-127"/>
+                <a:ea typeface="돋움체" panose="020B0609000101010101" pitchFamily="49" charset="-127"/>
+              </a:rPr>
+              <a:t>캔버라</a:t>
+            </a:r>
+            <a:r>
+              <a:rPr lang="en-US" altLang="ko-KR" sz="1000" dirty="0">
+                <a:solidFill>
+                  <a:srgbClr val="A31515"/>
+                </a:solidFill>
+                <a:latin typeface="돋움체" panose="020B0609000101010101" pitchFamily="49" charset="-127"/>
+                <a:ea typeface="돋움체" panose="020B0609000101010101" pitchFamily="49" charset="-127"/>
+              </a:rPr>
+              <a:t>"</a:t>
+            </a:r>
+            <a:r>
+              <a:rPr lang="en-US" altLang="ko-KR" sz="1000" dirty="0">
+                <a:solidFill>
+                  <a:srgbClr val="000000"/>
+                </a:solidFill>
+                <a:latin typeface="돋움체" panose="020B0609000101010101" pitchFamily="49" charset="-127"/>
+                <a:ea typeface="돋움체" panose="020B0609000101010101" pitchFamily="49" charset="-127"/>
+              </a:rPr>
+              <a:t>, </a:t>
+            </a:r>
+            <a:r>
+              <a:rPr lang="en-US" altLang="ko-KR" sz="1000" dirty="0">
+                <a:solidFill>
+                  <a:srgbClr val="A31515"/>
+                </a:solidFill>
+                <a:latin typeface="돋움체" panose="020B0609000101010101" pitchFamily="49" charset="-127"/>
+                <a:ea typeface="돋움체" panose="020B0609000101010101" pitchFamily="49" charset="-127"/>
+              </a:rPr>
+              <a:t>"</a:t>
+            </a:r>
+            <a:r>
+              <a:rPr lang="ko-KR" altLang="en-US" sz="1000" dirty="0">
+                <a:solidFill>
+                  <a:srgbClr val="A31515"/>
+                </a:solidFill>
+                <a:latin typeface="돋움체" panose="020B0609000101010101" pitchFamily="49" charset="-127"/>
+                <a:ea typeface="돋움체" panose="020B0609000101010101" pitchFamily="49" charset="-127"/>
+              </a:rPr>
+              <a:t>대양주에 위치한 대륙 국가</a:t>
+            </a:r>
+            <a:r>
+              <a:rPr lang="en-US" altLang="ko-KR" sz="1000" dirty="0">
+                <a:solidFill>
+                  <a:srgbClr val="A31515"/>
+                </a:solidFill>
+                <a:latin typeface="돋움체" panose="020B0609000101010101" pitchFamily="49" charset="-127"/>
+                <a:ea typeface="돋움체" panose="020B0609000101010101" pitchFamily="49" charset="-127"/>
+              </a:rPr>
+              <a:t>"</a:t>
+            </a:r>
+            <a:r>
+              <a:rPr lang="en-US" altLang="ko-KR" sz="1000" dirty="0">
+                <a:solidFill>
+                  <a:srgbClr val="000000"/>
+                </a:solidFill>
+                <a:latin typeface="돋움체" panose="020B0609000101010101" pitchFamily="49" charset="-127"/>
+                <a:ea typeface="돋움체" panose="020B0609000101010101" pitchFamily="49" charset="-127"/>
+              </a:rPr>
+              <a:t>),</a:t>
+            </a:r>
+          </a:p>
+          <a:p>
+            <a:r>
+              <a:rPr lang="en-US" altLang="ko-KR" sz="1000" dirty="0">
+                <a:solidFill>
+                  <a:srgbClr val="000000"/>
+                </a:solidFill>
+                <a:latin typeface="돋움체" panose="020B0609000101010101" pitchFamily="49" charset="-127"/>
+                <a:ea typeface="돋움체" panose="020B0609000101010101" pitchFamily="49" charset="-127"/>
+              </a:rPr>
+              <a:t>];</a:t>
+            </a:r>
+          </a:p>
+          <a:p>
+            <a:endParaRPr lang="ko-KR" altLang="en-US" sz="1000" dirty="0">
+              <a:solidFill>
+                <a:srgbClr val="000000"/>
+              </a:solidFill>
+              <a:latin typeface="돋움체" panose="020B0609000101010101" pitchFamily="49" charset="-127"/>
+              <a:ea typeface="돋움체" panose="020B0609000101010101" pitchFamily="49" charset="-127"/>
+            </a:endParaRPr>
+          </a:p>
+          <a:p>
+            <a:r>
+              <a:rPr lang="en-US" altLang="ko-KR" sz="1000" dirty="0">
+                <a:solidFill>
+                  <a:srgbClr val="0000FF"/>
+                </a:solidFill>
+                <a:latin typeface="돋움체" panose="020B0609000101010101" pitchFamily="49" charset="-127"/>
+                <a:ea typeface="돋움체" panose="020B0609000101010101" pitchFamily="49" charset="-127"/>
+              </a:rPr>
+              <a:t>const</a:t>
+            </a:r>
+            <a:r>
+              <a:rPr lang="en-US" altLang="ko-KR" sz="1000" dirty="0">
+                <a:solidFill>
+                  <a:srgbClr val="000000"/>
+                </a:solidFill>
+                <a:latin typeface="돋움체" panose="020B0609000101010101" pitchFamily="49" charset="-127"/>
+                <a:ea typeface="돋움체" panose="020B0609000101010101" pitchFamily="49" charset="-127"/>
+              </a:rPr>
+              <a:t> </a:t>
+            </a:r>
+            <a:r>
+              <a:rPr lang="en-US" altLang="ko-KR" sz="1000" dirty="0" err="1">
+                <a:solidFill>
+                  <a:srgbClr val="000000"/>
+                </a:solidFill>
+                <a:latin typeface="돋움체" panose="020B0609000101010101" pitchFamily="49" charset="-127"/>
+                <a:ea typeface="돋움체" panose="020B0609000101010101" pitchFamily="49" charset="-127"/>
+              </a:rPr>
+              <a:t>numCountries</a:t>
+            </a:r>
+            <a:r>
+              <a:rPr lang="en-US" altLang="ko-KR" sz="1000" dirty="0">
+                <a:solidFill>
+                  <a:srgbClr val="000000"/>
+                </a:solidFill>
+                <a:latin typeface="돋움체" panose="020B0609000101010101" pitchFamily="49" charset="-127"/>
+                <a:ea typeface="돋움체" panose="020B0609000101010101" pitchFamily="49" charset="-127"/>
+              </a:rPr>
+              <a:t> = </a:t>
+            </a:r>
+            <a:r>
+              <a:rPr lang="en-US" altLang="ko-KR" sz="1000" dirty="0" err="1">
+                <a:solidFill>
+                  <a:srgbClr val="000000"/>
+                </a:solidFill>
+                <a:latin typeface="돋움체" panose="020B0609000101010101" pitchFamily="49" charset="-127"/>
+                <a:ea typeface="돋움체" panose="020B0609000101010101" pitchFamily="49" charset="-127"/>
+              </a:rPr>
+              <a:t>countries.length</a:t>
+            </a:r>
+            <a:r>
+              <a:rPr lang="en-US" altLang="ko-KR" sz="1000" dirty="0">
+                <a:solidFill>
+                  <a:srgbClr val="000000"/>
+                </a:solidFill>
+                <a:latin typeface="돋움체" panose="020B0609000101010101" pitchFamily="49" charset="-127"/>
+                <a:ea typeface="돋움체" panose="020B0609000101010101" pitchFamily="49" charset="-127"/>
+              </a:rPr>
+              <a:t>;</a:t>
+            </a:r>
+          </a:p>
+          <a:p>
+            <a:endParaRPr lang="ko-KR" altLang="en-US" sz="1000" dirty="0">
+              <a:solidFill>
+                <a:srgbClr val="000000"/>
+              </a:solidFill>
+              <a:latin typeface="돋움체" panose="020B0609000101010101" pitchFamily="49" charset="-127"/>
+              <a:ea typeface="돋움체" panose="020B0609000101010101" pitchFamily="49" charset="-127"/>
+            </a:endParaRPr>
+          </a:p>
+          <a:p>
+            <a:r>
+              <a:rPr lang="en-US" altLang="ko-KR" sz="1000" dirty="0">
+                <a:solidFill>
+                  <a:srgbClr val="0000FF"/>
+                </a:solidFill>
+                <a:latin typeface="돋움체" panose="020B0609000101010101" pitchFamily="49" charset="-127"/>
+                <a:ea typeface="돋움체" panose="020B0609000101010101" pitchFamily="49" charset="-127"/>
+              </a:rPr>
+              <a:t>const</a:t>
+            </a:r>
+            <a:r>
+              <a:rPr lang="en-US" altLang="ko-KR" sz="1000" dirty="0">
+                <a:solidFill>
+                  <a:srgbClr val="000000"/>
+                </a:solidFill>
+                <a:latin typeface="돋움체" panose="020B0609000101010101" pitchFamily="49" charset="-127"/>
+                <a:ea typeface="돋움체" panose="020B0609000101010101" pitchFamily="49" charset="-127"/>
+              </a:rPr>
+              <a:t> </a:t>
+            </a:r>
+            <a:r>
+              <a:rPr lang="en-US" altLang="ko-KR" sz="1000" dirty="0" err="1">
+                <a:solidFill>
+                  <a:srgbClr val="000000"/>
+                </a:solidFill>
+                <a:latin typeface="돋움체" panose="020B0609000101010101" pitchFamily="49" charset="-127"/>
+                <a:ea typeface="돋움체" panose="020B0609000101010101" pitchFamily="49" charset="-127"/>
+              </a:rPr>
+              <a:t>playRound</a:t>
+            </a:r>
+            <a:r>
+              <a:rPr lang="en-US" altLang="ko-KR" sz="1000" dirty="0">
+                <a:solidFill>
+                  <a:srgbClr val="000000"/>
+                </a:solidFill>
+                <a:latin typeface="돋움체" panose="020B0609000101010101" pitchFamily="49" charset="-127"/>
+                <a:ea typeface="돋움체" panose="020B0609000101010101" pitchFamily="49" charset="-127"/>
+              </a:rPr>
+              <a:t> = (</a:t>
+            </a:r>
+            <a:r>
+              <a:rPr lang="en-US" altLang="ko-KR" sz="1000" dirty="0" err="1">
+                <a:solidFill>
+                  <a:srgbClr val="000000"/>
+                </a:solidFill>
+                <a:latin typeface="돋움체" panose="020B0609000101010101" pitchFamily="49" charset="-127"/>
+                <a:ea typeface="돋움체" panose="020B0609000101010101" pitchFamily="49" charset="-127"/>
+              </a:rPr>
+              <a:t>i</a:t>
+            </a:r>
+            <a:r>
+              <a:rPr lang="en-US" altLang="ko-KR" sz="1000" dirty="0">
+                <a:solidFill>
+                  <a:srgbClr val="000000"/>
+                </a:solidFill>
+                <a:latin typeface="돋움체" panose="020B0609000101010101" pitchFamily="49" charset="-127"/>
+                <a:ea typeface="돋움체" panose="020B0609000101010101" pitchFamily="49" charset="-127"/>
+              </a:rPr>
+              <a:t>) = &gt; {</a:t>
+            </a:r>
+          </a:p>
+          <a:p>
+            <a:r>
+              <a:rPr lang="en-US" altLang="ko-KR" sz="1000" dirty="0">
+                <a:solidFill>
+                  <a:srgbClr val="000000"/>
+                </a:solidFill>
+                <a:latin typeface="돋움체" panose="020B0609000101010101" pitchFamily="49" charset="-127"/>
+                <a:ea typeface="돋움체" panose="020B0609000101010101" pitchFamily="49" charset="-127"/>
+              </a:rPr>
+              <a:t>    console.log(</a:t>
+            </a:r>
+            <a:r>
+              <a:rPr lang="en-US" altLang="ko-KR" sz="1000" dirty="0">
+                <a:solidFill>
+                  <a:srgbClr val="A31515"/>
+                </a:solidFill>
+                <a:latin typeface="돋움체" panose="020B0609000101010101" pitchFamily="49" charset="-127"/>
+                <a:ea typeface="돋움체" panose="020B0609000101010101" pitchFamily="49" charset="-127"/>
+              </a:rPr>
+              <a:t>"</a:t>
+            </a:r>
+            <a:r>
+              <a:rPr lang="ko-KR" altLang="en-US" sz="1000" dirty="0">
+                <a:solidFill>
+                  <a:srgbClr val="A31515"/>
+                </a:solidFill>
+                <a:latin typeface="돋움체" panose="020B0609000101010101" pitchFamily="49" charset="-127"/>
+                <a:ea typeface="돋움체" panose="020B0609000101010101" pitchFamily="49" charset="-127"/>
+              </a:rPr>
+              <a:t>현재 수도의 나라는 무엇일까요</a:t>
+            </a:r>
+            <a:r>
+              <a:rPr lang="en-US" altLang="ko-KR" sz="1000" dirty="0">
+                <a:solidFill>
+                  <a:srgbClr val="A31515"/>
+                </a:solidFill>
+                <a:latin typeface="돋움체" panose="020B0609000101010101" pitchFamily="49" charset="-127"/>
+                <a:ea typeface="돋움체" panose="020B0609000101010101" pitchFamily="49" charset="-127"/>
+              </a:rPr>
+              <a:t>? "</a:t>
+            </a:r>
+            <a:r>
+              <a:rPr lang="ko-KR" altLang="en-US" sz="1000" dirty="0">
+                <a:solidFill>
+                  <a:srgbClr val="000000"/>
+                </a:solidFill>
+                <a:latin typeface="돋움체" panose="020B0609000101010101" pitchFamily="49" charset="-127"/>
+                <a:ea typeface="돋움체" panose="020B0609000101010101" pitchFamily="49" charset="-127"/>
+              </a:rPr>
+              <a:t> </a:t>
+            </a:r>
+            <a:r>
+              <a:rPr lang="en-US" altLang="ko-KR" sz="1000" dirty="0">
+                <a:solidFill>
+                  <a:srgbClr val="000000"/>
+                </a:solidFill>
+                <a:latin typeface="돋움체" panose="020B0609000101010101" pitchFamily="49" charset="-127"/>
+                <a:ea typeface="돋움체" panose="020B0609000101010101" pitchFamily="49" charset="-127"/>
+              </a:rPr>
+              <a:t>+ countries[</a:t>
+            </a:r>
+            <a:r>
+              <a:rPr lang="en-US" altLang="ko-KR" sz="1000" dirty="0" err="1">
+                <a:solidFill>
+                  <a:srgbClr val="000000"/>
+                </a:solidFill>
+                <a:latin typeface="돋움체" panose="020B0609000101010101" pitchFamily="49" charset="-127"/>
+                <a:ea typeface="돋움체" panose="020B0609000101010101" pitchFamily="49" charset="-127"/>
+              </a:rPr>
+              <a:t>i</a:t>
+            </a:r>
+            <a:r>
+              <a:rPr lang="en-US" altLang="ko-KR" sz="1000" dirty="0">
+                <a:solidFill>
+                  <a:srgbClr val="000000"/>
+                </a:solidFill>
+                <a:latin typeface="돋움체" panose="020B0609000101010101" pitchFamily="49" charset="-127"/>
+                <a:ea typeface="돋움체" panose="020B0609000101010101" pitchFamily="49" charset="-127"/>
+              </a:rPr>
+              <a:t>].capital);</a:t>
+            </a:r>
+          </a:p>
+          <a:p>
+            <a:r>
+              <a:rPr lang="ko-KR" altLang="en-US" sz="1000" dirty="0">
+                <a:solidFill>
+                  <a:srgbClr val="000000"/>
+                </a:solidFill>
+                <a:latin typeface="돋움체" panose="020B0609000101010101" pitchFamily="49" charset="-127"/>
+                <a:ea typeface="돋움체" panose="020B0609000101010101" pitchFamily="49" charset="-127"/>
+              </a:rPr>
+              <a:t>    </a:t>
+            </a:r>
+            <a:r>
+              <a:rPr lang="en-US" altLang="ko-KR" sz="1000" dirty="0">
+                <a:solidFill>
+                  <a:srgbClr val="0000FF"/>
+                </a:solidFill>
+                <a:latin typeface="돋움체" panose="020B0609000101010101" pitchFamily="49" charset="-127"/>
+                <a:ea typeface="돋움체" panose="020B0609000101010101" pitchFamily="49" charset="-127"/>
+              </a:rPr>
+              <a:t>const</a:t>
+            </a:r>
+            <a:r>
+              <a:rPr lang="ko-KR" altLang="en-US" sz="1000" dirty="0">
+                <a:solidFill>
+                  <a:srgbClr val="000000"/>
+                </a:solidFill>
+                <a:latin typeface="돋움체" panose="020B0609000101010101" pitchFamily="49" charset="-127"/>
+                <a:ea typeface="돋움체" panose="020B0609000101010101" pitchFamily="49" charset="-127"/>
+              </a:rPr>
+              <a:t> </a:t>
+            </a:r>
+            <a:r>
+              <a:rPr lang="en-US" altLang="ko-KR" sz="1000" dirty="0">
+                <a:solidFill>
+                  <a:srgbClr val="000000"/>
+                </a:solidFill>
+                <a:latin typeface="돋움체" panose="020B0609000101010101" pitchFamily="49" charset="-127"/>
+                <a:ea typeface="돋움체" panose="020B0609000101010101" pitchFamily="49" charset="-127"/>
+              </a:rPr>
+              <a:t>guess = prompt(</a:t>
+            </a:r>
+            <a:r>
+              <a:rPr lang="en-US" altLang="ko-KR" sz="1000" dirty="0">
+                <a:solidFill>
+                  <a:srgbClr val="A31515"/>
+                </a:solidFill>
+                <a:latin typeface="돋움체" panose="020B0609000101010101" pitchFamily="49" charset="-127"/>
+                <a:ea typeface="돋움체" panose="020B0609000101010101" pitchFamily="49" charset="-127"/>
+              </a:rPr>
+              <a:t>"</a:t>
+            </a:r>
+            <a:r>
+              <a:rPr lang="ko-KR" altLang="en-US" sz="1000" dirty="0">
+                <a:solidFill>
+                  <a:srgbClr val="A31515"/>
+                </a:solidFill>
+                <a:latin typeface="돋움체" panose="020B0609000101010101" pitchFamily="49" charset="-127"/>
+                <a:ea typeface="돋움체" panose="020B0609000101010101" pitchFamily="49" charset="-127"/>
+              </a:rPr>
+              <a:t>답을 입력하세요 </a:t>
+            </a:r>
+            <a:r>
+              <a:rPr lang="en-US" altLang="ko-KR" sz="1000" dirty="0">
+                <a:solidFill>
+                  <a:srgbClr val="A31515"/>
+                </a:solidFill>
+                <a:latin typeface="돋움체" panose="020B0609000101010101" pitchFamily="49" charset="-127"/>
+                <a:ea typeface="돋움체" panose="020B0609000101010101" pitchFamily="49" charset="-127"/>
+              </a:rPr>
+              <a:t>('go'</a:t>
+            </a:r>
+            <a:r>
+              <a:rPr lang="ko-KR" altLang="en-US" sz="1000" dirty="0">
+                <a:solidFill>
+                  <a:srgbClr val="A31515"/>
+                </a:solidFill>
+                <a:latin typeface="돋움체" panose="020B0609000101010101" pitchFamily="49" charset="-127"/>
+                <a:ea typeface="돋움체" panose="020B0609000101010101" pitchFamily="49" charset="-127"/>
+              </a:rPr>
+              <a:t>로 넘어가기</a:t>
+            </a:r>
+            <a:r>
+              <a:rPr lang="en-US" altLang="ko-KR" sz="1000" dirty="0">
+                <a:solidFill>
+                  <a:srgbClr val="A31515"/>
+                </a:solidFill>
+                <a:latin typeface="돋움체" panose="020B0609000101010101" pitchFamily="49" charset="-127"/>
+                <a:ea typeface="돋움체" panose="020B0609000101010101" pitchFamily="49" charset="-127"/>
+              </a:rPr>
+              <a:t>, 'stop'</a:t>
+            </a:r>
+            <a:r>
+              <a:rPr lang="ko-KR" altLang="en-US" sz="1000" dirty="0">
+                <a:solidFill>
+                  <a:srgbClr val="A31515"/>
+                </a:solidFill>
+                <a:latin typeface="돋움체" panose="020B0609000101010101" pitchFamily="49" charset="-127"/>
+                <a:ea typeface="돋움체" panose="020B0609000101010101" pitchFamily="49" charset="-127"/>
+              </a:rPr>
+              <a:t>으로 중단하기</a:t>
+            </a:r>
+            <a:r>
+              <a:rPr lang="en-US" altLang="ko-KR" sz="1000" dirty="0">
+                <a:solidFill>
+                  <a:srgbClr val="A31515"/>
+                </a:solidFill>
+                <a:latin typeface="돋움체" panose="020B0609000101010101" pitchFamily="49" charset="-127"/>
+                <a:ea typeface="돋움체" panose="020B0609000101010101" pitchFamily="49" charset="-127"/>
+              </a:rPr>
+              <a:t>, 'hint'</a:t>
+            </a:r>
+            <a:r>
+              <a:rPr lang="ko-KR" altLang="en-US" sz="1000" dirty="0">
+                <a:solidFill>
+                  <a:srgbClr val="A31515"/>
+                </a:solidFill>
+                <a:latin typeface="돋움체" panose="020B0609000101010101" pitchFamily="49" charset="-127"/>
+                <a:ea typeface="돋움체" panose="020B0609000101010101" pitchFamily="49" charset="-127"/>
+              </a:rPr>
+              <a:t>로 힌트 보기</a:t>
+            </a:r>
+            <a:r>
+              <a:rPr lang="en-US" altLang="ko-KR" sz="1000" dirty="0">
+                <a:solidFill>
+                  <a:srgbClr val="A31515"/>
+                </a:solidFill>
+                <a:latin typeface="돋움체" panose="020B0609000101010101" pitchFamily="49" charset="-127"/>
+                <a:ea typeface="돋움체" panose="020B0609000101010101" pitchFamily="49" charset="-127"/>
+              </a:rPr>
+              <a:t>):"</a:t>
+            </a:r>
+            <a:r>
+              <a:rPr lang="en-US" altLang="ko-KR" sz="1000" dirty="0">
+                <a:solidFill>
+                  <a:srgbClr val="000000"/>
+                </a:solidFill>
+                <a:latin typeface="돋움체" panose="020B0609000101010101" pitchFamily="49" charset="-127"/>
+                <a:ea typeface="돋움체" panose="020B0609000101010101" pitchFamily="49" charset="-127"/>
+              </a:rPr>
+              <a:t>);</a:t>
+            </a:r>
+          </a:p>
+          <a:p>
+            <a:endParaRPr lang="ko-KR" altLang="en-US" sz="1000" dirty="0">
+              <a:solidFill>
+                <a:srgbClr val="000000"/>
+              </a:solidFill>
+              <a:latin typeface="돋움체" panose="020B0609000101010101" pitchFamily="49" charset="-127"/>
+              <a:ea typeface="돋움체" panose="020B0609000101010101" pitchFamily="49" charset="-127"/>
+            </a:endParaRPr>
+          </a:p>
+          <a:p>
+            <a:r>
+              <a:rPr lang="en-US" altLang="ko-KR" sz="1000" dirty="0">
+                <a:solidFill>
+                  <a:srgbClr val="000000"/>
+                </a:solidFill>
+                <a:latin typeface="돋움체" panose="020B0609000101010101" pitchFamily="49" charset="-127"/>
+                <a:ea typeface="돋움체" panose="020B0609000101010101" pitchFamily="49" charset="-127"/>
+              </a:rPr>
+              <a:t>    </a:t>
+            </a:r>
+            <a:r>
+              <a:rPr lang="en-US" altLang="ko-KR" sz="1000" dirty="0">
+                <a:solidFill>
+                  <a:srgbClr val="0000FF"/>
+                </a:solidFill>
+                <a:latin typeface="돋움체" panose="020B0609000101010101" pitchFamily="49" charset="-127"/>
+                <a:ea typeface="돋움체" panose="020B0609000101010101" pitchFamily="49" charset="-127"/>
+              </a:rPr>
+              <a:t>if</a:t>
+            </a:r>
+            <a:r>
+              <a:rPr lang="en-US" altLang="ko-KR" sz="1000" dirty="0">
+                <a:solidFill>
+                  <a:srgbClr val="000000"/>
+                </a:solidFill>
+                <a:latin typeface="돋움체" panose="020B0609000101010101" pitchFamily="49" charset="-127"/>
+                <a:ea typeface="돋움체" panose="020B0609000101010101" pitchFamily="49" charset="-127"/>
+              </a:rPr>
+              <a:t> (guess == = countries[</a:t>
+            </a:r>
+            <a:r>
+              <a:rPr lang="en-US" altLang="ko-KR" sz="1000" dirty="0" err="1">
+                <a:solidFill>
+                  <a:srgbClr val="000000"/>
+                </a:solidFill>
+                <a:latin typeface="돋움체" panose="020B0609000101010101" pitchFamily="49" charset="-127"/>
+                <a:ea typeface="돋움체" panose="020B0609000101010101" pitchFamily="49" charset="-127"/>
+              </a:rPr>
+              <a:t>i</a:t>
+            </a:r>
+            <a:r>
+              <a:rPr lang="en-US" altLang="ko-KR" sz="1000" dirty="0">
+                <a:solidFill>
+                  <a:srgbClr val="000000"/>
+                </a:solidFill>
+                <a:latin typeface="돋움체" panose="020B0609000101010101" pitchFamily="49" charset="-127"/>
+                <a:ea typeface="돋움체" panose="020B0609000101010101" pitchFamily="49" charset="-127"/>
+              </a:rPr>
+              <a:t>].name) </a:t>
+            </a:r>
+          </a:p>
+          <a:p>
+            <a:r>
+              <a:rPr lang="ko-KR" altLang="en-US" sz="1000" dirty="0">
+                <a:solidFill>
+                  <a:srgbClr val="000000"/>
+                </a:solidFill>
+                <a:latin typeface="돋움체" panose="020B0609000101010101" pitchFamily="49" charset="-127"/>
+                <a:ea typeface="돋움체" panose="020B0609000101010101" pitchFamily="49" charset="-127"/>
+              </a:rPr>
+              <a:t>    </a:t>
+            </a:r>
+            <a:r>
+              <a:rPr lang="en-US" altLang="ko-KR" sz="1000" dirty="0">
+                <a:solidFill>
+                  <a:srgbClr val="000000"/>
+                </a:solidFill>
+                <a:latin typeface="돋움체" panose="020B0609000101010101" pitchFamily="49" charset="-127"/>
+                <a:ea typeface="돋움체" panose="020B0609000101010101" pitchFamily="49" charset="-127"/>
+              </a:rPr>
+              <a:t>{</a:t>
+            </a:r>
+          </a:p>
+          <a:p>
+            <a:r>
+              <a:rPr lang="en-US" altLang="ko-KR" sz="1000" dirty="0">
+                <a:solidFill>
+                  <a:srgbClr val="000000"/>
+                </a:solidFill>
+                <a:latin typeface="돋움체" panose="020B0609000101010101" pitchFamily="49" charset="-127"/>
+                <a:ea typeface="돋움체" panose="020B0609000101010101" pitchFamily="49" charset="-127"/>
+              </a:rPr>
+              <a:t>        console.log(</a:t>
+            </a:r>
+            <a:r>
+              <a:rPr lang="en-US" altLang="ko-KR" sz="1000" dirty="0">
+                <a:solidFill>
+                  <a:srgbClr val="A31515"/>
+                </a:solidFill>
+                <a:latin typeface="돋움체" panose="020B0609000101010101" pitchFamily="49" charset="-127"/>
+                <a:ea typeface="돋움체" panose="020B0609000101010101" pitchFamily="49" charset="-127"/>
+              </a:rPr>
+              <a:t>"</a:t>
+            </a:r>
+            <a:r>
+              <a:rPr lang="ko-KR" altLang="en-US" sz="1000" dirty="0">
+                <a:solidFill>
+                  <a:srgbClr val="A31515"/>
+                </a:solidFill>
+                <a:latin typeface="돋움체" panose="020B0609000101010101" pitchFamily="49" charset="-127"/>
+                <a:ea typeface="돋움체" panose="020B0609000101010101" pitchFamily="49" charset="-127"/>
+              </a:rPr>
+              <a:t>정답입니다</a:t>
+            </a:r>
+            <a:r>
+              <a:rPr lang="en-US" altLang="ko-KR" sz="1000" dirty="0">
+                <a:solidFill>
+                  <a:srgbClr val="A31515"/>
+                </a:solidFill>
+                <a:latin typeface="돋움체" panose="020B0609000101010101" pitchFamily="49" charset="-127"/>
+                <a:ea typeface="돋움체" panose="020B0609000101010101" pitchFamily="49" charset="-127"/>
+              </a:rPr>
+              <a:t>!"</a:t>
+            </a:r>
+            <a:r>
+              <a:rPr lang="en-US" altLang="ko-KR" sz="1000" dirty="0">
+                <a:solidFill>
+                  <a:srgbClr val="000000"/>
+                </a:solidFill>
+                <a:latin typeface="돋움체" panose="020B0609000101010101" pitchFamily="49" charset="-127"/>
+                <a:ea typeface="돋움체" panose="020B0609000101010101" pitchFamily="49" charset="-127"/>
+              </a:rPr>
+              <a:t>);</a:t>
+            </a:r>
+          </a:p>
+          <a:p>
+            <a:r>
+              <a:rPr lang="en-US" altLang="ko-KR" sz="1000" dirty="0">
+                <a:solidFill>
+                  <a:srgbClr val="000000"/>
+                </a:solidFill>
+                <a:latin typeface="돋움체" panose="020B0609000101010101" pitchFamily="49" charset="-127"/>
+                <a:ea typeface="돋움체" panose="020B0609000101010101" pitchFamily="49" charset="-127"/>
+              </a:rPr>
+              <a:t>        </a:t>
+            </a:r>
+            <a:r>
+              <a:rPr lang="en-US" altLang="ko-KR" sz="1000" dirty="0">
+                <a:solidFill>
+                  <a:srgbClr val="0000FF"/>
+                </a:solidFill>
+                <a:latin typeface="돋움체" panose="020B0609000101010101" pitchFamily="49" charset="-127"/>
+                <a:ea typeface="돋움체" panose="020B0609000101010101" pitchFamily="49" charset="-127"/>
+              </a:rPr>
+              <a:t>return</a:t>
+            </a:r>
+            <a:r>
+              <a:rPr lang="en-US" altLang="ko-KR" sz="1000" dirty="0">
+                <a:solidFill>
+                  <a:srgbClr val="000000"/>
+                </a:solidFill>
+                <a:latin typeface="돋움체" panose="020B0609000101010101" pitchFamily="49" charset="-127"/>
+                <a:ea typeface="돋움체" panose="020B0609000101010101" pitchFamily="49" charset="-127"/>
+              </a:rPr>
+              <a:t> 1;//</a:t>
+            </a:r>
+            <a:r>
+              <a:rPr lang="ko-KR" altLang="en-US" sz="1000" dirty="0">
+                <a:solidFill>
+                  <a:srgbClr val="000000"/>
+                </a:solidFill>
+                <a:latin typeface="돋움체" panose="020B0609000101010101" pitchFamily="49" charset="-127"/>
+                <a:ea typeface="돋움체" panose="020B0609000101010101" pitchFamily="49" charset="-127"/>
+              </a:rPr>
+              <a:t>정답이면 </a:t>
+            </a:r>
+            <a:r>
+              <a:rPr lang="en-US" altLang="ko-KR" sz="1000">
+                <a:solidFill>
+                  <a:srgbClr val="000000"/>
+                </a:solidFill>
+                <a:latin typeface="돋움체" panose="020B0609000101010101" pitchFamily="49" charset="-127"/>
+                <a:ea typeface="돋움체" panose="020B0609000101010101" pitchFamily="49" charset="-127"/>
+              </a:rPr>
+              <a:t>1</a:t>
+            </a:r>
+            <a:endParaRPr lang="en-US" altLang="ko-KR" sz="1000" dirty="0">
+              <a:solidFill>
+                <a:srgbClr val="000000"/>
+              </a:solidFill>
+              <a:latin typeface="돋움체" panose="020B0609000101010101" pitchFamily="49" charset="-127"/>
+              <a:ea typeface="돋움체" panose="020B0609000101010101" pitchFamily="49" charset="-127"/>
+            </a:endParaRPr>
+          </a:p>
+          <a:p>
+            <a:r>
+              <a:rPr lang="ko-KR" altLang="en-US" sz="1000" dirty="0">
+                <a:solidFill>
+                  <a:srgbClr val="000000"/>
+                </a:solidFill>
+                <a:latin typeface="돋움체" panose="020B0609000101010101" pitchFamily="49" charset="-127"/>
+                <a:ea typeface="돋움체" panose="020B0609000101010101" pitchFamily="49" charset="-127"/>
+              </a:rPr>
+              <a:t>    </a:t>
+            </a:r>
+            <a:r>
+              <a:rPr lang="en-US" altLang="ko-KR" sz="1000" dirty="0">
+                <a:solidFill>
+                  <a:srgbClr val="000000"/>
+                </a:solidFill>
+                <a:latin typeface="돋움체" panose="020B0609000101010101" pitchFamily="49" charset="-127"/>
+                <a:ea typeface="돋움체" panose="020B0609000101010101" pitchFamily="49" charset="-127"/>
+              </a:rPr>
+              <a:t>}</a:t>
+            </a:r>
+          </a:p>
+          <a:p>
+            <a:r>
+              <a:rPr lang="en-US" altLang="ko-KR" sz="1000" dirty="0">
+                <a:solidFill>
+                  <a:srgbClr val="000000"/>
+                </a:solidFill>
+                <a:latin typeface="돋움체" panose="020B0609000101010101" pitchFamily="49" charset="-127"/>
+                <a:ea typeface="돋움체" panose="020B0609000101010101" pitchFamily="49" charset="-127"/>
+              </a:rPr>
+              <a:t>    </a:t>
+            </a:r>
+            <a:r>
+              <a:rPr lang="en-US" altLang="ko-KR" sz="1000" dirty="0">
+                <a:solidFill>
+                  <a:srgbClr val="0000FF"/>
+                </a:solidFill>
+                <a:latin typeface="돋움체" panose="020B0609000101010101" pitchFamily="49" charset="-127"/>
+                <a:ea typeface="돋움체" panose="020B0609000101010101" pitchFamily="49" charset="-127"/>
+              </a:rPr>
+              <a:t>else</a:t>
+            </a:r>
+            <a:r>
+              <a:rPr lang="en-US" altLang="ko-KR" sz="1000" dirty="0">
+                <a:solidFill>
+                  <a:srgbClr val="000000"/>
+                </a:solidFill>
+                <a:latin typeface="돋움체" panose="020B0609000101010101" pitchFamily="49" charset="-127"/>
+                <a:ea typeface="돋움체" panose="020B0609000101010101" pitchFamily="49" charset="-127"/>
+              </a:rPr>
+              <a:t> </a:t>
+            </a:r>
+            <a:r>
+              <a:rPr lang="en-US" altLang="ko-KR" sz="1000" dirty="0">
+                <a:solidFill>
+                  <a:srgbClr val="0000FF"/>
+                </a:solidFill>
+                <a:latin typeface="돋움체" panose="020B0609000101010101" pitchFamily="49" charset="-127"/>
+                <a:ea typeface="돋움체" panose="020B0609000101010101" pitchFamily="49" charset="-127"/>
+              </a:rPr>
+              <a:t>if</a:t>
+            </a:r>
+            <a:r>
+              <a:rPr lang="en-US" altLang="ko-KR" sz="1000" dirty="0">
+                <a:solidFill>
+                  <a:srgbClr val="000000"/>
+                </a:solidFill>
+                <a:latin typeface="돋움체" panose="020B0609000101010101" pitchFamily="49" charset="-127"/>
+                <a:ea typeface="돋움체" panose="020B0609000101010101" pitchFamily="49" charset="-127"/>
+              </a:rPr>
+              <a:t> (guess == = </a:t>
+            </a:r>
+            <a:r>
+              <a:rPr lang="en-US" altLang="ko-KR" sz="1000" dirty="0">
+                <a:solidFill>
+                  <a:srgbClr val="A31515"/>
+                </a:solidFill>
+                <a:latin typeface="돋움체" panose="020B0609000101010101" pitchFamily="49" charset="-127"/>
+                <a:ea typeface="돋움체" panose="020B0609000101010101" pitchFamily="49" charset="-127"/>
+              </a:rPr>
+              <a:t>"go"</a:t>
+            </a:r>
+            <a:r>
+              <a:rPr lang="en-US" altLang="ko-KR" sz="1000" dirty="0">
+                <a:solidFill>
+                  <a:srgbClr val="000000"/>
+                </a:solidFill>
+                <a:latin typeface="돋움체" panose="020B0609000101010101" pitchFamily="49" charset="-127"/>
+                <a:ea typeface="돋움체" panose="020B0609000101010101" pitchFamily="49" charset="-127"/>
+              </a:rPr>
+              <a:t>) </a:t>
+            </a:r>
+          </a:p>
+          <a:p>
+            <a:r>
+              <a:rPr lang="ko-KR" altLang="en-US" sz="1000" dirty="0">
+                <a:solidFill>
+                  <a:srgbClr val="000000"/>
+                </a:solidFill>
+                <a:latin typeface="돋움체" panose="020B0609000101010101" pitchFamily="49" charset="-127"/>
+                <a:ea typeface="돋움체" panose="020B0609000101010101" pitchFamily="49" charset="-127"/>
+              </a:rPr>
+              <a:t>    </a:t>
+            </a:r>
+            <a:r>
+              <a:rPr lang="en-US" altLang="ko-KR" sz="1000" dirty="0">
+                <a:solidFill>
+                  <a:srgbClr val="000000"/>
+                </a:solidFill>
+                <a:latin typeface="돋움체" panose="020B0609000101010101" pitchFamily="49" charset="-127"/>
+                <a:ea typeface="돋움체" panose="020B0609000101010101" pitchFamily="49" charset="-127"/>
+              </a:rPr>
+              <a:t>{</a:t>
+            </a:r>
+          </a:p>
+          <a:p>
+            <a:r>
+              <a:rPr lang="en-US" altLang="ko-KR" sz="1000" dirty="0">
+                <a:solidFill>
+                  <a:srgbClr val="000000"/>
+                </a:solidFill>
+                <a:latin typeface="돋움체" panose="020B0609000101010101" pitchFamily="49" charset="-127"/>
+                <a:ea typeface="돋움체" panose="020B0609000101010101" pitchFamily="49" charset="-127"/>
+              </a:rPr>
+              <a:t>        </a:t>
+            </a:r>
+            <a:r>
+              <a:rPr lang="en-US" altLang="ko-KR" sz="1000" dirty="0">
+                <a:solidFill>
+                  <a:srgbClr val="0000FF"/>
+                </a:solidFill>
+                <a:latin typeface="돋움체" panose="020B0609000101010101" pitchFamily="49" charset="-127"/>
+                <a:ea typeface="돋움체" panose="020B0609000101010101" pitchFamily="49" charset="-127"/>
+              </a:rPr>
+              <a:t>return</a:t>
+            </a:r>
+            <a:r>
+              <a:rPr lang="en-US" altLang="ko-KR" sz="1000" dirty="0">
+                <a:solidFill>
+                  <a:srgbClr val="000000"/>
+                </a:solidFill>
+                <a:latin typeface="돋움체" panose="020B0609000101010101" pitchFamily="49" charset="-127"/>
+                <a:ea typeface="돋움체" panose="020B0609000101010101" pitchFamily="49" charset="-127"/>
+              </a:rPr>
+              <a:t> 0;//</a:t>
+            </a:r>
+            <a:r>
+              <a:rPr lang="ko-KR" altLang="en-US" sz="1000" dirty="0">
+                <a:solidFill>
+                  <a:srgbClr val="000000"/>
+                </a:solidFill>
+                <a:latin typeface="돋움체" panose="020B0609000101010101" pitchFamily="49" charset="-127"/>
+                <a:ea typeface="돋움체" panose="020B0609000101010101" pitchFamily="49" charset="-127"/>
+              </a:rPr>
+              <a:t>고면 </a:t>
+            </a:r>
+            <a:r>
+              <a:rPr lang="en-US" altLang="ko-KR" sz="1000" dirty="0">
+                <a:solidFill>
+                  <a:srgbClr val="000000"/>
+                </a:solidFill>
+                <a:latin typeface="돋움체" panose="020B0609000101010101" pitchFamily="49" charset="-127"/>
+                <a:ea typeface="돋움체" panose="020B0609000101010101" pitchFamily="49" charset="-127"/>
+              </a:rPr>
+              <a:t>0</a:t>
+            </a:r>
+          </a:p>
+          <a:p>
+            <a:r>
+              <a:rPr lang="ko-KR" altLang="en-US" sz="1000" dirty="0">
+                <a:solidFill>
+                  <a:srgbClr val="000000"/>
+                </a:solidFill>
+                <a:latin typeface="돋움체" panose="020B0609000101010101" pitchFamily="49" charset="-127"/>
+                <a:ea typeface="돋움체" panose="020B0609000101010101" pitchFamily="49" charset="-127"/>
+              </a:rPr>
+              <a:t>    </a:t>
+            </a:r>
+            <a:r>
+              <a:rPr lang="en-US" altLang="ko-KR" sz="1000" dirty="0">
+                <a:solidFill>
+                  <a:srgbClr val="000000"/>
+                </a:solidFill>
+                <a:latin typeface="돋움체" panose="020B0609000101010101" pitchFamily="49" charset="-127"/>
+                <a:ea typeface="돋움체" panose="020B0609000101010101" pitchFamily="49" charset="-127"/>
+              </a:rPr>
+              <a:t>}</a:t>
+            </a:r>
+          </a:p>
+          <a:p>
+            <a:r>
+              <a:rPr lang="en-US" altLang="ko-KR" sz="1000" dirty="0">
+                <a:solidFill>
+                  <a:srgbClr val="000000"/>
+                </a:solidFill>
+                <a:latin typeface="돋움체" panose="020B0609000101010101" pitchFamily="49" charset="-127"/>
+                <a:ea typeface="돋움체" panose="020B0609000101010101" pitchFamily="49" charset="-127"/>
+              </a:rPr>
+              <a:t>    </a:t>
+            </a:r>
+            <a:r>
+              <a:rPr lang="en-US" altLang="ko-KR" sz="1000" dirty="0">
+                <a:solidFill>
+                  <a:srgbClr val="0000FF"/>
+                </a:solidFill>
+                <a:latin typeface="돋움체" panose="020B0609000101010101" pitchFamily="49" charset="-127"/>
+                <a:ea typeface="돋움체" panose="020B0609000101010101" pitchFamily="49" charset="-127"/>
+              </a:rPr>
+              <a:t>else</a:t>
+            </a:r>
+            <a:r>
+              <a:rPr lang="en-US" altLang="ko-KR" sz="1000" dirty="0">
+                <a:solidFill>
+                  <a:srgbClr val="000000"/>
+                </a:solidFill>
+                <a:latin typeface="돋움체" panose="020B0609000101010101" pitchFamily="49" charset="-127"/>
+                <a:ea typeface="돋움체" panose="020B0609000101010101" pitchFamily="49" charset="-127"/>
+              </a:rPr>
+              <a:t> </a:t>
+            </a:r>
+            <a:r>
+              <a:rPr lang="en-US" altLang="ko-KR" sz="1000" dirty="0">
+                <a:solidFill>
+                  <a:srgbClr val="0000FF"/>
+                </a:solidFill>
+                <a:latin typeface="돋움체" panose="020B0609000101010101" pitchFamily="49" charset="-127"/>
+                <a:ea typeface="돋움체" panose="020B0609000101010101" pitchFamily="49" charset="-127"/>
+              </a:rPr>
+              <a:t>if</a:t>
+            </a:r>
+            <a:r>
+              <a:rPr lang="en-US" altLang="ko-KR" sz="1000" dirty="0">
+                <a:solidFill>
+                  <a:srgbClr val="000000"/>
+                </a:solidFill>
+                <a:latin typeface="돋움체" panose="020B0609000101010101" pitchFamily="49" charset="-127"/>
+                <a:ea typeface="돋움체" panose="020B0609000101010101" pitchFamily="49" charset="-127"/>
+              </a:rPr>
+              <a:t> (guess == = </a:t>
+            </a:r>
+            <a:r>
+              <a:rPr lang="en-US" altLang="ko-KR" sz="1000" dirty="0">
+                <a:solidFill>
+                  <a:srgbClr val="A31515"/>
+                </a:solidFill>
+                <a:latin typeface="돋움체" panose="020B0609000101010101" pitchFamily="49" charset="-127"/>
+                <a:ea typeface="돋움체" panose="020B0609000101010101" pitchFamily="49" charset="-127"/>
+              </a:rPr>
+              <a:t>"stop"</a:t>
+            </a:r>
+            <a:r>
+              <a:rPr lang="en-US" altLang="ko-KR" sz="1000" dirty="0">
+                <a:solidFill>
+                  <a:srgbClr val="000000"/>
+                </a:solidFill>
+                <a:latin typeface="돋움체" panose="020B0609000101010101" pitchFamily="49" charset="-127"/>
+                <a:ea typeface="돋움체" panose="020B0609000101010101" pitchFamily="49" charset="-127"/>
+              </a:rPr>
+              <a:t>) </a:t>
+            </a:r>
+          </a:p>
+          <a:p>
+            <a:r>
+              <a:rPr lang="ko-KR" altLang="en-US" sz="1000" dirty="0">
+                <a:solidFill>
+                  <a:srgbClr val="000000"/>
+                </a:solidFill>
+                <a:latin typeface="돋움체" panose="020B0609000101010101" pitchFamily="49" charset="-127"/>
+                <a:ea typeface="돋움체" panose="020B0609000101010101" pitchFamily="49" charset="-127"/>
+              </a:rPr>
+              <a:t>    </a:t>
+            </a:r>
+            <a:r>
+              <a:rPr lang="en-US" altLang="ko-KR" sz="1000" dirty="0">
+                <a:solidFill>
+                  <a:srgbClr val="000000"/>
+                </a:solidFill>
+                <a:latin typeface="돋움체" panose="020B0609000101010101" pitchFamily="49" charset="-127"/>
+                <a:ea typeface="돋움체" panose="020B0609000101010101" pitchFamily="49" charset="-127"/>
+              </a:rPr>
+              <a:t>{</a:t>
+            </a:r>
+          </a:p>
+          <a:p>
+            <a:r>
+              <a:rPr lang="en-US" altLang="ko-KR" sz="1000" dirty="0">
+                <a:solidFill>
+                  <a:srgbClr val="000000"/>
+                </a:solidFill>
+                <a:latin typeface="돋움체" panose="020B0609000101010101" pitchFamily="49" charset="-127"/>
+                <a:ea typeface="돋움체" panose="020B0609000101010101" pitchFamily="49" charset="-127"/>
+              </a:rPr>
+              <a:t>        </a:t>
+            </a:r>
+            <a:r>
+              <a:rPr lang="en-US" altLang="ko-KR" sz="1000" dirty="0">
+                <a:solidFill>
+                  <a:srgbClr val="0000FF"/>
+                </a:solidFill>
+                <a:latin typeface="돋움체" panose="020B0609000101010101" pitchFamily="49" charset="-127"/>
+                <a:ea typeface="돋움체" panose="020B0609000101010101" pitchFamily="49" charset="-127"/>
+              </a:rPr>
+              <a:t>return</a:t>
+            </a:r>
+            <a:r>
+              <a:rPr lang="en-US" altLang="ko-KR" sz="1000" dirty="0">
+                <a:solidFill>
+                  <a:srgbClr val="000000"/>
+                </a:solidFill>
+                <a:latin typeface="돋움체" panose="020B0609000101010101" pitchFamily="49" charset="-127"/>
+                <a:ea typeface="돋움체" panose="020B0609000101010101" pitchFamily="49" charset="-127"/>
+              </a:rPr>
+              <a:t> -1;//</a:t>
+            </a:r>
+            <a:r>
+              <a:rPr lang="ko-KR" altLang="en-US" sz="1000" dirty="0" err="1">
+                <a:solidFill>
+                  <a:srgbClr val="000000"/>
+                </a:solidFill>
+                <a:latin typeface="돋움체" panose="020B0609000101010101" pitchFamily="49" charset="-127"/>
+                <a:ea typeface="돋움체" panose="020B0609000101010101" pitchFamily="49" charset="-127"/>
+              </a:rPr>
+              <a:t>스탑이면</a:t>
+            </a:r>
+            <a:r>
+              <a:rPr lang="ko-KR" altLang="en-US" sz="1000" dirty="0">
+                <a:solidFill>
+                  <a:srgbClr val="000000"/>
+                </a:solidFill>
+                <a:latin typeface="돋움체" panose="020B0609000101010101" pitchFamily="49" charset="-127"/>
+                <a:ea typeface="돋움체" panose="020B0609000101010101" pitchFamily="49" charset="-127"/>
+              </a:rPr>
+              <a:t> </a:t>
+            </a:r>
+            <a:r>
+              <a:rPr lang="en-US" altLang="ko-KR" sz="1000" dirty="0">
+                <a:solidFill>
+                  <a:srgbClr val="000000"/>
+                </a:solidFill>
+                <a:latin typeface="돋움체" panose="020B0609000101010101" pitchFamily="49" charset="-127"/>
+                <a:ea typeface="돋움체" panose="020B0609000101010101" pitchFamily="49" charset="-127"/>
+              </a:rPr>
+              <a:t>-1</a:t>
+            </a:r>
+          </a:p>
+          <a:p>
+            <a:r>
+              <a:rPr lang="ko-KR" altLang="en-US" sz="1000" dirty="0">
+                <a:solidFill>
+                  <a:srgbClr val="000000"/>
+                </a:solidFill>
+                <a:latin typeface="돋움체" panose="020B0609000101010101" pitchFamily="49" charset="-127"/>
+                <a:ea typeface="돋움체" panose="020B0609000101010101" pitchFamily="49" charset="-127"/>
+              </a:rPr>
+              <a:t>    </a:t>
+            </a:r>
+            <a:r>
+              <a:rPr lang="en-US" altLang="ko-KR" sz="1000" dirty="0">
+                <a:solidFill>
+                  <a:srgbClr val="000000"/>
+                </a:solidFill>
+                <a:latin typeface="돋움체" panose="020B0609000101010101" pitchFamily="49" charset="-127"/>
+                <a:ea typeface="돋움체" panose="020B0609000101010101" pitchFamily="49" charset="-127"/>
+              </a:rPr>
+              <a:t>}</a:t>
+            </a:r>
+          </a:p>
+          <a:p>
+            <a:r>
+              <a:rPr lang="en-US" altLang="ko-KR" sz="1000" dirty="0">
+                <a:solidFill>
+                  <a:srgbClr val="000000"/>
+                </a:solidFill>
+                <a:latin typeface="돋움체" panose="020B0609000101010101" pitchFamily="49" charset="-127"/>
+                <a:ea typeface="돋움체" panose="020B0609000101010101" pitchFamily="49" charset="-127"/>
+              </a:rPr>
+              <a:t>    </a:t>
+            </a:r>
+            <a:r>
+              <a:rPr lang="en-US" altLang="ko-KR" sz="1000" dirty="0">
+                <a:solidFill>
+                  <a:srgbClr val="0000FF"/>
+                </a:solidFill>
+                <a:latin typeface="돋움체" panose="020B0609000101010101" pitchFamily="49" charset="-127"/>
+                <a:ea typeface="돋움체" panose="020B0609000101010101" pitchFamily="49" charset="-127"/>
+              </a:rPr>
+              <a:t>else</a:t>
+            </a:r>
+            <a:r>
+              <a:rPr lang="en-US" altLang="ko-KR" sz="1000" dirty="0">
+                <a:solidFill>
+                  <a:srgbClr val="000000"/>
+                </a:solidFill>
+                <a:latin typeface="돋움체" panose="020B0609000101010101" pitchFamily="49" charset="-127"/>
+                <a:ea typeface="돋움체" panose="020B0609000101010101" pitchFamily="49" charset="-127"/>
+              </a:rPr>
+              <a:t> </a:t>
+            </a:r>
+            <a:r>
+              <a:rPr lang="en-US" altLang="ko-KR" sz="1000" dirty="0">
+                <a:solidFill>
+                  <a:srgbClr val="0000FF"/>
+                </a:solidFill>
+                <a:latin typeface="돋움체" panose="020B0609000101010101" pitchFamily="49" charset="-127"/>
+                <a:ea typeface="돋움체" panose="020B0609000101010101" pitchFamily="49" charset="-127"/>
+              </a:rPr>
+              <a:t>if</a:t>
+            </a:r>
+            <a:r>
+              <a:rPr lang="en-US" altLang="ko-KR" sz="1000" dirty="0">
+                <a:solidFill>
+                  <a:srgbClr val="000000"/>
+                </a:solidFill>
+                <a:latin typeface="돋움체" panose="020B0609000101010101" pitchFamily="49" charset="-127"/>
+                <a:ea typeface="돋움체" panose="020B0609000101010101" pitchFamily="49" charset="-127"/>
+              </a:rPr>
+              <a:t> (guess == = </a:t>
+            </a:r>
+            <a:r>
+              <a:rPr lang="en-US" altLang="ko-KR" sz="1000" dirty="0">
+                <a:solidFill>
+                  <a:srgbClr val="A31515"/>
+                </a:solidFill>
+                <a:latin typeface="돋움체" panose="020B0609000101010101" pitchFamily="49" charset="-127"/>
+                <a:ea typeface="돋움체" panose="020B0609000101010101" pitchFamily="49" charset="-127"/>
+              </a:rPr>
+              <a:t>"hint"</a:t>
+            </a:r>
+            <a:r>
+              <a:rPr lang="en-US" altLang="ko-KR" sz="1000" dirty="0">
+                <a:solidFill>
+                  <a:srgbClr val="000000"/>
+                </a:solidFill>
+                <a:latin typeface="돋움체" panose="020B0609000101010101" pitchFamily="49" charset="-127"/>
+                <a:ea typeface="돋움체" panose="020B0609000101010101" pitchFamily="49" charset="-127"/>
+              </a:rPr>
+              <a:t>) </a:t>
+            </a:r>
+          </a:p>
+          <a:p>
+            <a:r>
+              <a:rPr lang="ko-KR" altLang="en-US" sz="1000" dirty="0">
+                <a:solidFill>
+                  <a:srgbClr val="000000"/>
+                </a:solidFill>
+                <a:latin typeface="돋움체" panose="020B0609000101010101" pitchFamily="49" charset="-127"/>
+                <a:ea typeface="돋움체" panose="020B0609000101010101" pitchFamily="49" charset="-127"/>
+              </a:rPr>
+              <a:t>    </a:t>
+            </a:r>
+            <a:r>
+              <a:rPr lang="en-US" altLang="ko-KR" sz="1000" dirty="0">
+                <a:solidFill>
+                  <a:srgbClr val="000000"/>
+                </a:solidFill>
+                <a:latin typeface="돋움체" panose="020B0609000101010101" pitchFamily="49" charset="-127"/>
+                <a:ea typeface="돋움체" panose="020B0609000101010101" pitchFamily="49" charset="-127"/>
+              </a:rPr>
+              <a:t>{</a:t>
+            </a:r>
+          </a:p>
+          <a:p>
+            <a:r>
+              <a:rPr lang="en-US" altLang="ko-KR" sz="1000" dirty="0">
+                <a:solidFill>
+                  <a:srgbClr val="000000"/>
+                </a:solidFill>
+                <a:latin typeface="돋움체" panose="020B0609000101010101" pitchFamily="49" charset="-127"/>
+                <a:ea typeface="돋움체" panose="020B0609000101010101" pitchFamily="49" charset="-127"/>
+              </a:rPr>
+              <a:t>        console.log(</a:t>
+            </a:r>
+            <a:r>
+              <a:rPr lang="en-US" altLang="ko-KR" sz="1000" dirty="0">
+                <a:solidFill>
+                  <a:srgbClr val="A31515"/>
+                </a:solidFill>
+                <a:latin typeface="돋움체" panose="020B0609000101010101" pitchFamily="49" charset="-127"/>
+                <a:ea typeface="돋움체" panose="020B0609000101010101" pitchFamily="49" charset="-127"/>
+              </a:rPr>
+              <a:t>"</a:t>
+            </a:r>
+            <a:r>
+              <a:rPr lang="ko-KR" altLang="en-US" sz="1000" dirty="0">
+                <a:solidFill>
+                  <a:srgbClr val="A31515"/>
+                </a:solidFill>
+                <a:latin typeface="돋움체" panose="020B0609000101010101" pitchFamily="49" charset="-127"/>
+                <a:ea typeface="돋움체" panose="020B0609000101010101" pitchFamily="49" charset="-127"/>
+              </a:rPr>
+              <a:t>힌트</a:t>
+            </a:r>
+            <a:r>
+              <a:rPr lang="en-US" altLang="ko-KR" sz="1000" dirty="0">
+                <a:solidFill>
+                  <a:srgbClr val="A31515"/>
+                </a:solidFill>
+                <a:latin typeface="돋움체" panose="020B0609000101010101" pitchFamily="49" charset="-127"/>
+                <a:ea typeface="돋움체" panose="020B0609000101010101" pitchFamily="49" charset="-127"/>
+              </a:rPr>
+              <a:t>: "</a:t>
+            </a:r>
+            <a:r>
+              <a:rPr lang="ko-KR" altLang="en-US" sz="1000" dirty="0">
+                <a:solidFill>
+                  <a:srgbClr val="000000"/>
+                </a:solidFill>
+                <a:latin typeface="돋움체" panose="020B0609000101010101" pitchFamily="49" charset="-127"/>
+                <a:ea typeface="돋움체" panose="020B0609000101010101" pitchFamily="49" charset="-127"/>
+              </a:rPr>
+              <a:t> </a:t>
+            </a:r>
+            <a:r>
+              <a:rPr lang="en-US" altLang="ko-KR" sz="1000" dirty="0">
+                <a:solidFill>
+                  <a:srgbClr val="000000"/>
+                </a:solidFill>
+                <a:latin typeface="돋움체" panose="020B0609000101010101" pitchFamily="49" charset="-127"/>
+                <a:ea typeface="돋움체" panose="020B0609000101010101" pitchFamily="49" charset="-127"/>
+              </a:rPr>
+              <a:t>+ countries[</a:t>
+            </a:r>
+            <a:r>
+              <a:rPr lang="en-US" altLang="ko-KR" sz="1000" dirty="0" err="1">
+                <a:solidFill>
+                  <a:srgbClr val="000000"/>
+                </a:solidFill>
+                <a:latin typeface="돋움체" panose="020B0609000101010101" pitchFamily="49" charset="-127"/>
+                <a:ea typeface="돋움체" panose="020B0609000101010101" pitchFamily="49" charset="-127"/>
+              </a:rPr>
+              <a:t>i</a:t>
+            </a:r>
+            <a:r>
+              <a:rPr lang="en-US" altLang="ko-KR" sz="1000" dirty="0">
+                <a:solidFill>
+                  <a:srgbClr val="000000"/>
+                </a:solidFill>
+                <a:latin typeface="돋움체" panose="020B0609000101010101" pitchFamily="49" charset="-127"/>
+                <a:ea typeface="돋움체" panose="020B0609000101010101" pitchFamily="49" charset="-127"/>
+              </a:rPr>
+              <a:t>].hint);</a:t>
+            </a:r>
+          </a:p>
+          <a:p>
+            <a:r>
+              <a:rPr lang="en-US" altLang="ko-KR" sz="1000" dirty="0">
+                <a:solidFill>
+                  <a:srgbClr val="000000"/>
+                </a:solidFill>
+                <a:latin typeface="돋움체" panose="020B0609000101010101" pitchFamily="49" charset="-127"/>
+                <a:ea typeface="돋움체" panose="020B0609000101010101" pitchFamily="49" charset="-127"/>
+              </a:rPr>
+              <a:t>        </a:t>
+            </a:r>
+            <a:r>
+              <a:rPr lang="en-US" altLang="ko-KR" sz="1000" dirty="0">
+                <a:solidFill>
+                  <a:srgbClr val="0000FF"/>
+                </a:solidFill>
+                <a:latin typeface="돋움체" panose="020B0609000101010101" pitchFamily="49" charset="-127"/>
+                <a:ea typeface="돋움체" panose="020B0609000101010101" pitchFamily="49" charset="-127"/>
+              </a:rPr>
+              <a:t>return</a:t>
+            </a:r>
+            <a:r>
+              <a:rPr lang="en-US" altLang="ko-KR" sz="1000" dirty="0">
+                <a:solidFill>
+                  <a:srgbClr val="000000"/>
+                </a:solidFill>
+                <a:latin typeface="돋움체" panose="020B0609000101010101" pitchFamily="49" charset="-127"/>
+                <a:ea typeface="돋움체" panose="020B0609000101010101" pitchFamily="49" charset="-127"/>
+              </a:rPr>
+              <a:t> 0;</a:t>
+            </a:r>
+          </a:p>
+          <a:p>
+            <a:r>
+              <a:rPr lang="ko-KR" altLang="en-US" sz="1000" dirty="0">
+                <a:solidFill>
+                  <a:srgbClr val="000000"/>
+                </a:solidFill>
+                <a:latin typeface="돋움체" panose="020B0609000101010101" pitchFamily="49" charset="-127"/>
+                <a:ea typeface="돋움체" panose="020B0609000101010101" pitchFamily="49" charset="-127"/>
+              </a:rPr>
+              <a:t>    </a:t>
+            </a:r>
+            <a:r>
+              <a:rPr lang="en-US" altLang="ko-KR" sz="1000" dirty="0">
+                <a:solidFill>
+                  <a:srgbClr val="000000"/>
+                </a:solidFill>
+                <a:latin typeface="돋움체" panose="020B0609000101010101" pitchFamily="49" charset="-127"/>
+                <a:ea typeface="돋움체" panose="020B0609000101010101" pitchFamily="49" charset="-127"/>
+              </a:rPr>
+              <a:t>}</a:t>
+            </a:r>
+          </a:p>
+          <a:p>
+            <a:r>
+              <a:rPr lang="en-US" altLang="ko-KR" sz="1000" dirty="0">
+                <a:solidFill>
+                  <a:srgbClr val="000000"/>
+                </a:solidFill>
+                <a:latin typeface="돋움체" panose="020B0609000101010101" pitchFamily="49" charset="-127"/>
+                <a:ea typeface="돋움체" panose="020B0609000101010101" pitchFamily="49" charset="-127"/>
+              </a:rPr>
+              <a:t>    </a:t>
+            </a:r>
+            <a:r>
+              <a:rPr lang="en-US" altLang="ko-KR" sz="1000" dirty="0">
+                <a:solidFill>
+                  <a:srgbClr val="0000FF"/>
+                </a:solidFill>
+                <a:latin typeface="돋움체" panose="020B0609000101010101" pitchFamily="49" charset="-127"/>
+                <a:ea typeface="돋움체" panose="020B0609000101010101" pitchFamily="49" charset="-127"/>
+              </a:rPr>
+              <a:t>else</a:t>
+            </a:r>
+            <a:r>
+              <a:rPr lang="en-US" altLang="ko-KR" sz="1000" dirty="0">
+                <a:solidFill>
+                  <a:srgbClr val="000000"/>
+                </a:solidFill>
+                <a:latin typeface="돋움체" panose="020B0609000101010101" pitchFamily="49" charset="-127"/>
+                <a:ea typeface="돋움체" panose="020B0609000101010101" pitchFamily="49" charset="-127"/>
+              </a:rPr>
+              <a:t> </a:t>
+            </a:r>
+          </a:p>
+          <a:p>
+            <a:r>
+              <a:rPr lang="ko-KR" altLang="en-US" sz="1000" dirty="0">
+                <a:solidFill>
+                  <a:srgbClr val="000000"/>
+                </a:solidFill>
+                <a:latin typeface="돋움체" panose="020B0609000101010101" pitchFamily="49" charset="-127"/>
+                <a:ea typeface="돋움체" panose="020B0609000101010101" pitchFamily="49" charset="-127"/>
+              </a:rPr>
+              <a:t>    </a:t>
+            </a:r>
+            <a:r>
+              <a:rPr lang="en-US" altLang="ko-KR" sz="1000" dirty="0">
+                <a:solidFill>
+                  <a:srgbClr val="000000"/>
+                </a:solidFill>
+                <a:latin typeface="돋움체" panose="020B0609000101010101" pitchFamily="49" charset="-127"/>
+                <a:ea typeface="돋움체" panose="020B0609000101010101" pitchFamily="49" charset="-127"/>
+              </a:rPr>
+              <a:t>{</a:t>
+            </a:r>
+          </a:p>
+          <a:p>
+            <a:r>
+              <a:rPr lang="en-US" altLang="ko-KR" sz="1000" dirty="0">
+                <a:solidFill>
+                  <a:srgbClr val="000000"/>
+                </a:solidFill>
+                <a:latin typeface="돋움체" panose="020B0609000101010101" pitchFamily="49" charset="-127"/>
+                <a:ea typeface="돋움체" panose="020B0609000101010101" pitchFamily="49" charset="-127"/>
+              </a:rPr>
+              <a:t>        console.log(</a:t>
+            </a:r>
+            <a:r>
+              <a:rPr lang="en-US" altLang="ko-KR" sz="1000" dirty="0">
+                <a:solidFill>
+                  <a:srgbClr val="A31515"/>
+                </a:solidFill>
+                <a:latin typeface="돋움체" panose="020B0609000101010101" pitchFamily="49" charset="-127"/>
+                <a:ea typeface="돋움체" panose="020B0609000101010101" pitchFamily="49" charset="-127"/>
+              </a:rPr>
+              <a:t>"</a:t>
+            </a:r>
+            <a:r>
+              <a:rPr lang="ko-KR" altLang="en-US" sz="1000" dirty="0">
+                <a:solidFill>
+                  <a:srgbClr val="A31515"/>
+                </a:solidFill>
+                <a:latin typeface="돋움체" panose="020B0609000101010101" pitchFamily="49" charset="-127"/>
+                <a:ea typeface="돋움체" panose="020B0609000101010101" pitchFamily="49" charset="-127"/>
+              </a:rPr>
+              <a:t>틀렸습니다</a:t>
+            </a:r>
+            <a:r>
+              <a:rPr lang="en-US" altLang="ko-KR" sz="1000" dirty="0">
+                <a:solidFill>
+                  <a:srgbClr val="A31515"/>
+                </a:solidFill>
+                <a:latin typeface="돋움체" panose="020B0609000101010101" pitchFamily="49" charset="-127"/>
+                <a:ea typeface="돋움체" panose="020B0609000101010101" pitchFamily="49" charset="-127"/>
+              </a:rPr>
+              <a:t>."</a:t>
+            </a:r>
+            <a:r>
+              <a:rPr lang="en-US" altLang="ko-KR" sz="1000" dirty="0">
+                <a:solidFill>
+                  <a:srgbClr val="000000"/>
+                </a:solidFill>
+                <a:latin typeface="돋움체" panose="020B0609000101010101" pitchFamily="49" charset="-127"/>
+                <a:ea typeface="돋움체" panose="020B0609000101010101" pitchFamily="49" charset="-127"/>
+              </a:rPr>
+              <a:t>);</a:t>
+            </a:r>
+          </a:p>
+          <a:p>
+            <a:r>
+              <a:rPr lang="en-US" altLang="ko-KR" sz="1000" dirty="0">
+                <a:solidFill>
+                  <a:srgbClr val="000000"/>
+                </a:solidFill>
+                <a:latin typeface="돋움체" panose="020B0609000101010101" pitchFamily="49" charset="-127"/>
+                <a:ea typeface="돋움체" panose="020B0609000101010101" pitchFamily="49" charset="-127"/>
+              </a:rPr>
+              <a:t>        console.log(</a:t>
+            </a:r>
+            <a:r>
+              <a:rPr lang="en-US" altLang="ko-KR" sz="1000" dirty="0">
+                <a:solidFill>
+                  <a:srgbClr val="A31515"/>
+                </a:solidFill>
+                <a:latin typeface="돋움체" panose="020B0609000101010101" pitchFamily="49" charset="-127"/>
+                <a:ea typeface="돋움체" panose="020B0609000101010101" pitchFamily="49" charset="-127"/>
+              </a:rPr>
+              <a:t>"</a:t>
+            </a:r>
+            <a:r>
+              <a:rPr lang="ko-KR" altLang="en-US" sz="1000" dirty="0">
+                <a:solidFill>
+                  <a:srgbClr val="A31515"/>
+                </a:solidFill>
+                <a:latin typeface="돋움체" panose="020B0609000101010101" pitchFamily="49" charset="-127"/>
+                <a:ea typeface="돋움체" panose="020B0609000101010101" pitchFamily="49" charset="-127"/>
+              </a:rPr>
+              <a:t>정답은 </a:t>
+            </a:r>
+            <a:r>
+              <a:rPr lang="en-US" altLang="ko-KR" sz="1000" dirty="0">
+                <a:solidFill>
+                  <a:srgbClr val="A31515"/>
+                </a:solidFill>
+                <a:latin typeface="돋움체" panose="020B0609000101010101" pitchFamily="49" charset="-127"/>
+                <a:ea typeface="돋움체" panose="020B0609000101010101" pitchFamily="49" charset="-127"/>
+              </a:rPr>
+              <a:t>"</a:t>
+            </a:r>
+            <a:r>
+              <a:rPr lang="ko-KR" altLang="en-US" sz="1000" dirty="0">
+                <a:solidFill>
+                  <a:srgbClr val="000000"/>
+                </a:solidFill>
+                <a:latin typeface="돋움체" panose="020B0609000101010101" pitchFamily="49" charset="-127"/>
+                <a:ea typeface="돋움체" panose="020B0609000101010101" pitchFamily="49" charset="-127"/>
+              </a:rPr>
+              <a:t> </a:t>
+            </a:r>
+            <a:r>
+              <a:rPr lang="en-US" altLang="ko-KR" sz="1000" dirty="0">
+                <a:solidFill>
+                  <a:srgbClr val="000000"/>
+                </a:solidFill>
+                <a:latin typeface="돋움체" panose="020B0609000101010101" pitchFamily="49" charset="-127"/>
+                <a:ea typeface="돋움체" panose="020B0609000101010101" pitchFamily="49" charset="-127"/>
+              </a:rPr>
+              <a:t>+ countries[</a:t>
+            </a:r>
+            <a:r>
+              <a:rPr lang="en-US" altLang="ko-KR" sz="1000" dirty="0" err="1">
+                <a:solidFill>
+                  <a:srgbClr val="000000"/>
+                </a:solidFill>
+                <a:latin typeface="돋움체" panose="020B0609000101010101" pitchFamily="49" charset="-127"/>
+                <a:ea typeface="돋움체" panose="020B0609000101010101" pitchFamily="49" charset="-127"/>
+              </a:rPr>
+              <a:t>i</a:t>
+            </a:r>
+            <a:r>
+              <a:rPr lang="en-US" altLang="ko-KR" sz="1000" dirty="0">
+                <a:solidFill>
+                  <a:srgbClr val="000000"/>
+                </a:solidFill>
+                <a:latin typeface="돋움체" panose="020B0609000101010101" pitchFamily="49" charset="-127"/>
+                <a:ea typeface="돋움체" panose="020B0609000101010101" pitchFamily="49" charset="-127"/>
+              </a:rPr>
+              <a:t>].name + </a:t>
+            </a:r>
+            <a:r>
+              <a:rPr lang="en-US" altLang="ko-KR" sz="1000" dirty="0">
+                <a:solidFill>
+                  <a:srgbClr val="A31515"/>
+                </a:solidFill>
+                <a:latin typeface="돋움체" panose="020B0609000101010101" pitchFamily="49" charset="-127"/>
+                <a:ea typeface="돋움체" panose="020B0609000101010101" pitchFamily="49" charset="-127"/>
+              </a:rPr>
+              <a:t>"</a:t>
+            </a:r>
+            <a:r>
+              <a:rPr lang="ko-KR" altLang="en-US" sz="1000" dirty="0">
+                <a:solidFill>
+                  <a:srgbClr val="A31515"/>
+                </a:solidFill>
+                <a:latin typeface="돋움체" panose="020B0609000101010101" pitchFamily="49" charset="-127"/>
+                <a:ea typeface="돋움체" panose="020B0609000101010101" pitchFamily="49" charset="-127"/>
+              </a:rPr>
+              <a:t>입니다</a:t>
+            </a:r>
+            <a:r>
+              <a:rPr lang="en-US" altLang="ko-KR" sz="1000" dirty="0">
+                <a:solidFill>
+                  <a:srgbClr val="A31515"/>
+                </a:solidFill>
+                <a:latin typeface="돋움체" panose="020B0609000101010101" pitchFamily="49" charset="-127"/>
+                <a:ea typeface="돋움체" panose="020B0609000101010101" pitchFamily="49" charset="-127"/>
+              </a:rPr>
+              <a:t>."</a:t>
+            </a:r>
+            <a:r>
+              <a:rPr lang="en-US" altLang="ko-KR" sz="1000" dirty="0">
+                <a:solidFill>
+                  <a:srgbClr val="000000"/>
+                </a:solidFill>
+                <a:latin typeface="돋움체" panose="020B0609000101010101" pitchFamily="49" charset="-127"/>
+                <a:ea typeface="돋움체" panose="020B0609000101010101" pitchFamily="49" charset="-127"/>
+              </a:rPr>
+              <a:t>);</a:t>
+            </a:r>
+          </a:p>
+          <a:p>
+            <a:r>
+              <a:rPr lang="en-US" altLang="ko-KR" sz="1000" dirty="0">
+                <a:solidFill>
+                  <a:srgbClr val="000000"/>
+                </a:solidFill>
+                <a:latin typeface="돋움체" panose="020B0609000101010101" pitchFamily="49" charset="-127"/>
+                <a:ea typeface="돋움체" panose="020B0609000101010101" pitchFamily="49" charset="-127"/>
+              </a:rPr>
+              <a:t>        </a:t>
+            </a:r>
+            <a:r>
+              <a:rPr lang="en-US" altLang="ko-KR" sz="1000" dirty="0">
+                <a:solidFill>
+                  <a:srgbClr val="0000FF"/>
+                </a:solidFill>
+                <a:latin typeface="돋움체" panose="020B0609000101010101" pitchFamily="49" charset="-127"/>
+                <a:ea typeface="돋움체" panose="020B0609000101010101" pitchFamily="49" charset="-127"/>
+              </a:rPr>
+              <a:t>return</a:t>
+            </a:r>
+            <a:r>
+              <a:rPr lang="en-US" altLang="ko-KR" sz="1000" dirty="0">
+                <a:solidFill>
+                  <a:srgbClr val="000000"/>
+                </a:solidFill>
+                <a:latin typeface="돋움체" panose="020B0609000101010101" pitchFamily="49" charset="-127"/>
+                <a:ea typeface="돋움체" panose="020B0609000101010101" pitchFamily="49" charset="-127"/>
+              </a:rPr>
+              <a:t> 0;//</a:t>
+            </a:r>
+            <a:r>
+              <a:rPr lang="ko-KR" altLang="en-US" sz="1000" dirty="0">
+                <a:solidFill>
+                  <a:srgbClr val="000000"/>
+                </a:solidFill>
+                <a:latin typeface="돋움체" panose="020B0609000101010101" pitchFamily="49" charset="-127"/>
+                <a:ea typeface="돋움체" panose="020B0609000101010101" pitchFamily="49" charset="-127"/>
+              </a:rPr>
+              <a:t>틀리면 </a:t>
+            </a:r>
+            <a:r>
+              <a:rPr lang="en-US" altLang="ko-KR" sz="1000" dirty="0">
+                <a:solidFill>
+                  <a:srgbClr val="000000"/>
+                </a:solidFill>
+                <a:latin typeface="돋움체" panose="020B0609000101010101" pitchFamily="49" charset="-127"/>
+                <a:ea typeface="돋움체" panose="020B0609000101010101" pitchFamily="49" charset="-127"/>
+              </a:rPr>
+              <a:t>0</a:t>
+            </a:r>
+          </a:p>
+          <a:p>
+            <a:r>
+              <a:rPr lang="ko-KR" altLang="en-US" sz="1000" dirty="0">
+                <a:solidFill>
+                  <a:srgbClr val="000000"/>
+                </a:solidFill>
+                <a:latin typeface="돋움체" panose="020B0609000101010101" pitchFamily="49" charset="-127"/>
+                <a:ea typeface="돋움체" panose="020B0609000101010101" pitchFamily="49" charset="-127"/>
+              </a:rPr>
+              <a:t>    </a:t>
+            </a:r>
+            <a:r>
+              <a:rPr lang="en-US" altLang="ko-KR" sz="1000" dirty="0">
+                <a:solidFill>
+                  <a:srgbClr val="000000"/>
+                </a:solidFill>
+                <a:latin typeface="돋움체" panose="020B0609000101010101" pitchFamily="49" charset="-127"/>
+                <a:ea typeface="돋움체" panose="020B0609000101010101" pitchFamily="49" charset="-127"/>
+              </a:rPr>
+              <a:t>}</a:t>
+            </a:r>
+          </a:p>
+          <a:p>
+            <a:r>
+              <a:rPr lang="en-US" altLang="ko-KR" sz="1000" dirty="0">
+                <a:solidFill>
+                  <a:srgbClr val="000000"/>
+                </a:solidFill>
+                <a:latin typeface="돋움체" panose="020B0609000101010101" pitchFamily="49" charset="-127"/>
+                <a:ea typeface="돋움체" panose="020B0609000101010101" pitchFamily="49" charset="-127"/>
+              </a:rPr>
+              <a:t>};</a:t>
+            </a:r>
+          </a:p>
+          <a:p>
+            <a:endParaRPr lang="ko-KR" altLang="en-US" sz="1000" dirty="0">
+              <a:solidFill>
+                <a:srgbClr val="000000"/>
+              </a:solidFill>
+              <a:latin typeface="돋움체" panose="020B0609000101010101" pitchFamily="49" charset="-127"/>
+              <a:ea typeface="돋움체" panose="020B0609000101010101" pitchFamily="49" charset="-127"/>
+            </a:endParaRPr>
+          </a:p>
+          <a:p>
+            <a:r>
+              <a:rPr lang="en-US" altLang="ko-KR" sz="1000" dirty="0">
+                <a:solidFill>
+                  <a:srgbClr val="0000FF"/>
+                </a:solidFill>
+                <a:latin typeface="돋움체" panose="020B0609000101010101" pitchFamily="49" charset="-127"/>
+                <a:ea typeface="돋움체" panose="020B0609000101010101" pitchFamily="49" charset="-127"/>
+              </a:rPr>
+              <a:t>const</a:t>
+            </a:r>
+            <a:r>
+              <a:rPr lang="en-US" altLang="ko-KR" sz="1000" dirty="0">
+                <a:solidFill>
+                  <a:srgbClr val="000000"/>
+                </a:solidFill>
+                <a:latin typeface="돋움체" panose="020B0609000101010101" pitchFamily="49" charset="-127"/>
+                <a:ea typeface="돋움체" panose="020B0609000101010101" pitchFamily="49" charset="-127"/>
+              </a:rPr>
+              <a:t> </a:t>
+            </a:r>
+            <a:r>
+              <a:rPr lang="en-US" altLang="ko-KR" sz="1000" dirty="0" err="1">
+                <a:solidFill>
+                  <a:srgbClr val="000000"/>
+                </a:solidFill>
+                <a:latin typeface="돋움체" panose="020B0609000101010101" pitchFamily="49" charset="-127"/>
+                <a:ea typeface="돋움체" panose="020B0609000101010101" pitchFamily="49" charset="-127"/>
+              </a:rPr>
+              <a:t>shuffleCountries</a:t>
+            </a:r>
+            <a:r>
+              <a:rPr lang="en-US" altLang="ko-KR" sz="1000" dirty="0">
+                <a:solidFill>
+                  <a:srgbClr val="000000"/>
+                </a:solidFill>
+                <a:latin typeface="돋움체" panose="020B0609000101010101" pitchFamily="49" charset="-127"/>
+                <a:ea typeface="돋움체" panose="020B0609000101010101" pitchFamily="49" charset="-127"/>
+              </a:rPr>
+              <a:t> = () = &gt; {</a:t>
+            </a:r>
+          </a:p>
+          <a:p>
+            <a:r>
+              <a:rPr lang="en-US" altLang="ko-KR" sz="1000" dirty="0">
+                <a:solidFill>
+                  <a:srgbClr val="000000"/>
+                </a:solidFill>
+                <a:latin typeface="돋움체" panose="020B0609000101010101" pitchFamily="49" charset="-127"/>
+                <a:ea typeface="돋움체" panose="020B0609000101010101" pitchFamily="49" charset="-127"/>
+              </a:rPr>
+              <a:t>    </a:t>
+            </a:r>
+            <a:r>
+              <a:rPr lang="en-US" altLang="ko-KR" sz="1000" dirty="0">
+                <a:solidFill>
+                  <a:srgbClr val="0000FF"/>
+                </a:solidFill>
+                <a:latin typeface="돋움체" panose="020B0609000101010101" pitchFamily="49" charset="-127"/>
+                <a:ea typeface="돋움체" panose="020B0609000101010101" pitchFamily="49" charset="-127"/>
+              </a:rPr>
+              <a:t>for</a:t>
+            </a:r>
+            <a:r>
+              <a:rPr lang="en-US" altLang="ko-KR" sz="1000" dirty="0">
+                <a:solidFill>
+                  <a:srgbClr val="000000"/>
+                </a:solidFill>
+                <a:latin typeface="돋움체" panose="020B0609000101010101" pitchFamily="49" charset="-127"/>
+                <a:ea typeface="돋움체" panose="020B0609000101010101" pitchFamily="49" charset="-127"/>
+              </a:rPr>
+              <a:t> (let </a:t>
+            </a:r>
+            <a:r>
+              <a:rPr lang="en-US" altLang="ko-KR" sz="1000" dirty="0" err="1">
+                <a:solidFill>
+                  <a:srgbClr val="000000"/>
+                </a:solidFill>
+                <a:latin typeface="돋움체" panose="020B0609000101010101" pitchFamily="49" charset="-127"/>
+                <a:ea typeface="돋움체" panose="020B0609000101010101" pitchFamily="49" charset="-127"/>
+              </a:rPr>
+              <a:t>i</a:t>
+            </a:r>
+            <a:r>
+              <a:rPr lang="en-US" altLang="ko-KR" sz="1000" dirty="0">
+                <a:solidFill>
+                  <a:srgbClr val="000000"/>
+                </a:solidFill>
+                <a:latin typeface="돋움체" panose="020B0609000101010101" pitchFamily="49" charset="-127"/>
+                <a:ea typeface="돋움체" panose="020B0609000101010101" pitchFamily="49" charset="-127"/>
+              </a:rPr>
+              <a:t> = </a:t>
+            </a:r>
+            <a:r>
+              <a:rPr lang="en-US" altLang="ko-KR" sz="1000" dirty="0" err="1">
+                <a:solidFill>
+                  <a:srgbClr val="000000"/>
+                </a:solidFill>
+                <a:latin typeface="돋움체" panose="020B0609000101010101" pitchFamily="49" charset="-127"/>
+                <a:ea typeface="돋움체" panose="020B0609000101010101" pitchFamily="49" charset="-127"/>
+              </a:rPr>
+              <a:t>numCountries</a:t>
+            </a:r>
+            <a:r>
+              <a:rPr lang="en-US" altLang="ko-KR" sz="1000" dirty="0">
+                <a:solidFill>
+                  <a:srgbClr val="000000"/>
+                </a:solidFill>
+                <a:latin typeface="돋움체" panose="020B0609000101010101" pitchFamily="49" charset="-127"/>
+                <a:ea typeface="돋움체" panose="020B0609000101010101" pitchFamily="49" charset="-127"/>
+              </a:rPr>
+              <a:t> - 1; </a:t>
+            </a:r>
+            <a:r>
+              <a:rPr lang="en-US" altLang="ko-KR" sz="1000" dirty="0" err="1">
+                <a:solidFill>
+                  <a:srgbClr val="000000"/>
+                </a:solidFill>
+                <a:latin typeface="돋움체" panose="020B0609000101010101" pitchFamily="49" charset="-127"/>
+                <a:ea typeface="돋움체" panose="020B0609000101010101" pitchFamily="49" charset="-127"/>
+              </a:rPr>
+              <a:t>i</a:t>
+            </a:r>
+            <a:r>
+              <a:rPr lang="en-US" altLang="ko-KR" sz="1000" dirty="0">
+                <a:solidFill>
+                  <a:srgbClr val="000000"/>
+                </a:solidFill>
+                <a:latin typeface="돋움체" panose="020B0609000101010101" pitchFamily="49" charset="-127"/>
+                <a:ea typeface="돋움체" panose="020B0609000101010101" pitchFamily="49" charset="-127"/>
+              </a:rPr>
+              <a:t> &gt; 0; </a:t>
+            </a:r>
+            <a:r>
+              <a:rPr lang="en-US" altLang="ko-KR" sz="1000" dirty="0" err="1">
+                <a:solidFill>
+                  <a:srgbClr val="000000"/>
+                </a:solidFill>
+                <a:latin typeface="돋움체" panose="020B0609000101010101" pitchFamily="49" charset="-127"/>
+                <a:ea typeface="돋움체" panose="020B0609000101010101" pitchFamily="49" charset="-127"/>
+              </a:rPr>
+              <a:t>i</a:t>
+            </a:r>
+            <a:r>
+              <a:rPr lang="en-US" altLang="ko-KR" sz="1000" dirty="0">
+                <a:solidFill>
+                  <a:srgbClr val="000000"/>
+                </a:solidFill>
+                <a:latin typeface="돋움체" panose="020B0609000101010101" pitchFamily="49" charset="-127"/>
+                <a:ea typeface="돋움체" panose="020B0609000101010101" pitchFamily="49" charset="-127"/>
+              </a:rPr>
+              <a:t>--) </a:t>
+            </a:r>
+          </a:p>
+          <a:p>
+            <a:r>
+              <a:rPr lang="ko-KR" altLang="en-US" sz="1000" dirty="0">
+                <a:solidFill>
+                  <a:srgbClr val="000000"/>
+                </a:solidFill>
+                <a:latin typeface="돋움체" panose="020B0609000101010101" pitchFamily="49" charset="-127"/>
+                <a:ea typeface="돋움체" panose="020B0609000101010101" pitchFamily="49" charset="-127"/>
+              </a:rPr>
+              <a:t>    </a:t>
+            </a:r>
+            <a:r>
+              <a:rPr lang="en-US" altLang="ko-KR" sz="1000" dirty="0">
+                <a:solidFill>
+                  <a:srgbClr val="000000"/>
+                </a:solidFill>
+                <a:latin typeface="돋움체" panose="020B0609000101010101" pitchFamily="49" charset="-127"/>
+                <a:ea typeface="돋움체" panose="020B0609000101010101" pitchFamily="49" charset="-127"/>
+              </a:rPr>
+              <a:t>{</a:t>
+            </a:r>
+          </a:p>
+          <a:p>
+            <a:r>
+              <a:rPr lang="en-US" altLang="ko-KR" sz="1000" dirty="0">
+                <a:solidFill>
+                  <a:srgbClr val="000000"/>
+                </a:solidFill>
+                <a:latin typeface="돋움체" panose="020B0609000101010101" pitchFamily="49" charset="-127"/>
+                <a:ea typeface="돋움체" panose="020B0609000101010101" pitchFamily="49" charset="-127"/>
+              </a:rPr>
+              <a:t>        </a:t>
+            </a:r>
+            <a:r>
+              <a:rPr lang="en-US" altLang="ko-KR" sz="1000" dirty="0">
+                <a:solidFill>
+                  <a:srgbClr val="0000FF"/>
+                </a:solidFill>
+                <a:latin typeface="돋움체" panose="020B0609000101010101" pitchFamily="49" charset="-127"/>
+                <a:ea typeface="돋움체" panose="020B0609000101010101" pitchFamily="49" charset="-127"/>
+              </a:rPr>
+              <a:t>const</a:t>
+            </a:r>
+            <a:r>
+              <a:rPr lang="en-US" altLang="ko-KR" sz="1000" dirty="0">
+                <a:solidFill>
+                  <a:srgbClr val="000000"/>
+                </a:solidFill>
+                <a:latin typeface="돋움체" panose="020B0609000101010101" pitchFamily="49" charset="-127"/>
+                <a:ea typeface="돋움체" panose="020B0609000101010101" pitchFamily="49" charset="-127"/>
+              </a:rPr>
+              <a:t> j = </a:t>
+            </a:r>
+            <a:r>
+              <a:rPr lang="en-US" altLang="ko-KR" sz="1000" dirty="0" err="1">
+                <a:solidFill>
+                  <a:srgbClr val="000000"/>
+                </a:solidFill>
+                <a:latin typeface="돋움체" panose="020B0609000101010101" pitchFamily="49" charset="-127"/>
+                <a:ea typeface="돋움체" panose="020B0609000101010101" pitchFamily="49" charset="-127"/>
+              </a:rPr>
+              <a:t>Math.floor</a:t>
+            </a:r>
+            <a:r>
+              <a:rPr lang="en-US" altLang="ko-KR" sz="1000" dirty="0">
+                <a:solidFill>
+                  <a:srgbClr val="000000"/>
+                </a:solidFill>
+                <a:latin typeface="돋움체" panose="020B0609000101010101" pitchFamily="49" charset="-127"/>
+                <a:ea typeface="돋움체" panose="020B0609000101010101" pitchFamily="49" charset="-127"/>
+              </a:rPr>
+              <a:t>(</a:t>
+            </a:r>
+            <a:r>
+              <a:rPr lang="en-US" altLang="ko-KR" sz="1000" dirty="0" err="1">
+                <a:solidFill>
+                  <a:srgbClr val="000000"/>
+                </a:solidFill>
+                <a:latin typeface="돋움체" panose="020B0609000101010101" pitchFamily="49" charset="-127"/>
+                <a:ea typeface="돋움체" panose="020B0609000101010101" pitchFamily="49" charset="-127"/>
+              </a:rPr>
+              <a:t>Math.random</a:t>
+            </a:r>
+            <a:r>
+              <a:rPr lang="en-US" altLang="ko-KR" sz="1000" dirty="0">
+                <a:solidFill>
+                  <a:srgbClr val="000000"/>
+                </a:solidFill>
+                <a:latin typeface="돋움체" panose="020B0609000101010101" pitchFamily="49" charset="-127"/>
+                <a:ea typeface="돋움체" panose="020B0609000101010101" pitchFamily="49" charset="-127"/>
+              </a:rPr>
+              <a:t>() * (</a:t>
+            </a:r>
+            <a:r>
+              <a:rPr lang="en-US" altLang="ko-KR" sz="1000" dirty="0" err="1">
+                <a:solidFill>
+                  <a:srgbClr val="000000"/>
+                </a:solidFill>
+                <a:latin typeface="돋움체" panose="020B0609000101010101" pitchFamily="49" charset="-127"/>
+                <a:ea typeface="돋움체" panose="020B0609000101010101" pitchFamily="49" charset="-127"/>
+              </a:rPr>
+              <a:t>i</a:t>
+            </a:r>
+            <a:r>
+              <a:rPr lang="en-US" altLang="ko-KR" sz="1000" dirty="0">
+                <a:solidFill>
+                  <a:srgbClr val="000000"/>
+                </a:solidFill>
+                <a:latin typeface="돋움체" panose="020B0609000101010101" pitchFamily="49" charset="-127"/>
+                <a:ea typeface="돋움체" panose="020B0609000101010101" pitchFamily="49" charset="-127"/>
+              </a:rPr>
+              <a:t> + 1));</a:t>
+            </a:r>
+          </a:p>
+          <a:p>
+            <a:r>
+              <a:rPr lang="en-US" altLang="ko-KR" sz="1000" dirty="0">
+                <a:solidFill>
+                  <a:srgbClr val="000000"/>
+                </a:solidFill>
+                <a:latin typeface="돋움체" panose="020B0609000101010101" pitchFamily="49" charset="-127"/>
+                <a:ea typeface="돋움체" panose="020B0609000101010101" pitchFamily="49" charset="-127"/>
+              </a:rPr>
+              <a:t>        [countries[</a:t>
+            </a:r>
+            <a:r>
+              <a:rPr lang="en-US" altLang="ko-KR" sz="1000" dirty="0" err="1">
+                <a:solidFill>
+                  <a:srgbClr val="000000"/>
+                </a:solidFill>
+                <a:latin typeface="돋움체" panose="020B0609000101010101" pitchFamily="49" charset="-127"/>
+                <a:ea typeface="돋움체" panose="020B0609000101010101" pitchFamily="49" charset="-127"/>
+              </a:rPr>
+              <a:t>i</a:t>
+            </a:r>
+            <a:r>
+              <a:rPr lang="en-US" altLang="ko-KR" sz="1000" dirty="0">
+                <a:solidFill>
+                  <a:srgbClr val="000000"/>
+                </a:solidFill>
+                <a:latin typeface="돋움체" panose="020B0609000101010101" pitchFamily="49" charset="-127"/>
+                <a:ea typeface="돋움체" panose="020B0609000101010101" pitchFamily="49" charset="-127"/>
+              </a:rPr>
+              <a:t>], countries[j]] = [countries[j], countries[</a:t>
+            </a:r>
+            <a:r>
+              <a:rPr lang="en-US" altLang="ko-KR" sz="1000" dirty="0" err="1">
+                <a:solidFill>
+                  <a:srgbClr val="000000"/>
+                </a:solidFill>
+                <a:latin typeface="돋움체" panose="020B0609000101010101" pitchFamily="49" charset="-127"/>
+                <a:ea typeface="돋움체" panose="020B0609000101010101" pitchFamily="49" charset="-127"/>
+              </a:rPr>
+              <a:t>i</a:t>
+            </a:r>
+            <a:r>
+              <a:rPr lang="en-US" altLang="ko-KR" sz="1000" dirty="0">
+                <a:solidFill>
+                  <a:srgbClr val="000000"/>
+                </a:solidFill>
+                <a:latin typeface="돋움체" panose="020B0609000101010101" pitchFamily="49" charset="-127"/>
+                <a:ea typeface="돋움체" panose="020B0609000101010101" pitchFamily="49" charset="-127"/>
+              </a:rPr>
+              <a:t>]];</a:t>
+            </a:r>
+          </a:p>
+          <a:p>
+            <a:r>
+              <a:rPr lang="ko-KR" altLang="en-US" sz="1000" dirty="0">
+                <a:solidFill>
+                  <a:srgbClr val="000000"/>
+                </a:solidFill>
+                <a:latin typeface="돋움체" panose="020B0609000101010101" pitchFamily="49" charset="-127"/>
+                <a:ea typeface="돋움체" panose="020B0609000101010101" pitchFamily="49" charset="-127"/>
+              </a:rPr>
+              <a:t>    </a:t>
+            </a:r>
+            <a:r>
+              <a:rPr lang="en-US" altLang="ko-KR" sz="1000" dirty="0">
+                <a:solidFill>
+                  <a:srgbClr val="000000"/>
+                </a:solidFill>
+                <a:latin typeface="돋움체" panose="020B0609000101010101" pitchFamily="49" charset="-127"/>
+                <a:ea typeface="돋움체" panose="020B0609000101010101" pitchFamily="49" charset="-127"/>
+              </a:rPr>
+              <a:t>}</a:t>
+            </a:r>
+          </a:p>
+          <a:p>
+            <a:r>
+              <a:rPr lang="en-US" altLang="ko-KR" sz="1000" dirty="0">
+                <a:solidFill>
+                  <a:srgbClr val="000000"/>
+                </a:solidFill>
+                <a:latin typeface="돋움체" panose="020B0609000101010101" pitchFamily="49" charset="-127"/>
+                <a:ea typeface="돋움체" panose="020B0609000101010101" pitchFamily="49" charset="-127"/>
+              </a:rPr>
+              <a:t>};</a:t>
+            </a:r>
+          </a:p>
+          <a:p>
+            <a:endParaRPr lang="ko-KR" altLang="en-US" sz="1000" dirty="0">
+              <a:solidFill>
+                <a:srgbClr val="000000"/>
+              </a:solidFill>
+              <a:latin typeface="돋움체" panose="020B0609000101010101" pitchFamily="49" charset="-127"/>
+              <a:ea typeface="돋움체" panose="020B0609000101010101" pitchFamily="49" charset="-127"/>
+            </a:endParaRPr>
+          </a:p>
+        </p:txBody>
+      </p:sp>
+    </p:spTree>
+    <p:extLst>
+      <p:ext uri="{BB962C8B-B14F-4D97-AF65-F5344CB8AC3E}">
+        <p14:creationId xmlns:p14="http://schemas.microsoft.com/office/powerpoint/2010/main" val="1738115701"/>
+      </p:ext>
+    </p:extLst>
+  </p:cSld>
+  <p:clrMapOvr>
+    <a:masterClrMapping/>
+  </p:clrMapOvr>
+</p:sld>
+</file>
+
+<file path=ppt/slides/slide8.xml><?xml version="1.0" encoding="utf-8"?>
+<p:sld xmlns:a="http://schemas.openxmlformats.org/drawingml/2006/main" xmlns:r="http://schemas.openxmlformats.org/officeDocument/2006/relationships" xmlns:p="http://schemas.openxmlformats.org/presentationml/2006/main">
+  <p:cSld>
+    <p:spTree>
+      <p:nvGrpSpPr>
+        <p:cNvPr id="1" name=""/>
+        <p:cNvGrpSpPr/>
+        <p:nvPr/>
+      </p:nvGrpSpPr>
+      <p:grpSpPr>
+        <a:xfrm>
+          <a:off x="0" y="0"/>
+          <a:ext cx="0" cy="0"/>
+          <a:chOff x="0" y="0"/>
+          <a:chExt cx="0" cy="0"/>
+        </a:xfrm>
+      </p:grpSpPr>
+      <p:sp>
+        <p:nvSpPr>
+          <p:cNvPr id="5" name="TextBox 4">
+            <a:extLst>
+              <a:ext uri="{FF2B5EF4-FFF2-40B4-BE49-F238E27FC236}">
+                <a16:creationId xmlns:a16="http://schemas.microsoft.com/office/drawing/2014/main" id="{85AD5CF8-A4CB-6EE4-7A81-D2AE52D6CCCD}"/>
+              </a:ext>
+            </a:extLst>
+          </p:cNvPr>
+          <p:cNvSpPr txBox="1"/>
+          <p:nvPr/>
+        </p:nvSpPr>
+        <p:spPr>
+          <a:xfrm>
+            <a:off x="99646" y="184681"/>
+            <a:ext cx="6408615" cy="5632311"/>
+          </a:xfrm>
+          <a:prstGeom prst="rect">
+            <a:avLst/>
+          </a:prstGeom>
+          <a:noFill/>
+        </p:spPr>
+        <p:txBody>
+          <a:bodyPr wrap="square">
+            <a:spAutoFit/>
+          </a:bodyPr>
+          <a:lstStyle/>
+          <a:p>
+            <a:r>
+              <a:rPr lang="en-US" altLang="ko-KR" sz="1000" dirty="0">
+                <a:solidFill>
+                  <a:srgbClr val="0000FF"/>
+                </a:solidFill>
+                <a:latin typeface="돋움체" panose="020B0609000101010101" pitchFamily="49" charset="-127"/>
+                <a:ea typeface="돋움체" panose="020B0609000101010101" pitchFamily="49" charset="-127"/>
+              </a:rPr>
+              <a:t>const</a:t>
+            </a:r>
+            <a:r>
+              <a:rPr lang="en-US" altLang="ko-KR" sz="1000" dirty="0">
+                <a:solidFill>
+                  <a:srgbClr val="000000"/>
+                </a:solidFill>
+                <a:latin typeface="돋움체" panose="020B0609000101010101" pitchFamily="49" charset="-127"/>
+                <a:ea typeface="돋움체" panose="020B0609000101010101" pitchFamily="49" charset="-127"/>
+              </a:rPr>
+              <a:t> </a:t>
+            </a:r>
+            <a:r>
+              <a:rPr lang="en-US" altLang="ko-KR" sz="1000" dirty="0" err="1">
+                <a:solidFill>
+                  <a:srgbClr val="000000"/>
+                </a:solidFill>
+                <a:latin typeface="돋움체" panose="020B0609000101010101" pitchFamily="49" charset="-127"/>
+                <a:ea typeface="돋움체" panose="020B0609000101010101" pitchFamily="49" charset="-127"/>
+              </a:rPr>
+              <a:t>playGame</a:t>
+            </a:r>
+            <a:r>
+              <a:rPr lang="en-US" altLang="ko-KR" sz="1000" dirty="0">
+                <a:solidFill>
+                  <a:srgbClr val="000000"/>
+                </a:solidFill>
+                <a:latin typeface="돋움체" panose="020B0609000101010101" pitchFamily="49" charset="-127"/>
+                <a:ea typeface="돋움체" panose="020B0609000101010101" pitchFamily="49" charset="-127"/>
+              </a:rPr>
+              <a:t> = (round) = &gt; {</a:t>
+            </a:r>
+          </a:p>
+          <a:p>
+            <a:r>
+              <a:rPr lang="en-US" altLang="ko-KR" sz="1000" dirty="0">
+                <a:solidFill>
+                  <a:srgbClr val="000000"/>
+                </a:solidFill>
+                <a:latin typeface="돋움체" panose="020B0609000101010101" pitchFamily="49" charset="-127"/>
+                <a:ea typeface="돋움체" panose="020B0609000101010101" pitchFamily="49" charset="-127"/>
+              </a:rPr>
+              <a:t>    </a:t>
+            </a:r>
+            <a:r>
+              <a:rPr lang="en-US" altLang="ko-KR" sz="1000" dirty="0">
+                <a:solidFill>
+                  <a:srgbClr val="0000FF"/>
+                </a:solidFill>
+                <a:latin typeface="돋움체" panose="020B0609000101010101" pitchFamily="49" charset="-127"/>
+                <a:ea typeface="돋움체" panose="020B0609000101010101" pitchFamily="49" charset="-127"/>
+              </a:rPr>
+              <a:t>if</a:t>
+            </a:r>
+            <a:r>
+              <a:rPr lang="en-US" altLang="ko-KR" sz="1000" dirty="0">
+                <a:solidFill>
+                  <a:srgbClr val="000000"/>
+                </a:solidFill>
+                <a:latin typeface="돋움체" panose="020B0609000101010101" pitchFamily="49" charset="-127"/>
+                <a:ea typeface="돋움체" panose="020B0609000101010101" pitchFamily="49" charset="-127"/>
+              </a:rPr>
+              <a:t> (round == = </a:t>
+            </a:r>
+            <a:r>
+              <a:rPr lang="en-US" altLang="ko-KR" sz="1000" dirty="0" err="1">
+                <a:solidFill>
+                  <a:srgbClr val="000000"/>
+                </a:solidFill>
+                <a:latin typeface="돋움체" panose="020B0609000101010101" pitchFamily="49" charset="-127"/>
+                <a:ea typeface="돋움체" panose="020B0609000101010101" pitchFamily="49" charset="-127"/>
+              </a:rPr>
+              <a:t>numCountries</a:t>
+            </a:r>
+            <a:r>
+              <a:rPr lang="en-US" altLang="ko-KR" sz="1000" dirty="0">
+                <a:solidFill>
+                  <a:srgbClr val="000000"/>
+                </a:solidFill>
+                <a:latin typeface="돋움체" panose="020B0609000101010101" pitchFamily="49" charset="-127"/>
+                <a:ea typeface="돋움체" panose="020B0609000101010101" pitchFamily="49" charset="-127"/>
+              </a:rPr>
+              <a:t>) </a:t>
+            </a:r>
+          </a:p>
+          <a:p>
+            <a:r>
+              <a:rPr lang="ko-KR" altLang="en-US" sz="1000" dirty="0">
+                <a:solidFill>
+                  <a:srgbClr val="000000"/>
+                </a:solidFill>
+                <a:latin typeface="돋움체" panose="020B0609000101010101" pitchFamily="49" charset="-127"/>
+                <a:ea typeface="돋움체" panose="020B0609000101010101" pitchFamily="49" charset="-127"/>
+              </a:rPr>
+              <a:t>    </a:t>
+            </a:r>
+            <a:r>
+              <a:rPr lang="en-US" altLang="ko-KR" sz="1000" dirty="0">
+                <a:solidFill>
+                  <a:srgbClr val="000000"/>
+                </a:solidFill>
+                <a:latin typeface="돋움체" panose="020B0609000101010101" pitchFamily="49" charset="-127"/>
+                <a:ea typeface="돋움체" panose="020B0609000101010101" pitchFamily="49" charset="-127"/>
+              </a:rPr>
+              <a:t>{</a:t>
+            </a:r>
+          </a:p>
+          <a:p>
+            <a:r>
+              <a:rPr lang="en-US" altLang="ko-KR" sz="1000" dirty="0">
+                <a:solidFill>
+                  <a:srgbClr val="000000"/>
+                </a:solidFill>
+                <a:latin typeface="돋움체" panose="020B0609000101010101" pitchFamily="49" charset="-127"/>
+                <a:ea typeface="돋움체" panose="020B0609000101010101" pitchFamily="49" charset="-127"/>
+              </a:rPr>
+              <a:t>        </a:t>
+            </a:r>
+            <a:r>
+              <a:rPr lang="en-US" altLang="ko-KR" sz="1000" dirty="0">
+                <a:solidFill>
+                  <a:srgbClr val="0000FF"/>
+                </a:solidFill>
+                <a:latin typeface="돋움체" panose="020B0609000101010101" pitchFamily="49" charset="-127"/>
+                <a:ea typeface="돋움체" panose="020B0609000101010101" pitchFamily="49" charset="-127"/>
+              </a:rPr>
+              <a:t>return</a:t>
+            </a:r>
+            <a:r>
+              <a:rPr lang="en-US" altLang="ko-KR" sz="1000" dirty="0">
+                <a:solidFill>
+                  <a:srgbClr val="000000"/>
+                </a:solidFill>
+                <a:latin typeface="돋움체" panose="020B0609000101010101" pitchFamily="49" charset="-127"/>
+                <a:ea typeface="돋움체" panose="020B0609000101010101" pitchFamily="49" charset="-127"/>
+              </a:rPr>
+              <a:t> 0; </a:t>
+            </a:r>
+            <a:r>
+              <a:rPr lang="ko-KR" altLang="en-US" sz="1000" dirty="0">
+                <a:solidFill>
+                  <a:srgbClr val="000000"/>
+                </a:solidFill>
+                <a:latin typeface="돋움체" panose="020B0609000101010101" pitchFamily="49" charset="-127"/>
+                <a:ea typeface="돋움체" panose="020B0609000101010101" pitchFamily="49" charset="-127"/>
+              </a:rPr>
+              <a:t>모든 라운드를 종료하면 </a:t>
+            </a:r>
+            <a:r>
+              <a:rPr lang="en-US" altLang="ko-KR" sz="1000" dirty="0">
+                <a:solidFill>
+                  <a:srgbClr val="000000"/>
+                </a:solidFill>
+                <a:latin typeface="돋움체" panose="020B0609000101010101" pitchFamily="49" charset="-127"/>
+                <a:ea typeface="돋움체" panose="020B0609000101010101" pitchFamily="49" charset="-127"/>
+              </a:rPr>
+              <a:t>0</a:t>
+            </a:r>
+          </a:p>
+          <a:p>
+            <a:r>
+              <a:rPr lang="ko-KR" altLang="en-US" sz="1000" dirty="0">
+                <a:solidFill>
+                  <a:srgbClr val="000000"/>
+                </a:solidFill>
+                <a:latin typeface="돋움체" panose="020B0609000101010101" pitchFamily="49" charset="-127"/>
+                <a:ea typeface="돋움체" panose="020B0609000101010101" pitchFamily="49" charset="-127"/>
+              </a:rPr>
+              <a:t>    </a:t>
+            </a:r>
+            <a:r>
+              <a:rPr lang="en-US" altLang="ko-KR" sz="1000" dirty="0">
+                <a:solidFill>
+                  <a:srgbClr val="000000"/>
+                </a:solidFill>
+                <a:latin typeface="돋움체" panose="020B0609000101010101" pitchFamily="49" charset="-127"/>
+                <a:ea typeface="돋움체" panose="020B0609000101010101" pitchFamily="49" charset="-127"/>
+              </a:rPr>
+              <a:t>}</a:t>
+            </a:r>
+          </a:p>
+          <a:p>
+            <a:endParaRPr lang="ko-KR" altLang="en-US" sz="1000" dirty="0">
+              <a:solidFill>
+                <a:srgbClr val="000000"/>
+              </a:solidFill>
+              <a:latin typeface="돋움체" panose="020B0609000101010101" pitchFamily="49" charset="-127"/>
+              <a:ea typeface="돋움체" panose="020B0609000101010101" pitchFamily="49" charset="-127"/>
+            </a:endParaRPr>
+          </a:p>
+          <a:p>
+            <a:r>
+              <a:rPr lang="en-US" altLang="ko-KR" sz="1000" dirty="0">
+                <a:solidFill>
+                  <a:srgbClr val="000000"/>
+                </a:solidFill>
+                <a:latin typeface="돋움체" panose="020B0609000101010101" pitchFamily="49" charset="-127"/>
+                <a:ea typeface="돋움체" panose="020B0609000101010101" pitchFamily="49" charset="-127"/>
+              </a:rPr>
+              <a:t>    </a:t>
+            </a:r>
+            <a:r>
+              <a:rPr lang="en-US" altLang="ko-KR" sz="1000" dirty="0">
+                <a:solidFill>
+                  <a:srgbClr val="0000FF"/>
+                </a:solidFill>
+                <a:latin typeface="돋움체" panose="020B0609000101010101" pitchFamily="49" charset="-127"/>
+                <a:ea typeface="돋움체" panose="020B0609000101010101" pitchFamily="49" charset="-127"/>
+              </a:rPr>
+              <a:t>const</a:t>
+            </a:r>
+            <a:r>
+              <a:rPr lang="en-US" altLang="ko-KR" sz="1000" dirty="0">
+                <a:solidFill>
+                  <a:srgbClr val="000000"/>
+                </a:solidFill>
+                <a:latin typeface="돋움체" panose="020B0609000101010101" pitchFamily="49" charset="-127"/>
+                <a:ea typeface="돋움체" panose="020B0609000101010101" pitchFamily="49" charset="-127"/>
+              </a:rPr>
+              <a:t> result = </a:t>
+            </a:r>
+            <a:r>
+              <a:rPr lang="en-US" altLang="ko-KR" sz="1000" dirty="0" err="1">
+                <a:solidFill>
+                  <a:srgbClr val="000000"/>
+                </a:solidFill>
+                <a:latin typeface="돋움체" panose="020B0609000101010101" pitchFamily="49" charset="-127"/>
+                <a:ea typeface="돋움체" panose="020B0609000101010101" pitchFamily="49" charset="-127"/>
+              </a:rPr>
+              <a:t>playRound</a:t>
+            </a:r>
+            <a:r>
+              <a:rPr lang="en-US" altLang="ko-KR" sz="1000" dirty="0">
+                <a:solidFill>
+                  <a:srgbClr val="000000"/>
+                </a:solidFill>
+                <a:latin typeface="돋움체" panose="020B0609000101010101" pitchFamily="49" charset="-127"/>
+                <a:ea typeface="돋움체" panose="020B0609000101010101" pitchFamily="49" charset="-127"/>
+              </a:rPr>
+              <a:t>(round);</a:t>
+            </a:r>
+          </a:p>
+          <a:p>
+            <a:endParaRPr lang="ko-KR" altLang="en-US" sz="1000" dirty="0">
+              <a:solidFill>
+                <a:srgbClr val="000000"/>
+              </a:solidFill>
+              <a:latin typeface="돋움체" panose="020B0609000101010101" pitchFamily="49" charset="-127"/>
+              <a:ea typeface="돋움체" panose="020B0609000101010101" pitchFamily="49" charset="-127"/>
+            </a:endParaRPr>
+          </a:p>
+          <a:p>
+            <a:r>
+              <a:rPr lang="en-US" altLang="ko-KR" sz="1000" dirty="0">
+                <a:solidFill>
+                  <a:srgbClr val="000000"/>
+                </a:solidFill>
+                <a:latin typeface="돋움체" panose="020B0609000101010101" pitchFamily="49" charset="-127"/>
+                <a:ea typeface="돋움체" panose="020B0609000101010101" pitchFamily="49" charset="-127"/>
+              </a:rPr>
+              <a:t>    </a:t>
+            </a:r>
+            <a:r>
+              <a:rPr lang="en-US" altLang="ko-KR" sz="1000" dirty="0">
+                <a:solidFill>
+                  <a:srgbClr val="0000FF"/>
+                </a:solidFill>
+                <a:latin typeface="돋움체" panose="020B0609000101010101" pitchFamily="49" charset="-127"/>
+                <a:ea typeface="돋움체" panose="020B0609000101010101" pitchFamily="49" charset="-127"/>
+              </a:rPr>
+              <a:t>if</a:t>
+            </a:r>
+            <a:r>
+              <a:rPr lang="en-US" altLang="ko-KR" sz="1000" dirty="0">
+                <a:solidFill>
+                  <a:srgbClr val="000000"/>
+                </a:solidFill>
+                <a:latin typeface="돋움체" panose="020B0609000101010101" pitchFamily="49" charset="-127"/>
+                <a:ea typeface="돋움체" panose="020B0609000101010101" pitchFamily="49" charset="-127"/>
+              </a:rPr>
+              <a:t> (result == = 1) </a:t>
+            </a:r>
+          </a:p>
+          <a:p>
+            <a:r>
+              <a:rPr lang="ko-KR" altLang="en-US" sz="1000" dirty="0">
+                <a:solidFill>
+                  <a:srgbClr val="000000"/>
+                </a:solidFill>
+                <a:latin typeface="돋움체" panose="020B0609000101010101" pitchFamily="49" charset="-127"/>
+                <a:ea typeface="돋움체" panose="020B0609000101010101" pitchFamily="49" charset="-127"/>
+              </a:rPr>
+              <a:t>    </a:t>
+            </a:r>
+            <a:r>
+              <a:rPr lang="en-US" altLang="ko-KR" sz="1000" dirty="0">
+                <a:solidFill>
+                  <a:srgbClr val="000000"/>
+                </a:solidFill>
+                <a:latin typeface="돋움체" panose="020B0609000101010101" pitchFamily="49" charset="-127"/>
+                <a:ea typeface="돋움체" panose="020B0609000101010101" pitchFamily="49" charset="-127"/>
+              </a:rPr>
+              <a:t>{</a:t>
+            </a:r>
+          </a:p>
+          <a:p>
+            <a:r>
+              <a:rPr lang="en-US" altLang="ko-KR" sz="1000" dirty="0">
+                <a:solidFill>
+                  <a:srgbClr val="000000"/>
+                </a:solidFill>
+                <a:latin typeface="돋움체" panose="020B0609000101010101" pitchFamily="49" charset="-127"/>
+                <a:ea typeface="돋움체" panose="020B0609000101010101" pitchFamily="49" charset="-127"/>
+              </a:rPr>
+              <a:t>        </a:t>
+            </a:r>
+            <a:r>
+              <a:rPr lang="en-US" altLang="ko-KR" sz="1000" dirty="0">
+                <a:solidFill>
+                  <a:srgbClr val="0000FF"/>
+                </a:solidFill>
+                <a:latin typeface="돋움체" panose="020B0609000101010101" pitchFamily="49" charset="-127"/>
+                <a:ea typeface="돋움체" panose="020B0609000101010101" pitchFamily="49" charset="-127"/>
+              </a:rPr>
+              <a:t>return</a:t>
+            </a:r>
+            <a:r>
+              <a:rPr lang="en-US" altLang="ko-KR" sz="1000" dirty="0">
+                <a:solidFill>
+                  <a:srgbClr val="000000"/>
+                </a:solidFill>
+                <a:latin typeface="돋움체" panose="020B0609000101010101" pitchFamily="49" charset="-127"/>
+                <a:ea typeface="돋움체" panose="020B0609000101010101" pitchFamily="49" charset="-127"/>
+              </a:rPr>
+              <a:t> 1 + </a:t>
+            </a:r>
+            <a:r>
+              <a:rPr lang="en-US" altLang="ko-KR" sz="1000" dirty="0" err="1">
+                <a:solidFill>
+                  <a:srgbClr val="000000"/>
+                </a:solidFill>
+                <a:latin typeface="돋움체" panose="020B0609000101010101" pitchFamily="49" charset="-127"/>
+                <a:ea typeface="돋움체" panose="020B0609000101010101" pitchFamily="49" charset="-127"/>
+              </a:rPr>
+              <a:t>playGame</a:t>
+            </a:r>
+            <a:r>
+              <a:rPr lang="en-US" altLang="ko-KR" sz="1000" dirty="0">
+                <a:solidFill>
+                  <a:srgbClr val="000000"/>
+                </a:solidFill>
+                <a:latin typeface="돋움체" panose="020B0609000101010101" pitchFamily="49" charset="-127"/>
+                <a:ea typeface="돋움체" panose="020B0609000101010101" pitchFamily="49" charset="-127"/>
+              </a:rPr>
+              <a:t>(round + 1);</a:t>
+            </a:r>
+          </a:p>
+          <a:p>
+            <a:r>
+              <a:rPr lang="ko-KR" altLang="en-US" sz="1000" dirty="0">
+                <a:solidFill>
+                  <a:srgbClr val="000000"/>
+                </a:solidFill>
+                <a:latin typeface="돋움체" panose="020B0609000101010101" pitchFamily="49" charset="-127"/>
+                <a:ea typeface="돋움체" panose="020B0609000101010101" pitchFamily="49" charset="-127"/>
+              </a:rPr>
+              <a:t>    </a:t>
+            </a:r>
+            <a:r>
+              <a:rPr lang="en-US" altLang="ko-KR" sz="1000" dirty="0">
+                <a:solidFill>
+                  <a:srgbClr val="000000"/>
+                </a:solidFill>
+                <a:latin typeface="돋움체" panose="020B0609000101010101" pitchFamily="49" charset="-127"/>
+                <a:ea typeface="돋움체" panose="020B0609000101010101" pitchFamily="49" charset="-127"/>
+              </a:rPr>
+              <a:t>}</a:t>
+            </a:r>
+          </a:p>
+          <a:p>
+            <a:r>
+              <a:rPr lang="en-US" altLang="ko-KR" sz="1000" dirty="0">
+                <a:solidFill>
+                  <a:srgbClr val="000000"/>
+                </a:solidFill>
+                <a:latin typeface="돋움체" panose="020B0609000101010101" pitchFamily="49" charset="-127"/>
+                <a:ea typeface="돋움체" panose="020B0609000101010101" pitchFamily="49" charset="-127"/>
+              </a:rPr>
+              <a:t>    </a:t>
+            </a:r>
+            <a:r>
+              <a:rPr lang="en-US" altLang="ko-KR" sz="1000" dirty="0">
+                <a:solidFill>
+                  <a:srgbClr val="0000FF"/>
+                </a:solidFill>
+                <a:latin typeface="돋움체" panose="020B0609000101010101" pitchFamily="49" charset="-127"/>
+                <a:ea typeface="돋움체" panose="020B0609000101010101" pitchFamily="49" charset="-127"/>
+              </a:rPr>
+              <a:t>else</a:t>
+            </a:r>
+            <a:r>
+              <a:rPr lang="en-US" altLang="ko-KR" sz="1000" dirty="0">
+                <a:solidFill>
+                  <a:srgbClr val="000000"/>
+                </a:solidFill>
+                <a:latin typeface="돋움체" panose="020B0609000101010101" pitchFamily="49" charset="-127"/>
+                <a:ea typeface="돋움체" panose="020B0609000101010101" pitchFamily="49" charset="-127"/>
+              </a:rPr>
+              <a:t> </a:t>
+            </a:r>
+            <a:r>
+              <a:rPr lang="en-US" altLang="ko-KR" sz="1000" dirty="0">
+                <a:solidFill>
+                  <a:srgbClr val="0000FF"/>
+                </a:solidFill>
+                <a:latin typeface="돋움체" panose="020B0609000101010101" pitchFamily="49" charset="-127"/>
+                <a:ea typeface="돋움체" panose="020B0609000101010101" pitchFamily="49" charset="-127"/>
+              </a:rPr>
+              <a:t>if</a:t>
+            </a:r>
+            <a:r>
+              <a:rPr lang="en-US" altLang="ko-KR" sz="1000" dirty="0">
+                <a:solidFill>
+                  <a:srgbClr val="000000"/>
+                </a:solidFill>
+                <a:latin typeface="돋움체" panose="020B0609000101010101" pitchFamily="49" charset="-127"/>
+                <a:ea typeface="돋움체" panose="020B0609000101010101" pitchFamily="49" charset="-127"/>
+              </a:rPr>
+              <a:t> (result == = -1) </a:t>
+            </a:r>
+          </a:p>
+          <a:p>
+            <a:r>
+              <a:rPr lang="ko-KR" altLang="en-US" sz="1000" dirty="0">
+                <a:solidFill>
+                  <a:srgbClr val="000000"/>
+                </a:solidFill>
+                <a:latin typeface="돋움체" panose="020B0609000101010101" pitchFamily="49" charset="-127"/>
+                <a:ea typeface="돋움체" panose="020B0609000101010101" pitchFamily="49" charset="-127"/>
+              </a:rPr>
+              <a:t>    </a:t>
+            </a:r>
+            <a:r>
+              <a:rPr lang="en-US" altLang="ko-KR" sz="1000" dirty="0">
+                <a:solidFill>
+                  <a:srgbClr val="000000"/>
+                </a:solidFill>
+                <a:latin typeface="돋움체" panose="020B0609000101010101" pitchFamily="49" charset="-127"/>
+                <a:ea typeface="돋움체" panose="020B0609000101010101" pitchFamily="49" charset="-127"/>
+              </a:rPr>
+              <a:t>{</a:t>
+            </a:r>
+          </a:p>
+          <a:p>
+            <a:r>
+              <a:rPr lang="en-US" altLang="ko-KR" sz="1000" dirty="0">
+                <a:solidFill>
+                  <a:srgbClr val="000000"/>
+                </a:solidFill>
+                <a:latin typeface="돋움체" panose="020B0609000101010101" pitchFamily="49" charset="-127"/>
+                <a:ea typeface="돋움체" panose="020B0609000101010101" pitchFamily="49" charset="-127"/>
+              </a:rPr>
+              <a:t>        </a:t>
+            </a:r>
+            <a:r>
+              <a:rPr lang="en-US" altLang="ko-KR" sz="1000" dirty="0">
+                <a:solidFill>
+                  <a:srgbClr val="0000FF"/>
+                </a:solidFill>
+                <a:latin typeface="돋움체" panose="020B0609000101010101" pitchFamily="49" charset="-127"/>
+                <a:ea typeface="돋움체" panose="020B0609000101010101" pitchFamily="49" charset="-127"/>
+              </a:rPr>
+              <a:t>return</a:t>
+            </a:r>
+            <a:r>
+              <a:rPr lang="en-US" altLang="ko-KR" sz="1000" dirty="0">
+                <a:solidFill>
+                  <a:srgbClr val="000000"/>
+                </a:solidFill>
+                <a:latin typeface="돋움체" panose="020B0609000101010101" pitchFamily="49" charset="-127"/>
+                <a:ea typeface="돋움체" panose="020B0609000101010101" pitchFamily="49" charset="-127"/>
+              </a:rPr>
+              <a:t> 0;</a:t>
+            </a:r>
+          </a:p>
+          <a:p>
+            <a:r>
+              <a:rPr lang="ko-KR" altLang="en-US" sz="1000" dirty="0">
+                <a:solidFill>
+                  <a:srgbClr val="000000"/>
+                </a:solidFill>
+                <a:latin typeface="돋움체" panose="020B0609000101010101" pitchFamily="49" charset="-127"/>
+                <a:ea typeface="돋움체" panose="020B0609000101010101" pitchFamily="49" charset="-127"/>
+              </a:rPr>
+              <a:t>    </a:t>
+            </a:r>
+            <a:r>
+              <a:rPr lang="en-US" altLang="ko-KR" sz="1000" dirty="0">
+                <a:solidFill>
+                  <a:srgbClr val="000000"/>
+                </a:solidFill>
+                <a:latin typeface="돋움체" panose="020B0609000101010101" pitchFamily="49" charset="-127"/>
+                <a:ea typeface="돋움체" panose="020B0609000101010101" pitchFamily="49" charset="-127"/>
+              </a:rPr>
+              <a:t>}</a:t>
+            </a:r>
+          </a:p>
+          <a:p>
+            <a:r>
+              <a:rPr lang="en-US" altLang="ko-KR" sz="1000" dirty="0">
+                <a:solidFill>
+                  <a:srgbClr val="000000"/>
+                </a:solidFill>
+                <a:latin typeface="돋움체" panose="020B0609000101010101" pitchFamily="49" charset="-127"/>
+                <a:ea typeface="돋움체" panose="020B0609000101010101" pitchFamily="49" charset="-127"/>
+              </a:rPr>
+              <a:t>    </a:t>
+            </a:r>
+            <a:r>
+              <a:rPr lang="en-US" altLang="ko-KR" sz="1000" dirty="0">
+                <a:solidFill>
+                  <a:srgbClr val="0000FF"/>
+                </a:solidFill>
+                <a:latin typeface="돋움체" panose="020B0609000101010101" pitchFamily="49" charset="-127"/>
+                <a:ea typeface="돋움체" panose="020B0609000101010101" pitchFamily="49" charset="-127"/>
+              </a:rPr>
+              <a:t>else</a:t>
+            </a:r>
+            <a:r>
+              <a:rPr lang="en-US" altLang="ko-KR" sz="1000" dirty="0">
+                <a:solidFill>
+                  <a:srgbClr val="000000"/>
+                </a:solidFill>
+                <a:latin typeface="돋움체" panose="020B0609000101010101" pitchFamily="49" charset="-127"/>
+                <a:ea typeface="돋움체" panose="020B0609000101010101" pitchFamily="49" charset="-127"/>
+              </a:rPr>
+              <a:t> </a:t>
+            </a:r>
+          </a:p>
+          <a:p>
+            <a:r>
+              <a:rPr lang="ko-KR" altLang="en-US" sz="1000" dirty="0">
+                <a:solidFill>
+                  <a:srgbClr val="000000"/>
+                </a:solidFill>
+                <a:latin typeface="돋움체" panose="020B0609000101010101" pitchFamily="49" charset="-127"/>
+                <a:ea typeface="돋움체" panose="020B0609000101010101" pitchFamily="49" charset="-127"/>
+              </a:rPr>
+              <a:t>    </a:t>
+            </a:r>
+            <a:r>
+              <a:rPr lang="en-US" altLang="ko-KR" sz="1000" dirty="0">
+                <a:solidFill>
+                  <a:srgbClr val="000000"/>
+                </a:solidFill>
+                <a:latin typeface="돋움체" panose="020B0609000101010101" pitchFamily="49" charset="-127"/>
+                <a:ea typeface="돋움체" panose="020B0609000101010101" pitchFamily="49" charset="-127"/>
+              </a:rPr>
+              <a:t>{</a:t>
+            </a:r>
+          </a:p>
+          <a:p>
+            <a:r>
+              <a:rPr lang="en-US" altLang="ko-KR" sz="1000" dirty="0">
+                <a:solidFill>
+                  <a:srgbClr val="000000"/>
+                </a:solidFill>
+                <a:latin typeface="돋움체" panose="020B0609000101010101" pitchFamily="49" charset="-127"/>
+                <a:ea typeface="돋움체" panose="020B0609000101010101" pitchFamily="49" charset="-127"/>
+              </a:rPr>
+              <a:t>        </a:t>
+            </a:r>
+            <a:r>
+              <a:rPr lang="en-US" altLang="ko-KR" sz="1000" dirty="0">
+                <a:solidFill>
+                  <a:srgbClr val="0000FF"/>
+                </a:solidFill>
+                <a:latin typeface="돋움체" panose="020B0609000101010101" pitchFamily="49" charset="-127"/>
+                <a:ea typeface="돋움체" panose="020B0609000101010101" pitchFamily="49" charset="-127"/>
+              </a:rPr>
+              <a:t>return</a:t>
+            </a:r>
+            <a:r>
+              <a:rPr lang="en-US" altLang="ko-KR" sz="1000" dirty="0">
+                <a:solidFill>
+                  <a:srgbClr val="000000"/>
+                </a:solidFill>
+                <a:latin typeface="돋움체" panose="020B0609000101010101" pitchFamily="49" charset="-127"/>
+                <a:ea typeface="돋움체" panose="020B0609000101010101" pitchFamily="49" charset="-127"/>
+              </a:rPr>
+              <a:t> </a:t>
+            </a:r>
+            <a:r>
+              <a:rPr lang="en-US" altLang="ko-KR" sz="1000" dirty="0" err="1">
+                <a:solidFill>
+                  <a:srgbClr val="000000"/>
+                </a:solidFill>
+                <a:latin typeface="돋움체" panose="020B0609000101010101" pitchFamily="49" charset="-127"/>
+                <a:ea typeface="돋움체" panose="020B0609000101010101" pitchFamily="49" charset="-127"/>
+              </a:rPr>
+              <a:t>playGame</a:t>
+            </a:r>
+            <a:r>
+              <a:rPr lang="en-US" altLang="ko-KR" sz="1000" dirty="0">
+                <a:solidFill>
+                  <a:srgbClr val="000000"/>
+                </a:solidFill>
+                <a:latin typeface="돋움체" panose="020B0609000101010101" pitchFamily="49" charset="-127"/>
+                <a:ea typeface="돋움체" panose="020B0609000101010101" pitchFamily="49" charset="-127"/>
+              </a:rPr>
+              <a:t>(round + 1);</a:t>
+            </a:r>
+          </a:p>
+          <a:p>
+            <a:r>
+              <a:rPr lang="ko-KR" altLang="en-US" sz="1000" dirty="0">
+                <a:solidFill>
+                  <a:srgbClr val="000000"/>
+                </a:solidFill>
+                <a:latin typeface="돋움체" panose="020B0609000101010101" pitchFamily="49" charset="-127"/>
+                <a:ea typeface="돋움체" panose="020B0609000101010101" pitchFamily="49" charset="-127"/>
+              </a:rPr>
+              <a:t>    </a:t>
+            </a:r>
+            <a:r>
+              <a:rPr lang="en-US" altLang="ko-KR" sz="1000" dirty="0">
+                <a:solidFill>
+                  <a:srgbClr val="000000"/>
+                </a:solidFill>
+                <a:latin typeface="돋움체" panose="020B0609000101010101" pitchFamily="49" charset="-127"/>
+                <a:ea typeface="돋움체" panose="020B0609000101010101" pitchFamily="49" charset="-127"/>
+              </a:rPr>
+              <a:t>}</a:t>
+            </a:r>
+          </a:p>
+          <a:p>
+            <a:r>
+              <a:rPr lang="en-US" altLang="ko-KR" sz="1000" dirty="0">
+                <a:solidFill>
+                  <a:srgbClr val="000000"/>
+                </a:solidFill>
+                <a:latin typeface="돋움체" panose="020B0609000101010101" pitchFamily="49" charset="-127"/>
+                <a:ea typeface="돋움체" panose="020B0609000101010101" pitchFamily="49" charset="-127"/>
+              </a:rPr>
+              <a:t>};</a:t>
+            </a:r>
+          </a:p>
+          <a:p>
+            <a:endParaRPr lang="ko-KR" altLang="en-US" sz="1000" dirty="0">
+              <a:solidFill>
+                <a:srgbClr val="000000"/>
+              </a:solidFill>
+              <a:latin typeface="돋움체" panose="020B0609000101010101" pitchFamily="49" charset="-127"/>
+              <a:ea typeface="돋움체" panose="020B0609000101010101" pitchFamily="49" charset="-127"/>
+            </a:endParaRPr>
+          </a:p>
+          <a:p>
+            <a:r>
+              <a:rPr lang="en-US" altLang="ko-KR" sz="1000" dirty="0">
+                <a:solidFill>
+                  <a:srgbClr val="0000FF"/>
+                </a:solidFill>
+                <a:latin typeface="돋움체" panose="020B0609000101010101" pitchFamily="49" charset="-127"/>
+                <a:ea typeface="돋움체" panose="020B0609000101010101" pitchFamily="49" charset="-127"/>
+              </a:rPr>
+              <a:t>const</a:t>
+            </a:r>
+            <a:r>
+              <a:rPr lang="en-US" altLang="ko-KR" sz="1000" dirty="0">
+                <a:solidFill>
+                  <a:srgbClr val="000000"/>
+                </a:solidFill>
+                <a:latin typeface="돋움체" panose="020B0609000101010101" pitchFamily="49" charset="-127"/>
+                <a:ea typeface="돋움체" panose="020B0609000101010101" pitchFamily="49" charset="-127"/>
+              </a:rPr>
+              <a:t> main = () = &gt; {</a:t>
+            </a:r>
+          </a:p>
+          <a:p>
+            <a:r>
+              <a:rPr lang="en-US" altLang="ko-KR" sz="1000" dirty="0">
+                <a:solidFill>
+                  <a:srgbClr val="000000"/>
+                </a:solidFill>
+                <a:latin typeface="돋움체" panose="020B0609000101010101" pitchFamily="49" charset="-127"/>
+                <a:ea typeface="돋움체" panose="020B0609000101010101" pitchFamily="49" charset="-127"/>
+              </a:rPr>
+              <a:t>    </a:t>
+            </a:r>
+            <a:r>
+              <a:rPr lang="en-US" altLang="ko-KR" sz="1000" dirty="0" err="1">
+                <a:solidFill>
+                  <a:srgbClr val="000000"/>
+                </a:solidFill>
+                <a:latin typeface="돋움체" panose="020B0609000101010101" pitchFamily="49" charset="-127"/>
+                <a:ea typeface="돋움체" panose="020B0609000101010101" pitchFamily="49" charset="-127"/>
+              </a:rPr>
+              <a:t>shuffleCountries</a:t>
+            </a:r>
+            <a:r>
+              <a:rPr lang="en-US" altLang="ko-KR" sz="1000" dirty="0">
+                <a:solidFill>
+                  <a:srgbClr val="000000"/>
+                </a:solidFill>
+                <a:latin typeface="돋움체" panose="020B0609000101010101" pitchFamily="49" charset="-127"/>
+                <a:ea typeface="돋움체" panose="020B0609000101010101" pitchFamily="49" charset="-127"/>
+              </a:rPr>
+              <a:t>(); //</a:t>
+            </a:r>
+            <a:r>
+              <a:rPr lang="ko-KR" altLang="en-US" sz="1000" dirty="0">
+                <a:solidFill>
+                  <a:srgbClr val="000000"/>
+                </a:solidFill>
+                <a:latin typeface="돋움체" panose="020B0609000101010101" pitchFamily="49" charset="-127"/>
+                <a:ea typeface="돋움체" panose="020B0609000101010101" pitchFamily="49" charset="-127"/>
+              </a:rPr>
+              <a:t>나라 </a:t>
+            </a:r>
+            <a:r>
+              <a:rPr lang="ko-KR" altLang="en-US" sz="1000" dirty="0" err="1">
+                <a:solidFill>
+                  <a:srgbClr val="000000"/>
+                </a:solidFill>
+                <a:latin typeface="돋움체" panose="020B0609000101010101" pitchFamily="49" charset="-127"/>
+                <a:ea typeface="돋움체" panose="020B0609000101010101" pitchFamily="49" charset="-127"/>
+              </a:rPr>
+              <a:t>순서섞기</a:t>
+            </a:r>
+            <a:endParaRPr lang="en-US" altLang="ko-KR" sz="1000" dirty="0">
+              <a:solidFill>
+                <a:srgbClr val="000000"/>
+              </a:solidFill>
+              <a:latin typeface="돋움체" panose="020B0609000101010101" pitchFamily="49" charset="-127"/>
+              <a:ea typeface="돋움체" panose="020B0609000101010101" pitchFamily="49" charset="-127"/>
+            </a:endParaRPr>
+          </a:p>
+          <a:p>
+            <a:r>
+              <a:rPr lang="en-US" altLang="ko-KR" sz="1000" dirty="0">
+                <a:solidFill>
+                  <a:srgbClr val="000000"/>
+                </a:solidFill>
+                <a:latin typeface="돋움체" panose="020B0609000101010101" pitchFamily="49" charset="-127"/>
+                <a:ea typeface="돋움체" panose="020B0609000101010101" pitchFamily="49" charset="-127"/>
+              </a:rPr>
+              <a:t>    </a:t>
+            </a:r>
+            <a:r>
+              <a:rPr lang="en-US" altLang="ko-KR" sz="1000" dirty="0">
+                <a:solidFill>
+                  <a:srgbClr val="0000FF"/>
+                </a:solidFill>
+                <a:latin typeface="돋움체" panose="020B0609000101010101" pitchFamily="49" charset="-127"/>
+                <a:ea typeface="돋움체" panose="020B0609000101010101" pitchFamily="49" charset="-127"/>
+              </a:rPr>
+              <a:t>const</a:t>
+            </a:r>
+            <a:r>
+              <a:rPr lang="en-US" altLang="ko-KR" sz="1000" dirty="0">
+                <a:solidFill>
+                  <a:srgbClr val="000000"/>
+                </a:solidFill>
+                <a:latin typeface="돋움체" panose="020B0609000101010101" pitchFamily="49" charset="-127"/>
+                <a:ea typeface="돋움체" panose="020B0609000101010101" pitchFamily="49" charset="-127"/>
+              </a:rPr>
+              <a:t> score = </a:t>
+            </a:r>
+            <a:r>
+              <a:rPr lang="en-US" altLang="ko-KR" sz="1000" dirty="0" err="1">
+                <a:solidFill>
+                  <a:srgbClr val="000000"/>
+                </a:solidFill>
+                <a:latin typeface="돋움체" panose="020B0609000101010101" pitchFamily="49" charset="-127"/>
+                <a:ea typeface="돋움체" panose="020B0609000101010101" pitchFamily="49" charset="-127"/>
+              </a:rPr>
+              <a:t>playGame</a:t>
+            </a:r>
+            <a:r>
+              <a:rPr lang="en-US" altLang="ko-KR" sz="1000" dirty="0">
+                <a:solidFill>
+                  <a:srgbClr val="000000"/>
+                </a:solidFill>
+                <a:latin typeface="돋움체" panose="020B0609000101010101" pitchFamily="49" charset="-127"/>
+                <a:ea typeface="돋움체" panose="020B0609000101010101" pitchFamily="49" charset="-127"/>
+              </a:rPr>
+              <a:t>(0);</a:t>
+            </a:r>
+          </a:p>
+          <a:p>
+            <a:endParaRPr lang="ko-KR" altLang="en-US" sz="1000" dirty="0">
+              <a:solidFill>
+                <a:srgbClr val="000000"/>
+              </a:solidFill>
+              <a:latin typeface="돋움체" panose="020B0609000101010101" pitchFamily="49" charset="-127"/>
+              <a:ea typeface="돋움체" panose="020B0609000101010101" pitchFamily="49" charset="-127"/>
+            </a:endParaRPr>
+          </a:p>
+          <a:p>
+            <a:r>
+              <a:rPr lang="en-US" altLang="ko-KR" sz="1000" dirty="0">
+                <a:solidFill>
+                  <a:srgbClr val="000000"/>
+                </a:solidFill>
+                <a:latin typeface="돋움체" panose="020B0609000101010101" pitchFamily="49" charset="-127"/>
+                <a:ea typeface="돋움체" panose="020B0609000101010101" pitchFamily="49" charset="-127"/>
+              </a:rPr>
+              <a:t>    </a:t>
+            </a:r>
+            <a:r>
+              <a:rPr lang="en-US" altLang="ko-KR" sz="1000" dirty="0">
+                <a:solidFill>
+                  <a:srgbClr val="0000FF"/>
+                </a:solidFill>
+                <a:latin typeface="돋움체" panose="020B0609000101010101" pitchFamily="49" charset="-127"/>
+                <a:ea typeface="돋움체" panose="020B0609000101010101" pitchFamily="49" charset="-127"/>
+              </a:rPr>
+              <a:t>if</a:t>
+            </a:r>
+            <a:r>
+              <a:rPr lang="en-US" altLang="ko-KR" sz="1000" dirty="0">
+                <a:solidFill>
+                  <a:srgbClr val="000000"/>
+                </a:solidFill>
+                <a:latin typeface="돋움체" panose="020B0609000101010101" pitchFamily="49" charset="-127"/>
+                <a:ea typeface="돋움체" panose="020B0609000101010101" pitchFamily="49" charset="-127"/>
+              </a:rPr>
+              <a:t> (score != = -1) </a:t>
+            </a:r>
+          </a:p>
+          <a:p>
+            <a:r>
+              <a:rPr lang="ko-KR" altLang="en-US" sz="1000" dirty="0">
+                <a:solidFill>
+                  <a:srgbClr val="000000"/>
+                </a:solidFill>
+                <a:latin typeface="돋움체" panose="020B0609000101010101" pitchFamily="49" charset="-127"/>
+                <a:ea typeface="돋움체" panose="020B0609000101010101" pitchFamily="49" charset="-127"/>
+              </a:rPr>
+              <a:t>    </a:t>
+            </a:r>
+            <a:r>
+              <a:rPr lang="en-US" altLang="ko-KR" sz="1000" dirty="0">
+                <a:solidFill>
+                  <a:srgbClr val="000000"/>
+                </a:solidFill>
+                <a:latin typeface="돋움체" panose="020B0609000101010101" pitchFamily="49" charset="-127"/>
+                <a:ea typeface="돋움체" panose="020B0609000101010101" pitchFamily="49" charset="-127"/>
+              </a:rPr>
+              <a:t>{</a:t>
+            </a:r>
+          </a:p>
+          <a:p>
+            <a:r>
+              <a:rPr lang="en-US" altLang="ko-KR" sz="1000" dirty="0">
+                <a:solidFill>
+                  <a:srgbClr val="000000"/>
+                </a:solidFill>
+                <a:latin typeface="돋움체" panose="020B0609000101010101" pitchFamily="49" charset="-127"/>
+                <a:ea typeface="돋움체" panose="020B0609000101010101" pitchFamily="49" charset="-127"/>
+              </a:rPr>
+              <a:t>        console.log(</a:t>
+            </a:r>
+            <a:r>
+              <a:rPr lang="en-US" altLang="ko-KR" sz="1000" dirty="0">
+                <a:solidFill>
+                  <a:srgbClr val="A31515"/>
+                </a:solidFill>
+                <a:latin typeface="돋움체" panose="020B0609000101010101" pitchFamily="49" charset="-127"/>
+                <a:ea typeface="돋움체" panose="020B0609000101010101" pitchFamily="49" charset="-127"/>
+              </a:rPr>
+              <a:t>"</a:t>
+            </a:r>
+            <a:r>
+              <a:rPr lang="ko-KR" altLang="en-US" sz="1000" dirty="0">
+                <a:solidFill>
+                  <a:srgbClr val="A31515"/>
+                </a:solidFill>
+                <a:latin typeface="돋움체" panose="020B0609000101010101" pitchFamily="49" charset="-127"/>
+                <a:ea typeface="돋움체" panose="020B0609000101010101" pitchFamily="49" charset="-127"/>
+              </a:rPr>
+              <a:t>게임 종료</a:t>
+            </a:r>
+            <a:r>
+              <a:rPr lang="en-US" altLang="ko-KR" sz="1000" dirty="0">
+                <a:solidFill>
+                  <a:srgbClr val="A31515"/>
+                </a:solidFill>
+                <a:latin typeface="돋움체" panose="020B0609000101010101" pitchFamily="49" charset="-127"/>
+                <a:ea typeface="돋움체" panose="020B0609000101010101" pitchFamily="49" charset="-127"/>
+              </a:rPr>
+              <a:t>"</a:t>
+            </a:r>
+            <a:r>
+              <a:rPr lang="en-US" altLang="ko-KR" sz="1000" dirty="0">
+                <a:solidFill>
+                  <a:srgbClr val="000000"/>
+                </a:solidFill>
+                <a:latin typeface="돋움체" panose="020B0609000101010101" pitchFamily="49" charset="-127"/>
+                <a:ea typeface="돋움체" panose="020B0609000101010101" pitchFamily="49" charset="-127"/>
+              </a:rPr>
+              <a:t>);</a:t>
+            </a:r>
+          </a:p>
+          <a:p>
+            <a:r>
+              <a:rPr lang="en-US" altLang="ko-KR" sz="1000" dirty="0">
+                <a:solidFill>
+                  <a:srgbClr val="000000"/>
+                </a:solidFill>
+                <a:latin typeface="돋움체" panose="020B0609000101010101" pitchFamily="49" charset="-127"/>
+                <a:ea typeface="돋움체" panose="020B0609000101010101" pitchFamily="49" charset="-127"/>
+              </a:rPr>
+              <a:t>        console.log(</a:t>
+            </a:r>
+            <a:r>
+              <a:rPr lang="en-US" altLang="ko-KR" sz="1000" dirty="0">
+                <a:solidFill>
+                  <a:srgbClr val="A31515"/>
+                </a:solidFill>
+                <a:latin typeface="돋움체" panose="020B0609000101010101" pitchFamily="49" charset="-127"/>
+                <a:ea typeface="돋움체" panose="020B0609000101010101" pitchFamily="49" charset="-127"/>
+              </a:rPr>
+              <a:t>"</a:t>
+            </a:r>
+            <a:r>
+              <a:rPr lang="ko-KR" altLang="en-US" sz="1000" dirty="0">
+                <a:solidFill>
+                  <a:srgbClr val="A31515"/>
+                </a:solidFill>
+                <a:latin typeface="돋움체" panose="020B0609000101010101" pitchFamily="49" charset="-127"/>
+                <a:ea typeface="돋움체" panose="020B0609000101010101" pitchFamily="49" charset="-127"/>
+              </a:rPr>
+              <a:t>총 점수</a:t>
+            </a:r>
+            <a:r>
+              <a:rPr lang="en-US" altLang="ko-KR" sz="1000" dirty="0">
+                <a:solidFill>
+                  <a:srgbClr val="A31515"/>
+                </a:solidFill>
+                <a:latin typeface="돋움체" panose="020B0609000101010101" pitchFamily="49" charset="-127"/>
+                <a:ea typeface="돋움체" panose="020B0609000101010101" pitchFamily="49" charset="-127"/>
+              </a:rPr>
+              <a:t>: "</a:t>
+            </a:r>
+            <a:r>
+              <a:rPr lang="ko-KR" altLang="en-US" sz="1000" dirty="0">
+                <a:solidFill>
+                  <a:srgbClr val="000000"/>
+                </a:solidFill>
+                <a:latin typeface="돋움체" panose="020B0609000101010101" pitchFamily="49" charset="-127"/>
+                <a:ea typeface="돋움체" panose="020B0609000101010101" pitchFamily="49" charset="-127"/>
+              </a:rPr>
+              <a:t> </a:t>
+            </a:r>
+            <a:r>
+              <a:rPr lang="en-US" altLang="ko-KR" sz="1000" dirty="0">
+                <a:solidFill>
+                  <a:srgbClr val="000000"/>
+                </a:solidFill>
+                <a:latin typeface="돋움체" panose="020B0609000101010101" pitchFamily="49" charset="-127"/>
+                <a:ea typeface="돋움체" panose="020B0609000101010101" pitchFamily="49" charset="-127"/>
+              </a:rPr>
+              <a:t>+ score);</a:t>
+            </a:r>
+          </a:p>
+          <a:p>
+            <a:r>
+              <a:rPr lang="ko-KR" altLang="en-US" sz="1000" dirty="0">
+                <a:solidFill>
+                  <a:srgbClr val="000000"/>
+                </a:solidFill>
+                <a:latin typeface="돋움체" panose="020B0609000101010101" pitchFamily="49" charset="-127"/>
+                <a:ea typeface="돋움체" panose="020B0609000101010101" pitchFamily="49" charset="-127"/>
+              </a:rPr>
+              <a:t>    </a:t>
+            </a:r>
+            <a:r>
+              <a:rPr lang="en-US" altLang="ko-KR" sz="1000" dirty="0">
+                <a:solidFill>
+                  <a:srgbClr val="000000"/>
+                </a:solidFill>
+                <a:latin typeface="돋움체" panose="020B0609000101010101" pitchFamily="49" charset="-127"/>
+                <a:ea typeface="돋움체" panose="020B0609000101010101" pitchFamily="49" charset="-127"/>
+              </a:rPr>
+              <a:t>}</a:t>
+            </a:r>
+          </a:p>
+          <a:p>
+            <a:r>
+              <a:rPr lang="en-US" altLang="ko-KR" sz="1000" dirty="0">
+                <a:solidFill>
+                  <a:srgbClr val="000000"/>
+                </a:solidFill>
+                <a:latin typeface="돋움체" panose="020B0609000101010101" pitchFamily="49" charset="-127"/>
+                <a:ea typeface="돋움체" panose="020B0609000101010101" pitchFamily="49" charset="-127"/>
+              </a:rPr>
+              <a:t>    </a:t>
+            </a:r>
+            <a:r>
+              <a:rPr lang="en-US" altLang="ko-KR" sz="1000" dirty="0">
+                <a:solidFill>
+                  <a:srgbClr val="0000FF"/>
+                </a:solidFill>
+                <a:latin typeface="돋움체" panose="020B0609000101010101" pitchFamily="49" charset="-127"/>
+                <a:ea typeface="돋움체" panose="020B0609000101010101" pitchFamily="49" charset="-127"/>
+              </a:rPr>
+              <a:t>else</a:t>
+            </a:r>
+            <a:r>
+              <a:rPr lang="en-US" altLang="ko-KR" sz="1000" dirty="0">
+                <a:solidFill>
+                  <a:srgbClr val="000000"/>
+                </a:solidFill>
+                <a:latin typeface="돋움체" panose="020B0609000101010101" pitchFamily="49" charset="-127"/>
+                <a:ea typeface="돋움체" panose="020B0609000101010101" pitchFamily="49" charset="-127"/>
+              </a:rPr>
+              <a:t> </a:t>
+            </a:r>
+          </a:p>
+          <a:p>
+            <a:r>
+              <a:rPr lang="ko-KR" altLang="en-US" sz="1000" dirty="0">
+                <a:solidFill>
+                  <a:srgbClr val="000000"/>
+                </a:solidFill>
+                <a:latin typeface="돋움체" panose="020B0609000101010101" pitchFamily="49" charset="-127"/>
+                <a:ea typeface="돋움체" panose="020B0609000101010101" pitchFamily="49" charset="-127"/>
+              </a:rPr>
+              <a:t>    </a:t>
+            </a:r>
+            <a:r>
+              <a:rPr lang="en-US" altLang="ko-KR" sz="1000" dirty="0">
+                <a:solidFill>
+                  <a:srgbClr val="000000"/>
+                </a:solidFill>
+                <a:latin typeface="돋움체" panose="020B0609000101010101" pitchFamily="49" charset="-127"/>
+                <a:ea typeface="돋움체" panose="020B0609000101010101" pitchFamily="49" charset="-127"/>
+              </a:rPr>
+              <a:t>{</a:t>
+            </a:r>
+          </a:p>
+          <a:p>
+            <a:r>
+              <a:rPr lang="en-US" altLang="ko-KR" sz="1000" dirty="0">
+                <a:solidFill>
+                  <a:srgbClr val="000000"/>
+                </a:solidFill>
+                <a:latin typeface="돋움체" panose="020B0609000101010101" pitchFamily="49" charset="-127"/>
+                <a:ea typeface="돋움체" panose="020B0609000101010101" pitchFamily="49" charset="-127"/>
+              </a:rPr>
+              <a:t>        console.log(</a:t>
+            </a:r>
+            <a:r>
+              <a:rPr lang="en-US" altLang="ko-KR" sz="1000" dirty="0">
+                <a:solidFill>
+                  <a:srgbClr val="A31515"/>
+                </a:solidFill>
+                <a:latin typeface="돋움체" panose="020B0609000101010101" pitchFamily="49" charset="-127"/>
+                <a:ea typeface="돋움체" panose="020B0609000101010101" pitchFamily="49" charset="-127"/>
+              </a:rPr>
+              <a:t>"</a:t>
+            </a:r>
+            <a:r>
+              <a:rPr lang="ko-KR" altLang="en-US" sz="1000" dirty="0">
+                <a:solidFill>
+                  <a:srgbClr val="A31515"/>
+                </a:solidFill>
+                <a:latin typeface="돋움체" panose="020B0609000101010101" pitchFamily="49" charset="-127"/>
+                <a:ea typeface="돋움체" panose="020B0609000101010101" pitchFamily="49" charset="-127"/>
+              </a:rPr>
+              <a:t>게임 끝</a:t>
+            </a:r>
+            <a:r>
+              <a:rPr lang="en-US" altLang="ko-KR" sz="1000" dirty="0">
+                <a:solidFill>
+                  <a:srgbClr val="A31515"/>
+                </a:solidFill>
+                <a:latin typeface="돋움체" panose="020B0609000101010101" pitchFamily="49" charset="-127"/>
+                <a:ea typeface="돋움체" panose="020B0609000101010101" pitchFamily="49" charset="-127"/>
+              </a:rPr>
+              <a:t>"</a:t>
+            </a:r>
+            <a:r>
+              <a:rPr lang="en-US" altLang="ko-KR" sz="1000" dirty="0">
+                <a:solidFill>
+                  <a:srgbClr val="000000"/>
+                </a:solidFill>
+                <a:latin typeface="돋움체" panose="020B0609000101010101" pitchFamily="49" charset="-127"/>
+                <a:ea typeface="돋움체" panose="020B0609000101010101" pitchFamily="49" charset="-127"/>
+              </a:rPr>
+              <a:t>);</a:t>
+            </a:r>
+          </a:p>
+          <a:p>
+            <a:r>
+              <a:rPr lang="ko-KR" altLang="en-US" sz="1000" dirty="0">
+                <a:solidFill>
+                  <a:srgbClr val="000000"/>
+                </a:solidFill>
+                <a:latin typeface="돋움체" panose="020B0609000101010101" pitchFamily="49" charset="-127"/>
+                <a:ea typeface="돋움체" panose="020B0609000101010101" pitchFamily="49" charset="-127"/>
+              </a:rPr>
+              <a:t>    </a:t>
+            </a:r>
+            <a:r>
+              <a:rPr lang="en-US" altLang="ko-KR" sz="1000" dirty="0">
+                <a:solidFill>
+                  <a:srgbClr val="000000"/>
+                </a:solidFill>
+                <a:latin typeface="돋움체" panose="020B0609000101010101" pitchFamily="49" charset="-127"/>
+                <a:ea typeface="돋움체" panose="020B0609000101010101" pitchFamily="49" charset="-127"/>
+              </a:rPr>
+              <a:t>}</a:t>
+            </a:r>
+          </a:p>
+          <a:p>
+            <a:r>
+              <a:rPr lang="en-US" altLang="ko-KR" sz="1000" dirty="0">
+                <a:solidFill>
+                  <a:srgbClr val="000000"/>
+                </a:solidFill>
+                <a:latin typeface="돋움체" panose="020B0609000101010101" pitchFamily="49" charset="-127"/>
+                <a:ea typeface="돋움체" panose="020B0609000101010101" pitchFamily="49" charset="-127"/>
+              </a:rPr>
+              <a:t>};</a:t>
+            </a:r>
+            <a:endParaRPr lang="ko-KR" altLang="en-US" sz="1000" dirty="0"/>
+          </a:p>
+        </p:txBody>
+      </p:sp>
+    </p:spTree>
+    <p:extLst>
+      <p:ext uri="{BB962C8B-B14F-4D97-AF65-F5344CB8AC3E}">
+        <p14:creationId xmlns:p14="http://schemas.microsoft.com/office/powerpoint/2010/main" val="3371741288"/>
       </p:ext>
     </p:extLst>
   </p:cSld>

--- a/week2/js2주 5회차 과제/i-keeper js2주 5회차 과제.pptx
+++ b/week2/js2주 5회차 과제/i-keeper js2주 5회차 과제.pptx
@@ -132,7 +132,7 @@
   <pc:docChgLst>
     <pc:chgData name="영록 이" userId="2230d7116141ff97" providerId="LiveId" clId="{C63D69A4-6799-4B17-9FAB-5A5673F569BC}"/>
     <pc:docChg chg="undo custSel addSld delSld modSld">
-      <pc:chgData name="영록 이" userId="2230d7116141ff97" providerId="LiveId" clId="{C63D69A4-6799-4B17-9FAB-5A5673F569BC}" dt="2023-10-06T09:54:31.106" v="5788" actId="20577"/>
+      <pc:chgData name="영록 이" userId="2230d7116141ff97" providerId="LiveId" clId="{C63D69A4-6799-4B17-9FAB-5A5673F569BC}" dt="2023-10-06T10:00:08.524" v="5790" actId="20577"/>
       <pc:docMkLst>
         <pc:docMk/>
       </pc:docMkLst>
@@ -638,7 +638,7 @@
         </pc:spChg>
       </pc:sldChg>
       <pc:sldChg chg="addSp delSp modSp new mod">
-        <pc:chgData name="영록 이" userId="2230d7116141ff97" providerId="LiveId" clId="{C63D69A4-6799-4B17-9FAB-5A5673F569BC}" dt="2023-10-06T09:53:45.787" v="5709" actId="20577"/>
+        <pc:chgData name="영록 이" userId="2230d7116141ff97" providerId="LiveId" clId="{C63D69A4-6799-4B17-9FAB-5A5673F569BC}" dt="2023-10-06T10:00:08.524" v="5790" actId="20577"/>
         <pc:sldMkLst>
           <pc:docMk/>
           <pc:sldMk cId="3371741288" sldId="263"/>
@@ -660,7 +660,7 @@
           </ac:spMkLst>
         </pc:spChg>
         <pc:spChg chg="add mod">
-          <ac:chgData name="영록 이" userId="2230d7116141ff97" providerId="LiveId" clId="{C63D69A4-6799-4B17-9FAB-5A5673F569BC}" dt="2023-10-06T09:53:45.787" v="5709" actId="20577"/>
+          <ac:chgData name="영록 이" userId="2230d7116141ff97" providerId="LiveId" clId="{C63D69A4-6799-4B17-9FAB-5A5673F569BC}" dt="2023-10-06T10:00:08.524" v="5790" actId="20577"/>
           <ac:spMkLst>
             <pc:docMk/>
             <pc:sldMk cId="3371741288" sldId="263"/>
@@ -10067,7 +10067,17 @@
                 <a:latin typeface="돋움체" panose="020B0609000101010101" pitchFamily="49" charset="-127"/>
                 <a:ea typeface="돋움체" panose="020B0609000101010101" pitchFamily="49" charset="-127"/>
               </a:rPr>
-              <a:t> 0; </a:t>
+              <a:t> </a:t>
+            </a:r>
+            <a:r>
+              <a:rPr lang="en-US" altLang="ko-KR" sz="1000">
+                <a:solidFill>
+                  <a:srgbClr val="000000"/>
+                </a:solidFill>
+                <a:latin typeface="돋움체" panose="020B0609000101010101" pitchFamily="49" charset="-127"/>
+                <a:ea typeface="돋움체" panose="020B0609000101010101" pitchFamily="49" charset="-127"/>
+              </a:rPr>
+              <a:t>0;// </a:t>
             </a:r>
             <a:r>
               <a:rPr lang="ko-KR" altLang="en-US" sz="1000" dirty="0">
